--- a/docs/diagrams/UndoRedoNewCommand4StateListDiagram.pptx
+++ b/docs/diagrams/UndoRedoNewCommand4StateListDiagram.pptx
@@ -112,8 +112,81 @@
 </p:presentation>
 </file>
 
-<file path=ppt/revisionInfo.xml><?xml version="1.0" encoding="utf-8"?>
-<p1510:revInfo xmlns:a="http://schemas.openxmlformats.org/drawingml/2006/main" xmlns:r="http://schemas.openxmlformats.org/officeDocument/2006/relationships" xmlns:p1510="http://schemas.microsoft.com/office/powerpoint/2015/10/main"/>
+<file path=ppt/changesInfos/changesInfo1.xml><?xml version="1.0" encoding="utf-8"?>
+<pc:chgInfo xmlns:a="http://schemas.openxmlformats.org/drawingml/2006/main" xmlns:r="http://schemas.openxmlformats.org/officeDocument/2006/relationships" xmlns:ac="http://schemas.microsoft.com/office/drawing/2013/main/command" xmlns:pc="http://schemas.microsoft.com/office/powerpoint/2013/main/command">
+  <pc:docChgLst>
+    <pc:chgData name="Shengmin Leong" userId="075411cc4697ef0d" providerId="LiveId" clId="{F3561A49-0376-4AC6-BF98-1EBC07CD8F9C}"/>
+    <pc:docChg chg="modSld">
+      <pc:chgData name="Shengmin Leong" userId="075411cc4697ef0d" providerId="LiveId" clId="{F3561A49-0376-4AC6-BF98-1EBC07CD8F9C}" dt="2018-10-14T08:09:48.876" v="19" actId="20577"/>
+      <pc:docMkLst>
+        <pc:docMk/>
+      </pc:docMkLst>
+      <pc:sldChg chg="modSp">
+        <pc:chgData name="Shengmin Leong" userId="075411cc4697ef0d" providerId="LiveId" clId="{F3561A49-0376-4AC6-BF98-1EBC07CD8F9C}" dt="2018-10-14T08:09:48.876" v="19" actId="20577"/>
+        <pc:sldMkLst>
+          <pc:docMk/>
+          <pc:sldMk cId="3338945851" sldId="256"/>
+        </pc:sldMkLst>
+        <pc:spChg chg="mod">
+          <ac:chgData name="Shengmin Leong" userId="075411cc4697ef0d" providerId="LiveId" clId="{F3561A49-0376-4AC6-BF98-1EBC07CD8F9C}" dt="2018-10-14T08:09:48.876" v="19" actId="20577"/>
+          <ac:spMkLst>
+            <pc:docMk/>
+            <pc:sldMk cId="3338945851" sldId="256"/>
+            <ac:spMk id="15" creationId="{032C4FEA-C10B-4133-9BF6-AF6F40CC1AD4}"/>
+          </ac:spMkLst>
+        </pc:spChg>
+        <pc:graphicFrameChg chg="mod modGraphic">
+          <ac:chgData name="Shengmin Leong" userId="075411cc4697ef0d" providerId="LiveId" clId="{F3561A49-0376-4AC6-BF98-1EBC07CD8F9C}" dt="2018-10-14T08:09:22.106" v="2"/>
+          <ac:graphicFrameMkLst>
+            <pc:docMk/>
+            <pc:sldMk cId="3338945851" sldId="256"/>
+            <ac:graphicFrameMk id="16" creationId="{F545FAB8-F1CE-4886-9BDE-E772BCB0A9C4}"/>
+          </ac:graphicFrameMkLst>
+        </pc:graphicFrameChg>
+        <pc:graphicFrameChg chg="mod modGraphic">
+          <ac:chgData name="Shengmin Leong" userId="075411cc4697ef0d" providerId="LiveId" clId="{F3561A49-0376-4AC6-BF98-1EBC07CD8F9C}" dt="2018-10-14T08:09:26.282" v="5" actId="20577"/>
+          <ac:graphicFrameMkLst>
+            <pc:docMk/>
+            <pc:sldMk cId="3338945851" sldId="256"/>
+            <ac:graphicFrameMk id="29" creationId="{F545FAB8-F1CE-4886-9BDE-E772BCB0A9C4}"/>
+          </ac:graphicFrameMkLst>
+        </pc:graphicFrameChg>
+        <pc:graphicFrameChg chg="mod modGraphic">
+          <ac:chgData name="Shengmin Leong" userId="075411cc4697ef0d" providerId="LiveId" clId="{F3561A49-0376-4AC6-BF98-1EBC07CD8F9C}" dt="2018-10-14T08:09:29.608" v="8" actId="20577"/>
+          <ac:graphicFrameMkLst>
+            <pc:docMk/>
+            <pc:sldMk cId="3338945851" sldId="256"/>
+            <ac:graphicFrameMk id="30" creationId="{F545FAB8-F1CE-4886-9BDE-E772BCB0A9C4}"/>
+          </ac:graphicFrameMkLst>
+        </pc:graphicFrameChg>
+        <pc:graphicFrameChg chg="mod modGraphic">
+          <ac:chgData name="Shengmin Leong" userId="075411cc4697ef0d" providerId="LiveId" clId="{F3561A49-0376-4AC6-BF98-1EBC07CD8F9C}" dt="2018-10-14T08:09:35.842" v="11"/>
+          <ac:graphicFrameMkLst>
+            <pc:docMk/>
+            <pc:sldMk cId="3338945851" sldId="256"/>
+            <ac:graphicFrameMk id="31" creationId="{F545FAB8-F1CE-4886-9BDE-E772BCB0A9C4}"/>
+          </ac:graphicFrameMkLst>
+        </pc:graphicFrameChg>
+        <pc:graphicFrameChg chg="mod modGraphic">
+          <ac:chgData name="Shengmin Leong" userId="075411cc4697ef0d" providerId="LiveId" clId="{F3561A49-0376-4AC6-BF98-1EBC07CD8F9C}" dt="2018-10-14T08:09:41.116" v="14"/>
+          <ac:graphicFrameMkLst>
+            <pc:docMk/>
+            <pc:sldMk cId="3338945851" sldId="256"/>
+            <ac:graphicFrameMk id="32" creationId="{F545FAB8-F1CE-4886-9BDE-E772BCB0A9C4}"/>
+          </ac:graphicFrameMkLst>
+        </pc:graphicFrameChg>
+        <pc:graphicFrameChg chg="mod modGraphic">
+          <ac:chgData name="Shengmin Leong" userId="075411cc4697ef0d" providerId="LiveId" clId="{F3561A49-0376-4AC6-BF98-1EBC07CD8F9C}" dt="2018-10-14T08:09:45.962" v="17"/>
+          <ac:graphicFrameMkLst>
+            <pc:docMk/>
+            <pc:sldMk cId="3338945851" sldId="256"/>
+            <ac:graphicFrameMk id="33" creationId="{F545FAB8-F1CE-4886-9BDE-E772BCB0A9C4}"/>
+          </ac:graphicFrameMkLst>
+        </pc:graphicFrameChg>
+      </pc:sldChg>
+    </pc:docChg>
+  </pc:docChgLst>
+</pc:chgInfo>
 </file>
 
 <file path=ppt/slideLayouts/slideLayout1.xml><?xml version="1.0" encoding="utf-8"?>
@@ -265,7 +338,7 @@
           <a:p>
             <a:fld id="{03EC4E3E-8101-482F-A883-8B55DAFF7C07}" type="datetimeFigureOut">
               <a:rPr lang="en-SG" smtClean="0"/>
-              <a:t>6/7/2018</a:t>
+              <a:t>14/10/2018</a:t>
             </a:fld>
             <a:endParaRPr lang="en-SG"/>
           </a:p>
@@ -465,7 +538,7 @@
           <a:p>
             <a:fld id="{03EC4E3E-8101-482F-A883-8B55DAFF7C07}" type="datetimeFigureOut">
               <a:rPr lang="en-SG" smtClean="0"/>
-              <a:t>6/7/2018</a:t>
+              <a:t>14/10/2018</a:t>
             </a:fld>
             <a:endParaRPr lang="en-SG"/>
           </a:p>
@@ -675,7 +748,7 @@
           <a:p>
             <a:fld id="{03EC4E3E-8101-482F-A883-8B55DAFF7C07}" type="datetimeFigureOut">
               <a:rPr lang="en-SG" smtClean="0"/>
-              <a:t>6/7/2018</a:t>
+              <a:t>14/10/2018</a:t>
             </a:fld>
             <a:endParaRPr lang="en-SG"/>
           </a:p>
@@ -875,7 +948,7 @@
           <a:p>
             <a:fld id="{03EC4E3E-8101-482F-A883-8B55DAFF7C07}" type="datetimeFigureOut">
               <a:rPr lang="en-SG" smtClean="0"/>
-              <a:t>6/7/2018</a:t>
+              <a:t>14/10/2018</a:t>
             </a:fld>
             <a:endParaRPr lang="en-SG"/>
           </a:p>
@@ -1151,7 +1224,7 @@
           <a:p>
             <a:fld id="{03EC4E3E-8101-482F-A883-8B55DAFF7C07}" type="datetimeFigureOut">
               <a:rPr lang="en-SG" smtClean="0"/>
-              <a:t>6/7/2018</a:t>
+              <a:t>14/10/2018</a:t>
             </a:fld>
             <a:endParaRPr lang="en-SG"/>
           </a:p>
@@ -1419,7 +1492,7 @@
           <a:p>
             <a:fld id="{03EC4E3E-8101-482F-A883-8B55DAFF7C07}" type="datetimeFigureOut">
               <a:rPr lang="en-SG" smtClean="0"/>
-              <a:t>6/7/2018</a:t>
+              <a:t>14/10/2018</a:t>
             </a:fld>
             <a:endParaRPr lang="en-SG"/>
           </a:p>
@@ -1834,7 +1907,7 @@
           <a:p>
             <a:fld id="{03EC4E3E-8101-482F-A883-8B55DAFF7C07}" type="datetimeFigureOut">
               <a:rPr lang="en-SG" smtClean="0"/>
-              <a:t>6/7/2018</a:t>
+              <a:t>14/10/2018</a:t>
             </a:fld>
             <a:endParaRPr lang="en-SG"/>
           </a:p>
@@ -1976,7 +2049,7 @@
           <a:p>
             <a:fld id="{03EC4E3E-8101-482F-A883-8B55DAFF7C07}" type="datetimeFigureOut">
               <a:rPr lang="en-SG" smtClean="0"/>
-              <a:t>6/7/2018</a:t>
+              <a:t>14/10/2018</a:t>
             </a:fld>
             <a:endParaRPr lang="en-SG"/>
           </a:p>
@@ -2089,7 +2162,7 @@
           <a:p>
             <a:fld id="{03EC4E3E-8101-482F-A883-8B55DAFF7C07}" type="datetimeFigureOut">
               <a:rPr lang="en-SG" smtClean="0"/>
-              <a:t>6/7/2018</a:t>
+              <a:t>14/10/2018</a:t>
             </a:fld>
             <a:endParaRPr lang="en-SG"/>
           </a:p>
@@ -2402,7 +2475,7 @@
           <a:p>
             <a:fld id="{03EC4E3E-8101-482F-A883-8B55DAFF7C07}" type="datetimeFigureOut">
               <a:rPr lang="en-SG" smtClean="0"/>
-              <a:t>6/7/2018</a:t>
+              <a:t>14/10/2018</a:t>
             </a:fld>
             <a:endParaRPr lang="en-SG"/>
           </a:p>
@@ -2691,7 +2764,7 @@
           <a:p>
             <a:fld id="{03EC4E3E-8101-482F-A883-8B55DAFF7C07}" type="datetimeFigureOut">
               <a:rPr lang="en-SG" smtClean="0"/>
-              <a:t>6/7/2018</a:t>
+              <a:t>14/10/2018</a:t>
             </a:fld>
             <a:endParaRPr lang="en-SG"/>
           </a:p>
@@ -2934,7 +3007,7 @@
           <a:p>
             <a:fld id="{03EC4E3E-8101-482F-A883-8B55DAFF7C07}" type="datetimeFigureOut">
               <a:rPr lang="en-SG" smtClean="0"/>
-              <a:t>6/7/2018</a:t>
+              <a:t>14/10/2018</a:t>
             </a:fld>
             <a:endParaRPr lang="en-SG"/>
           </a:p>
@@ -3451,7 +3524,7 @@
             <a:pPr algn="ctr"/>
             <a:r>
               <a:rPr lang="en-SG"/>
-              <a:t>State ab2 </a:t>
+              <a:t>State wb2 </a:t>
             </a:r>
             <a:r>
               <a:rPr lang="en-SG" dirty="0"/>
@@ -3655,7 +3728,7 @@
           <p:nvPr>
             <p:extLst>
               <p:ext uri="{D42A27DB-BD31-4B8C-83A1-F6EECF244321}">
-                <p14:modId xmlns:p14="http://schemas.microsoft.com/office/powerpoint/2010/main" val="1352982134"/>
+                <p14:modId xmlns:p14="http://schemas.microsoft.com/office/powerpoint/2010/main" val="902482017"/>
               </p:ext>
             </p:extLst>
           </p:nvPr>
@@ -3687,11 +3760,11 @@
                     <a:p>
                       <a:r>
                         <a:rPr lang="en-SG" u="sng" dirty="0"/>
-                        <a:t>ab0:</a:t>
+                        <a:t>wb0:Wish</a:t>
                       </a:r>
                       <a:r>
                         <a:rPr lang="en-SG" sz="1800" u="sng" dirty="0"/>
-                        <a:t>AddressBook</a:t>
+                        <a:t>Book</a:t>
                       </a:r>
                       <a:endParaRPr lang="en-SG" u="sng" dirty="0"/>
                     </a:p>
@@ -3723,7 +3796,7 @@
           <p:nvPr>
             <p:extLst>
               <p:ext uri="{D42A27DB-BD31-4B8C-83A1-F6EECF244321}">
-                <p14:modId xmlns:p14="http://schemas.microsoft.com/office/powerpoint/2010/main" val="829193732"/>
+                <p14:modId xmlns:p14="http://schemas.microsoft.com/office/powerpoint/2010/main" val="569557880"/>
               </p:ext>
             </p:extLst>
           </p:nvPr>
@@ -3755,11 +3828,11 @@
                     <a:p>
                       <a:r>
                         <a:rPr lang="en-SG" u="sng" dirty="0"/>
-                        <a:t>ab1:</a:t>
+                        <a:t>wb1:Wish</a:t>
                       </a:r>
                       <a:r>
                         <a:rPr lang="en-SG" sz="1800" u="sng" dirty="0"/>
-                        <a:t>AddressBook</a:t>
+                        <a:t>Book</a:t>
                       </a:r>
                       <a:endParaRPr lang="en-SG" u="sng" dirty="0"/>
                     </a:p>
@@ -3791,7 +3864,7 @@
           <p:nvPr>
             <p:extLst>
               <p:ext uri="{D42A27DB-BD31-4B8C-83A1-F6EECF244321}">
-                <p14:modId xmlns:p14="http://schemas.microsoft.com/office/powerpoint/2010/main" val="796708048"/>
+                <p14:modId xmlns:p14="http://schemas.microsoft.com/office/powerpoint/2010/main" val="1169904732"/>
               </p:ext>
             </p:extLst>
           </p:nvPr>
@@ -3823,11 +3896,11 @@
                     <a:p>
                       <a:r>
                         <a:rPr lang="en-SG" u="sng" dirty="0"/>
-                        <a:t>ab2:</a:t>
+                        <a:t>wb2:Wish</a:t>
                       </a:r>
                       <a:r>
                         <a:rPr lang="en-SG" sz="1800" u="sng" dirty="0"/>
-                        <a:t>AddressBook</a:t>
+                        <a:t>Book</a:t>
                       </a:r>
                       <a:endParaRPr lang="en-SG" u="sng" dirty="0"/>
                     </a:p>
@@ -3859,7 +3932,7 @@
           <p:nvPr>
             <p:extLst>
               <p:ext uri="{D42A27DB-BD31-4B8C-83A1-F6EECF244321}">
-                <p14:modId xmlns:p14="http://schemas.microsoft.com/office/powerpoint/2010/main" val="377617300"/>
+                <p14:modId xmlns:p14="http://schemas.microsoft.com/office/powerpoint/2010/main" val="2047035986"/>
               </p:ext>
             </p:extLst>
           </p:nvPr>
@@ -3891,11 +3964,11 @@
                     <a:p>
                       <a:r>
                         <a:rPr lang="en-SG" u="sng" dirty="0"/>
-                        <a:t>ab0:</a:t>
+                        <a:t>wb0:Wish</a:t>
                       </a:r>
                       <a:r>
                         <a:rPr lang="en-SG" sz="1800" u="sng" dirty="0"/>
-                        <a:t>AddressBook</a:t>
+                        <a:t>Book</a:t>
                       </a:r>
                       <a:endParaRPr lang="en-SG" u="sng" dirty="0"/>
                     </a:p>
@@ -3927,7 +4000,7 @@
           <p:nvPr>
             <p:extLst>
               <p:ext uri="{D42A27DB-BD31-4B8C-83A1-F6EECF244321}">
-                <p14:modId xmlns:p14="http://schemas.microsoft.com/office/powerpoint/2010/main" val="4076322253"/>
+                <p14:modId xmlns:p14="http://schemas.microsoft.com/office/powerpoint/2010/main" val="709077054"/>
               </p:ext>
             </p:extLst>
           </p:nvPr>
@@ -3959,11 +4032,11 @@
                     <a:p>
                       <a:r>
                         <a:rPr lang="en-SG" u="sng" dirty="0"/>
-                        <a:t>ab1:</a:t>
+                        <a:t>wb1:Wish</a:t>
                       </a:r>
                       <a:r>
                         <a:rPr lang="en-SG" sz="1800" u="sng" dirty="0"/>
-                        <a:t>AddressBook</a:t>
+                        <a:t>Book</a:t>
                       </a:r>
                       <a:endParaRPr lang="en-SG" u="sng" dirty="0"/>
                     </a:p>
@@ -3995,7 +4068,7 @@
           <p:nvPr>
             <p:extLst>
               <p:ext uri="{D42A27DB-BD31-4B8C-83A1-F6EECF244321}">
-                <p14:modId xmlns:p14="http://schemas.microsoft.com/office/powerpoint/2010/main" val="53411958"/>
+                <p14:modId xmlns:p14="http://schemas.microsoft.com/office/powerpoint/2010/main" val="3833837046"/>
               </p:ext>
             </p:extLst>
           </p:nvPr>
@@ -4027,11 +4100,11 @@
                     <a:p>
                       <a:r>
                         <a:rPr lang="en-SG" u="sng" dirty="0"/>
-                        <a:t>ab3:</a:t>
+                        <a:t>wb3:Wish</a:t>
                       </a:r>
                       <a:r>
                         <a:rPr lang="en-SG" sz="1800" u="sng" dirty="0"/>
-                        <a:t>AddressBook</a:t>
+                        <a:t>Book</a:t>
                       </a:r>
                       <a:endParaRPr lang="en-SG" u="sng" dirty="0"/>
                     </a:p>

--- a/docs/diagrams/UndoRedoNewCommand4StateListDiagram.pptx
+++ b/docs/diagrams/UndoRedoNewCommand4StateListDiagram.pptx
@@ -112,8 +112,81 @@
 </p:presentation>
 </file>
 
-<file path=ppt/revisionInfo.xml><?xml version="1.0" encoding="utf-8"?>
-<p1510:revInfo xmlns:a="http://schemas.openxmlformats.org/drawingml/2006/main" xmlns:r="http://schemas.openxmlformats.org/officeDocument/2006/relationships" xmlns:p1510="http://schemas.microsoft.com/office/powerpoint/2015/10/main"/>
+<file path=ppt/changesInfos/changesInfo1.xml><?xml version="1.0" encoding="utf-8"?>
+<pc:chgInfo xmlns:a="http://schemas.openxmlformats.org/drawingml/2006/main" xmlns:r="http://schemas.openxmlformats.org/officeDocument/2006/relationships" xmlns:ac="http://schemas.microsoft.com/office/drawing/2013/main/command" xmlns:pc="http://schemas.microsoft.com/office/powerpoint/2013/main/command">
+  <pc:docChgLst>
+    <pc:chgData name="Lionel Tan Junzer" userId="04b849c6f1991e6b" providerId="LiveId" clId="{62A81B49-3675-4864-AA05-BB3E7434FF28}"/>
+    <pc:docChg chg="modSld">
+      <pc:chgData name="Lionel Tan Junzer" userId="04b849c6f1991e6b" providerId="LiveId" clId="{62A81B49-3675-4864-AA05-BB3E7434FF28}" dt="2018-10-15T06:41:24.601" v="79" actId="20577"/>
+      <pc:docMkLst>
+        <pc:docMk/>
+      </pc:docMkLst>
+      <pc:sldChg chg="modSp">
+        <pc:chgData name="Lionel Tan Junzer" userId="04b849c6f1991e6b" providerId="LiveId" clId="{62A81B49-3675-4864-AA05-BB3E7434FF28}" dt="2018-10-15T06:41:24.601" v="79" actId="20577"/>
+        <pc:sldMkLst>
+          <pc:docMk/>
+          <pc:sldMk cId="3338945851" sldId="256"/>
+        </pc:sldMkLst>
+        <pc:spChg chg="mod">
+          <ac:chgData name="Lionel Tan Junzer" userId="04b849c6f1991e6b" providerId="LiveId" clId="{62A81B49-3675-4864-AA05-BB3E7434FF28}" dt="2018-10-15T06:41:24.601" v="79" actId="20577"/>
+          <ac:spMkLst>
+            <pc:docMk/>
+            <pc:sldMk cId="3338945851" sldId="256"/>
+            <ac:spMk id="15" creationId="{032C4FEA-C10B-4133-9BF6-AF6F40CC1AD4}"/>
+          </ac:spMkLst>
+        </pc:spChg>
+        <pc:graphicFrameChg chg="modGraphic">
+          <ac:chgData name="Lionel Tan Junzer" userId="04b849c6f1991e6b" providerId="LiveId" clId="{62A81B49-3675-4864-AA05-BB3E7434FF28}" dt="2018-10-15T06:41:06.263" v="38" actId="20577"/>
+          <ac:graphicFrameMkLst>
+            <pc:docMk/>
+            <pc:sldMk cId="3338945851" sldId="256"/>
+            <ac:graphicFrameMk id="16" creationId="{F545FAB8-F1CE-4886-9BDE-E772BCB0A9C4}"/>
+          </ac:graphicFrameMkLst>
+        </pc:graphicFrameChg>
+        <pc:graphicFrameChg chg="modGraphic">
+          <ac:chgData name="Lionel Tan Junzer" userId="04b849c6f1991e6b" providerId="LiveId" clId="{62A81B49-3675-4864-AA05-BB3E7434FF28}" dt="2018-10-15T06:41:00.903" v="25" actId="20577"/>
+          <ac:graphicFrameMkLst>
+            <pc:docMk/>
+            <pc:sldMk cId="3338945851" sldId="256"/>
+            <ac:graphicFrameMk id="29" creationId="{F545FAB8-F1CE-4886-9BDE-E772BCB0A9C4}"/>
+          </ac:graphicFrameMkLst>
+        </pc:graphicFrameChg>
+        <pc:graphicFrameChg chg="modGraphic">
+          <ac:chgData name="Lionel Tan Junzer" userId="04b849c6f1991e6b" providerId="LiveId" clId="{62A81B49-3675-4864-AA05-BB3E7434FF28}" dt="2018-10-15T06:40:55.896" v="12" actId="20577"/>
+          <ac:graphicFrameMkLst>
+            <pc:docMk/>
+            <pc:sldMk cId="3338945851" sldId="256"/>
+            <ac:graphicFrameMk id="30" creationId="{F545FAB8-F1CE-4886-9BDE-E772BCB0A9C4}"/>
+          </ac:graphicFrameMkLst>
+        </pc:graphicFrameChg>
+        <pc:graphicFrameChg chg="modGraphic">
+          <ac:chgData name="Lionel Tan Junzer" userId="04b849c6f1991e6b" providerId="LiveId" clId="{62A81B49-3675-4864-AA05-BB3E7434FF28}" dt="2018-10-15T06:41:11.782" v="51" actId="20577"/>
+          <ac:graphicFrameMkLst>
+            <pc:docMk/>
+            <pc:sldMk cId="3338945851" sldId="256"/>
+            <ac:graphicFrameMk id="31" creationId="{F545FAB8-F1CE-4886-9BDE-E772BCB0A9C4}"/>
+          </ac:graphicFrameMkLst>
+        </pc:graphicFrameChg>
+        <pc:graphicFrameChg chg="modGraphic">
+          <ac:chgData name="Lionel Tan Junzer" userId="04b849c6f1991e6b" providerId="LiveId" clId="{62A81B49-3675-4864-AA05-BB3E7434FF28}" dt="2018-10-15T06:41:17.196" v="64" actId="20577"/>
+          <ac:graphicFrameMkLst>
+            <pc:docMk/>
+            <pc:sldMk cId="3338945851" sldId="256"/>
+            <ac:graphicFrameMk id="32" creationId="{F545FAB8-F1CE-4886-9BDE-E772BCB0A9C4}"/>
+          </ac:graphicFrameMkLst>
+        </pc:graphicFrameChg>
+        <pc:graphicFrameChg chg="modGraphic">
+          <ac:chgData name="Lionel Tan Junzer" userId="04b849c6f1991e6b" providerId="LiveId" clId="{62A81B49-3675-4864-AA05-BB3E7434FF28}" dt="2018-10-15T06:41:22.200" v="77" actId="20577"/>
+          <ac:graphicFrameMkLst>
+            <pc:docMk/>
+            <pc:sldMk cId="3338945851" sldId="256"/>
+            <ac:graphicFrameMk id="33" creationId="{F545FAB8-F1CE-4886-9BDE-E772BCB0A9C4}"/>
+          </ac:graphicFrameMkLst>
+        </pc:graphicFrameChg>
+      </pc:sldChg>
+    </pc:docChg>
+  </pc:docChgLst>
+</pc:chgInfo>
 </file>
 
 <file path=ppt/slideLayouts/slideLayout1.xml><?xml version="1.0" encoding="utf-8"?>
@@ -265,7 +338,7 @@
           <a:p>
             <a:fld id="{03EC4E3E-8101-482F-A883-8B55DAFF7C07}" type="datetimeFigureOut">
               <a:rPr lang="en-SG" smtClean="0"/>
-              <a:t>6/7/2018</a:t>
+              <a:t>15/10/2018</a:t>
             </a:fld>
             <a:endParaRPr lang="en-SG"/>
           </a:p>
@@ -465,7 +538,7 @@
           <a:p>
             <a:fld id="{03EC4E3E-8101-482F-A883-8B55DAFF7C07}" type="datetimeFigureOut">
               <a:rPr lang="en-SG" smtClean="0"/>
-              <a:t>6/7/2018</a:t>
+              <a:t>15/10/2018</a:t>
             </a:fld>
             <a:endParaRPr lang="en-SG"/>
           </a:p>
@@ -675,7 +748,7 @@
           <a:p>
             <a:fld id="{03EC4E3E-8101-482F-A883-8B55DAFF7C07}" type="datetimeFigureOut">
               <a:rPr lang="en-SG" smtClean="0"/>
-              <a:t>6/7/2018</a:t>
+              <a:t>15/10/2018</a:t>
             </a:fld>
             <a:endParaRPr lang="en-SG"/>
           </a:p>
@@ -875,7 +948,7 @@
           <a:p>
             <a:fld id="{03EC4E3E-8101-482F-A883-8B55DAFF7C07}" type="datetimeFigureOut">
               <a:rPr lang="en-SG" smtClean="0"/>
-              <a:t>6/7/2018</a:t>
+              <a:t>15/10/2018</a:t>
             </a:fld>
             <a:endParaRPr lang="en-SG"/>
           </a:p>
@@ -1151,7 +1224,7 @@
           <a:p>
             <a:fld id="{03EC4E3E-8101-482F-A883-8B55DAFF7C07}" type="datetimeFigureOut">
               <a:rPr lang="en-SG" smtClean="0"/>
-              <a:t>6/7/2018</a:t>
+              <a:t>15/10/2018</a:t>
             </a:fld>
             <a:endParaRPr lang="en-SG"/>
           </a:p>
@@ -1419,7 +1492,7 @@
           <a:p>
             <a:fld id="{03EC4E3E-8101-482F-A883-8B55DAFF7C07}" type="datetimeFigureOut">
               <a:rPr lang="en-SG" smtClean="0"/>
-              <a:t>6/7/2018</a:t>
+              <a:t>15/10/2018</a:t>
             </a:fld>
             <a:endParaRPr lang="en-SG"/>
           </a:p>
@@ -1834,7 +1907,7 @@
           <a:p>
             <a:fld id="{03EC4E3E-8101-482F-A883-8B55DAFF7C07}" type="datetimeFigureOut">
               <a:rPr lang="en-SG" smtClean="0"/>
-              <a:t>6/7/2018</a:t>
+              <a:t>15/10/2018</a:t>
             </a:fld>
             <a:endParaRPr lang="en-SG"/>
           </a:p>
@@ -1976,7 +2049,7 @@
           <a:p>
             <a:fld id="{03EC4E3E-8101-482F-A883-8B55DAFF7C07}" type="datetimeFigureOut">
               <a:rPr lang="en-SG" smtClean="0"/>
-              <a:t>6/7/2018</a:t>
+              <a:t>15/10/2018</a:t>
             </a:fld>
             <a:endParaRPr lang="en-SG"/>
           </a:p>
@@ -2089,7 +2162,7 @@
           <a:p>
             <a:fld id="{03EC4E3E-8101-482F-A883-8B55DAFF7C07}" type="datetimeFigureOut">
               <a:rPr lang="en-SG" smtClean="0"/>
-              <a:t>6/7/2018</a:t>
+              <a:t>15/10/2018</a:t>
             </a:fld>
             <a:endParaRPr lang="en-SG"/>
           </a:p>
@@ -2402,7 +2475,7 @@
           <a:p>
             <a:fld id="{03EC4E3E-8101-482F-A883-8B55DAFF7C07}" type="datetimeFigureOut">
               <a:rPr lang="en-SG" smtClean="0"/>
-              <a:t>6/7/2018</a:t>
+              <a:t>15/10/2018</a:t>
             </a:fld>
             <a:endParaRPr lang="en-SG"/>
           </a:p>
@@ -2691,7 +2764,7 @@
           <a:p>
             <a:fld id="{03EC4E3E-8101-482F-A883-8B55DAFF7C07}" type="datetimeFigureOut">
               <a:rPr lang="en-SG" smtClean="0"/>
-              <a:t>6/7/2018</a:t>
+              <a:t>15/10/2018</a:t>
             </a:fld>
             <a:endParaRPr lang="en-SG"/>
           </a:p>
@@ -2934,7 +3007,7 @@
           <a:p>
             <a:fld id="{03EC4E3E-8101-482F-A883-8B55DAFF7C07}" type="datetimeFigureOut">
               <a:rPr lang="en-SG" smtClean="0"/>
-              <a:t>6/7/2018</a:t>
+              <a:t>15/10/2018</a:t>
             </a:fld>
             <a:endParaRPr lang="en-SG"/>
           </a:p>
@@ -3450,12 +3523,8 @@
           <a:p>
             <a:pPr algn="ctr"/>
             <a:r>
-              <a:rPr lang="en-SG"/>
-              <a:t>State ab2 </a:t>
-            </a:r>
-            <a:r>
               <a:rPr lang="en-SG" dirty="0"/>
-              <a:t>deleted.</a:t>
+              <a:t>State wb2 deleted.</a:t>
             </a:r>
           </a:p>
         </p:txBody>
@@ -3655,7 +3724,7 @@
           <p:nvPr>
             <p:extLst>
               <p:ext uri="{D42A27DB-BD31-4B8C-83A1-F6EECF244321}">
-                <p14:modId xmlns:p14="http://schemas.microsoft.com/office/powerpoint/2010/main" val="1352982134"/>
+                <p14:modId xmlns:p14="http://schemas.microsoft.com/office/powerpoint/2010/main" val="1394705066"/>
               </p:ext>
             </p:extLst>
           </p:nvPr>
@@ -3687,11 +3756,11 @@
                     <a:p>
                       <a:r>
                         <a:rPr lang="en-SG" u="sng" dirty="0"/>
-                        <a:t>ab0:</a:t>
+                        <a:t>wb0:</a:t>
                       </a:r>
                       <a:r>
                         <a:rPr lang="en-SG" sz="1800" u="sng" dirty="0"/>
-                        <a:t>AddressBook</a:t>
+                        <a:t>WishBook</a:t>
                       </a:r>
                       <a:endParaRPr lang="en-SG" u="sng" dirty="0"/>
                     </a:p>
@@ -3723,7 +3792,7 @@
           <p:nvPr>
             <p:extLst>
               <p:ext uri="{D42A27DB-BD31-4B8C-83A1-F6EECF244321}">
-                <p14:modId xmlns:p14="http://schemas.microsoft.com/office/powerpoint/2010/main" val="829193732"/>
+                <p14:modId xmlns:p14="http://schemas.microsoft.com/office/powerpoint/2010/main" val="4002948587"/>
               </p:ext>
             </p:extLst>
           </p:nvPr>
@@ -3755,11 +3824,11 @@
                     <a:p>
                       <a:r>
                         <a:rPr lang="en-SG" u="sng" dirty="0"/>
-                        <a:t>ab1:</a:t>
+                        <a:t>wb1:</a:t>
                       </a:r>
                       <a:r>
                         <a:rPr lang="en-SG" sz="1800" u="sng" dirty="0"/>
-                        <a:t>AddressBook</a:t>
+                        <a:t>WishBook</a:t>
                       </a:r>
                       <a:endParaRPr lang="en-SG" u="sng" dirty="0"/>
                     </a:p>
@@ -3791,7 +3860,7 @@
           <p:nvPr>
             <p:extLst>
               <p:ext uri="{D42A27DB-BD31-4B8C-83A1-F6EECF244321}">
-                <p14:modId xmlns:p14="http://schemas.microsoft.com/office/powerpoint/2010/main" val="796708048"/>
+                <p14:modId xmlns:p14="http://schemas.microsoft.com/office/powerpoint/2010/main" val="648634606"/>
               </p:ext>
             </p:extLst>
           </p:nvPr>
@@ -3823,11 +3892,11 @@
                     <a:p>
                       <a:r>
                         <a:rPr lang="en-SG" u="sng" dirty="0"/>
-                        <a:t>ab2:</a:t>
+                        <a:t>wb2:</a:t>
                       </a:r>
                       <a:r>
                         <a:rPr lang="en-SG" sz="1800" u="sng" dirty="0"/>
-                        <a:t>AddressBook</a:t>
+                        <a:t>WishBook</a:t>
                       </a:r>
                       <a:endParaRPr lang="en-SG" u="sng" dirty="0"/>
                     </a:p>
@@ -3859,7 +3928,7 @@
           <p:nvPr>
             <p:extLst>
               <p:ext uri="{D42A27DB-BD31-4B8C-83A1-F6EECF244321}">
-                <p14:modId xmlns:p14="http://schemas.microsoft.com/office/powerpoint/2010/main" val="377617300"/>
+                <p14:modId xmlns:p14="http://schemas.microsoft.com/office/powerpoint/2010/main" val="14444188"/>
               </p:ext>
             </p:extLst>
           </p:nvPr>
@@ -3891,11 +3960,11 @@
                     <a:p>
                       <a:r>
                         <a:rPr lang="en-SG" u="sng" dirty="0"/>
-                        <a:t>ab0:</a:t>
+                        <a:t>wb0:</a:t>
                       </a:r>
                       <a:r>
                         <a:rPr lang="en-SG" sz="1800" u="sng" dirty="0"/>
-                        <a:t>AddressBook</a:t>
+                        <a:t>WishBook</a:t>
                       </a:r>
                       <a:endParaRPr lang="en-SG" u="sng" dirty="0"/>
                     </a:p>
@@ -3927,7 +3996,7 @@
           <p:nvPr>
             <p:extLst>
               <p:ext uri="{D42A27DB-BD31-4B8C-83A1-F6EECF244321}">
-                <p14:modId xmlns:p14="http://schemas.microsoft.com/office/powerpoint/2010/main" val="4076322253"/>
+                <p14:modId xmlns:p14="http://schemas.microsoft.com/office/powerpoint/2010/main" val="898238424"/>
               </p:ext>
             </p:extLst>
           </p:nvPr>
@@ -3959,11 +4028,11 @@
                     <a:p>
                       <a:r>
                         <a:rPr lang="en-SG" u="sng" dirty="0"/>
-                        <a:t>ab1:</a:t>
+                        <a:t>wb1:</a:t>
                       </a:r>
                       <a:r>
                         <a:rPr lang="en-SG" sz="1800" u="sng" dirty="0"/>
-                        <a:t>AddressBook</a:t>
+                        <a:t>WishBook</a:t>
                       </a:r>
                       <a:endParaRPr lang="en-SG" u="sng" dirty="0"/>
                     </a:p>
@@ -3995,7 +4064,7 @@
           <p:nvPr>
             <p:extLst>
               <p:ext uri="{D42A27DB-BD31-4B8C-83A1-F6EECF244321}">
-                <p14:modId xmlns:p14="http://schemas.microsoft.com/office/powerpoint/2010/main" val="53411958"/>
+                <p14:modId xmlns:p14="http://schemas.microsoft.com/office/powerpoint/2010/main" val="839273304"/>
               </p:ext>
             </p:extLst>
           </p:nvPr>
@@ -4027,11 +4096,11 @@
                     <a:p>
                       <a:r>
                         <a:rPr lang="en-SG" u="sng" dirty="0"/>
-                        <a:t>ab3:</a:t>
+                        <a:t>wb3:</a:t>
                       </a:r>
                       <a:r>
                         <a:rPr lang="en-SG" sz="1800" u="sng" dirty="0"/>
-                        <a:t>AddressBook</a:t>
+                        <a:t>WishBook</a:t>
                       </a:r>
                       <a:endParaRPr lang="en-SG" u="sng" dirty="0"/>
                     </a:p>

--- a/docs/diagrams/UndoRedoNewCommand4StateListDiagram.pptx
+++ b/docs/diagrams/UndoRedoNewCommand4StateListDiagram.pptx
@@ -112,81 +112,8 @@
 </p:presentation>
 </file>
 
-<file path=ppt/changesInfos/changesInfo1.xml><?xml version="1.0" encoding="utf-8"?>
-<pc:chgInfo xmlns:a="http://schemas.openxmlformats.org/drawingml/2006/main" xmlns:r="http://schemas.openxmlformats.org/officeDocument/2006/relationships" xmlns:ac="http://schemas.microsoft.com/office/drawing/2013/main/command" xmlns:pc="http://schemas.microsoft.com/office/powerpoint/2013/main/command">
-  <pc:docChgLst>
-    <pc:chgData name="Shengmin Leong" userId="075411cc4697ef0d" providerId="LiveId" clId="{F3561A49-0376-4AC6-BF98-1EBC07CD8F9C}"/>
-    <pc:docChg chg="modSld">
-      <pc:chgData name="Shengmin Leong" userId="075411cc4697ef0d" providerId="LiveId" clId="{F3561A49-0376-4AC6-BF98-1EBC07CD8F9C}" dt="2018-10-14T08:09:48.876" v="19" actId="20577"/>
-      <pc:docMkLst>
-        <pc:docMk/>
-      </pc:docMkLst>
-      <pc:sldChg chg="modSp">
-        <pc:chgData name="Shengmin Leong" userId="075411cc4697ef0d" providerId="LiveId" clId="{F3561A49-0376-4AC6-BF98-1EBC07CD8F9C}" dt="2018-10-14T08:09:48.876" v="19" actId="20577"/>
-        <pc:sldMkLst>
-          <pc:docMk/>
-          <pc:sldMk cId="3338945851" sldId="256"/>
-        </pc:sldMkLst>
-        <pc:spChg chg="mod">
-          <ac:chgData name="Shengmin Leong" userId="075411cc4697ef0d" providerId="LiveId" clId="{F3561A49-0376-4AC6-BF98-1EBC07CD8F9C}" dt="2018-10-14T08:09:48.876" v="19" actId="20577"/>
-          <ac:spMkLst>
-            <pc:docMk/>
-            <pc:sldMk cId="3338945851" sldId="256"/>
-            <ac:spMk id="15" creationId="{032C4FEA-C10B-4133-9BF6-AF6F40CC1AD4}"/>
-          </ac:spMkLst>
-        </pc:spChg>
-        <pc:graphicFrameChg chg="mod modGraphic">
-          <ac:chgData name="Shengmin Leong" userId="075411cc4697ef0d" providerId="LiveId" clId="{F3561A49-0376-4AC6-BF98-1EBC07CD8F9C}" dt="2018-10-14T08:09:22.106" v="2"/>
-          <ac:graphicFrameMkLst>
-            <pc:docMk/>
-            <pc:sldMk cId="3338945851" sldId="256"/>
-            <ac:graphicFrameMk id="16" creationId="{F545FAB8-F1CE-4886-9BDE-E772BCB0A9C4}"/>
-          </ac:graphicFrameMkLst>
-        </pc:graphicFrameChg>
-        <pc:graphicFrameChg chg="mod modGraphic">
-          <ac:chgData name="Shengmin Leong" userId="075411cc4697ef0d" providerId="LiveId" clId="{F3561A49-0376-4AC6-BF98-1EBC07CD8F9C}" dt="2018-10-14T08:09:26.282" v="5" actId="20577"/>
-          <ac:graphicFrameMkLst>
-            <pc:docMk/>
-            <pc:sldMk cId="3338945851" sldId="256"/>
-            <ac:graphicFrameMk id="29" creationId="{F545FAB8-F1CE-4886-9BDE-E772BCB0A9C4}"/>
-          </ac:graphicFrameMkLst>
-        </pc:graphicFrameChg>
-        <pc:graphicFrameChg chg="mod modGraphic">
-          <ac:chgData name="Shengmin Leong" userId="075411cc4697ef0d" providerId="LiveId" clId="{F3561A49-0376-4AC6-BF98-1EBC07CD8F9C}" dt="2018-10-14T08:09:29.608" v="8" actId="20577"/>
-          <ac:graphicFrameMkLst>
-            <pc:docMk/>
-            <pc:sldMk cId="3338945851" sldId="256"/>
-            <ac:graphicFrameMk id="30" creationId="{F545FAB8-F1CE-4886-9BDE-E772BCB0A9C4}"/>
-          </ac:graphicFrameMkLst>
-        </pc:graphicFrameChg>
-        <pc:graphicFrameChg chg="mod modGraphic">
-          <ac:chgData name="Shengmin Leong" userId="075411cc4697ef0d" providerId="LiveId" clId="{F3561A49-0376-4AC6-BF98-1EBC07CD8F9C}" dt="2018-10-14T08:09:35.842" v="11"/>
-          <ac:graphicFrameMkLst>
-            <pc:docMk/>
-            <pc:sldMk cId="3338945851" sldId="256"/>
-            <ac:graphicFrameMk id="31" creationId="{F545FAB8-F1CE-4886-9BDE-E772BCB0A9C4}"/>
-          </ac:graphicFrameMkLst>
-        </pc:graphicFrameChg>
-        <pc:graphicFrameChg chg="mod modGraphic">
-          <ac:chgData name="Shengmin Leong" userId="075411cc4697ef0d" providerId="LiveId" clId="{F3561A49-0376-4AC6-BF98-1EBC07CD8F9C}" dt="2018-10-14T08:09:41.116" v="14"/>
-          <ac:graphicFrameMkLst>
-            <pc:docMk/>
-            <pc:sldMk cId="3338945851" sldId="256"/>
-            <ac:graphicFrameMk id="32" creationId="{F545FAB8-F1CE-4886-9BDE-E772BCB0A9C4}"/>
-          </ac:graphicFrameMkLst>
-        </pc:graphicFrameChg>
-        <pc:graphicFrameChg chg="mod modGraphic">
-          <ac:chgData name="Shengmin Leong" userId="075411cc4697ef0d" providerId="LiveId" clId="{F3561A49-0376-4AC6-BF98-1EBC07CD8F9C}" dt="2018-10-14T08:09:45.962" v="17"/>
-          <ac:graphicFrameMkLst>
-            <pc:docMk/>
-            <pc:sldMk cId="3338945851" sldId="256"/>
-            <ac:graphicFrameMk id="33" creationId="{F545FAB8-F1CE-4886-9BDE-E772BCB0A9C4}"/>
-          </ac:graphicFrameMkLst>
-        </pc:graphicFrameChg>
-      </pc:sldChg>
-    </pc:docChg>
-  </pc:docChgLst>
-</pc:chgInfo>
+<file path=ppt/revisionInfo.xml><?xml version="1.0" encoding="utf-8"?>
+<p1510:revInfo xmlns:a="http://schemas.openxmlformats.org/drawingml/2006/main" xmlns:r="http://schemas.openxmlformats.org/officeDocument/2006/relationships" xmlns:p1510="http://schemas.microsoft.com/office/powerpoint/2015/10/main"/>
 </file>
 
 <file path=ppt/slideLayouts/slideLayout1.xml><?xml version="1.0" encoding="utf-8"?>
@@ -338,7 +265,7 @@
           <a:p>
             <a:fld id="{03EC4E3E-8101-482F-A883-8B55DAFF7C07}" type="datetimeFigureOut">
               <a:rPr lang="en-SG" smtClean="0"/>
-              <a:t>14/10/2018</a:t>
+              <a:t>6/7/2018</a:t>
             </a:fld>
             <a:endParaRPr lang="en-SG"/>
           </a:p>
@@ -538,7 +465,7 @@
           <a:p>
             <a:fld id="{03EC4E3E-8101-482F-A883-8B55DAFF7C07}" type="datetimeFigureOut">
               <a:rPr lang="en-SG" smtClean="0"/>
-              <a:t>14/10/2018</a:t>
+              <a:t>6/7/2018</a:t>
             </a:fld>
             <a:endParaRPr lang="en-SG"/>
           </a:p>
@@ -748,7 +675,7 @@
           <a:p>
             <a:fld id="{03EC4E3E-8101-482F-A883-8B55DAFF7C07}" type="datetimeFigureOut">
               <a:rPr lang="en-SG" smtClean="0"/>
-              <a:t>14/10/2018</a:t>
+              <a:t>6/7/2018</a:t>
             </a:fld>
             <a:endParaRPr lang="en-SG"/>
           </a:p>
@@ -948,7 +875,7 @@
           <a:p>
             <a:fld id="{03EC4E3E-8101-482F-A883-8B55DAFF7C07}" type="datetimeFigureOut">
               <a:rPr lang="en-SG" smtClean="0"/>
-              <a:t>14/10/2018</a:t>
+              <a:t>6/7/2018</a:t>
             </a:fld>
             <a:endParaRPr lang="en-SG"/>
           </a:p>
@@ -1224,7 +1151,7 @@
           <a:p>
             <a:fld id="{03EC4E3E-8101-482F-A883-8B55DAFF7C07}" type="datetimeFigureOut">
               <a:rPr lang="en-SG" smtClean="0"/>
-              <a:t>14/10/2018</a:t>
+              <a:t>6/7/2018</a:t>
             </a:fld>
             <a:endParaRPr lang="en-SG"/>
           </a:p>
@@ -1492,7 +1419,7 @@
           <a:p>
             <a:fld id="{03EC4E3E-8101-482F-A883-8B55DAFF7C07}" type="datetimeFigureOut">
               <a:rPr lang="en-SG" smtClean="0"/>
-              <a:t>14/10/2018</a:t>
+              <a:t>6/7/2018</a:t>
             </a:fld>
             <a:endParaRPr lang="en-SG"/>
           </a:p>
@@ -1907,7 +1834,7 @@
           <a:p>
             <a:fld id="{03EC4E3E-8101-482F-A883-8B55DAFF7C07}" type="datetimeFigureOut">
               <a:rPr lang="en-SG" smtClean="0"/>
-              <a:t>14/10/2018</a:t>
+              <a:t>6/7/2018</a:t>
             </a:fld>
             <a:endParaRPr lang="en-SG"/>
           </a:p>
@@ -2049,7 +1976,7 @@
           <a:p>
             <a:fld id="{03EC4E3E-8101-482F-A883-8B55DAFF7C07}" type="datetimeFigureOut">
               <a:rPr lang="en-SG" smtClean="0"/>
-              <a:t>14/10/2018</a:t>
+              <a:t>6/7/2018</a:t>
             </a:fld>
             <a:endParaRPr lang="en-SG"/>
           </a:p>
@@ -2162,7 +2089,7 @@
           <a:p>
             <a:fld id="{03EC4E3E-8101-482F-A883-8B55DAFF7C07}" type="datetimeFigureOut">
               <a:rPr lang="en-SG" smtClean="0"/>
-              <a:t>14/10/2018</a:t>
+              <a:t>6/7/2018</a:t>
             </a:fld>
             <a:endParaRPr lang="en-SG"/>
           </a:p>
@@ -2475,7 +2402,7 @@
           <a:p>
             <a:fld id="{03EC4E3E-8101-482F-A883-8B55DAFF7C07}" type="datetimeFigureOut">
               <a:rPr lang="en-SG" smtClean="0"/>
-              <a:t>14/10/2018</a:t>
+              <a:t>6/7/2018</a:t>
             </a:fld>
             <a:endParaRPr lang="en-SG"/>
           </a:p>
@@ -2764,7 +2691,7 @@
           <a:p>
             <a:fld id="{03EC4E3E-8101-482F-A883-8B55DAFF7C07}" type="datetimeFigureOut">
               <a:rPr lang="en-SG" smtClean="0"/>
-              <a:t>14/10/2018</a:t>
+              <a:t>6/7/2018</a:t>
             </a:fld>
             <a:endParaRPr lang="en-SG"/>
           </a:p>
@@ -3007,7 +2934,7 @@
           <a:p>
             <a:fld id="{03EC4E3E-8101-482F-A883-8B55DAFF7C07}" type="datetimeFigureOut">
               <a:rPr lang="en-SG" smtClean="0"/>
-              <a:t>14/10/2018</a:t>
+              <a:t>6/7/2018</a:t>
             </a:fld>
             <a:endParaRPr lang="en-SG"/>
           </a:p>
@@ -3524,7 +3451,7 @@
             <a:pPr algn="ctr"/>
             <a:r>
               <a:rPr lang="en-SG"/>
-              <a:t>State wb2 </a:t>
+              <a:t>State ab2 </a:t>
             </a:r>
             <a:r>
               <a:rPr lang="en-SG" dirty="0"/>
@@ -3728,7 +3655,7 @@
           <p:nvPr>
             <p:extLst>
               <p:ext uri="{D42A27DB-BD31-4B8C-83A1-F6EECF244321}">
-                <p14:modId xmlns:p14="http://schemas.microsoft.com/office/powerpoint/2010/main" val="902482017"/>
+                <p14:modId xmlns:p14="http://schemas.microsoft.com/office/powerpoint/2010/main" val="1352982134"/>
               </p:ext>
             </p:extLst>
           </p:nvPr>
@@ -3760,11 +3687,11 @@
                     <a:p>
                       <a:r>
                         <a:rPr lang="en-SG" u="sng" dirty="0"/>
-                        <a:t>wb0:Wish</a:t>
+                        <a:t>ab0:</a:t>
                       </a:r>
                       <a:r>
                         <a:rPr lang="en-SG" sz="1800" u="sng" dirty="0"/>
-                        <a:t>Book</a:t>
+                        <a:t>AddressBook</a:t>
                       </a:r>
                       <a:endParaRPr lang="en-SG" u="sng" dirty="0"/>
                     </a:p>
@@ -3796,7 +3723,7 @@
           <p:nvPr>
             <p:extLst>
               <p:ext uri="{D42A27DB-BD31-4B8C-83A1-F6EECF244321}">
-                <p14:modId xmlns:p14="http://schemas.microsoft.com/office/powerpoint/2010/main" val="569557880"/>
+                <p14:modId xmlns:p14="http://schemas.microsoft.com/office/powerpoint/2010/main" val="829193732"/>
               </p:ext>
             </p:extLst>
           </p:nvPr>
@@ -3828,11 +3755,11 @@
                     <a:p>
                       <a:r>
                         <a:rPr lang="en-SG" u="sng" dirty="0"/>
-                        <a:t>wb1:Wish</a:t>
+                        <a:t>ab1:</a:t>
                       </a:r>
                       <a:r>
                         <a:rPr lang="en-SG" sz="1800" u="sng" dirty="0"/>
-                        <a:t>Book</a:t>
+                        <a:t>AddressBook</a:t>
                       </a:r>
                       <a:endParaRPr lang="en-SG" u="sng" dirty="0"/>
                     </a:p>
@@ -3864,7 +3791,7 @@
           <p:nvPr>
             <p:extLst>
               <p:ext uri="{D42A27DB-BD31-4B8C-83A1-F6EECF244321}">
-                <p14:modId xmlns:p14="http://schemas.microsoft.com/office/powerpoint/2010/main" val="1169904732"/>
+                <p14:modId xmlns:p14="http://schemas.microsoft.com/office/powerpoint/2010/main" val="796708048"/>
               </p:ext>
             </p:extLst>
           </p:nvPr>
@@ -3896,11 +3823,11 @@
                     <a:p>
                       <a:r>
                         <a:rPr lang="en-SG" u="sng" dirty="0"/>
-                        <a:t>wb2:Wish</a:t>
+                        <a:t>ab2:</a:t>
                       </a:r>
                       <a:r>
                         <a:rPr lang="en-SG" sz="1800" u="sng" dirty="0"/>
-                        <a:t>Book</a:t>
+                        <a:t>AddressBook</a:t>
                       </a:r>
                       <a:endParaRPr lang="en-SG" u="sng" dirty="0"/>
                     </a:p>
@@ -3932,7 +3859,7 @@
           <p:nvPr>
             <p:extLst>
               <p:ext uri="{D42A27DB-BD31-4B8C-83A1-F6EECF244321}">
-                <p14:modId xmlns:p14="http://schemas.microsoft.com/office/powerpoint/2010/main" val="2047035986"/>
+                <p14:modId xmlns:p14="http://schemas.microsoft.com/office/powerpoint/2010/main" val="377617300"/>
               </p:ext>
             </p:extLst>
           </p:nvPr>
@@ -3964,11 +3891,11 @@
                     <a:p>
                       <a:r>
                         <a:rPr lang="en-SG" u="sng" dirty="0"/>
-                        <a:t>wb0:Wish</a:t>
+                        <a:t>ab0:</a:t>
                       </a:r>
                       <a:r>
                         <a:rPr lang="en-SG" sz="1800" u="sng" dirty="0"/>
-                        <a:t>Book</a:t>
+                        <a:t>AddressBook</a:t>
                       </a:r>
                       <a:endParaRPr lang="en-SG" u="sng" dirty="0"/>
                     </a:p>
@@ -4000,7 +3927,7 @@
           <p:nvPr>
             <p:extLst>
               <p:ext uri="{D42A27DB-BD31-4B8C-83A1-F6EECF244321}">
-                <p14:modId xmlns:p14="http://schemas.microsoft.com/office/powerpoint/2010/main" val="709077054"/>
+                <p14:modId xmlns:p14="http://schemas.microsoft.com/office/powerpoint/2010/main" val="4076322253"/>
               </p:ext>
             </p:extLst>
           </p:nvPr>
@@ -4032,11 +3959,11 @@
                     <a:p>
                       <a:r>
                         <a:rPr lang="en-SG" u="sng" dirty="0"/>
-                        <a:t>wb1:Wish</a:t>
+                        <a:t>ab1:</a:t>
                       </a:r>
                       <a:r>
                         <a:rPr lang="en-SG" sz="1800" u="sng" dirty="0"/>
-                        <a:t>Book</a:t>
+                        <a:t>AddressBook</a:t>
                       </a:r>
                       <a:endParaRPr lang="en-SG" u="sng" dirty="0"/>
                     </a:p>
@@ -4068,7 +3995,7 @@
           <p:nvPr>
             <p:extLst>
               <p:ext uri="{D42A27DB-BD31-4B8C-83A1-F6EECF244321}">
-                <p14:modId xmlns:p14="http://schemas.microsoft.com/office/powerpoint/2010/main" val="3833837046"/>
+                <p14:modId xmlns:p14="http://schemas.microsoft.com/office/powerpoint/2010/main" val="53411958"/>
               </p:ext>
             </p:extLst>
           </p:nvPr>
@@ -4100,11 +4027,11 @@
                     <a:p>
                       <a:r>
                         <a:rPr lang="en-SG" u="sng" dirty="0"/>
-                        <a:t>wb3:Wish</a:t>
+                        <a:t>ab3:</a:t>
                       </a:r>
                       <a:r>
                         <a:rPr lang="en-SG" sz="1800" u="sng" dirty="0"/>
-                        <a:t>Book</a:t>
+                        <a:t>AddressBook</a:t>
                       </a:r>
                       <a:endParaRPr lang="en-SG" u="sng" dirty="0"/>
                     </a:p>

--- a/docs/diagrams/UndoRedoNewCommand4StateListDiagram.pptx
+++ b/docs/diagrams/UndoRedoNewCommand4StateListDiagram.pptx
@@ -138,7 +138,7 @@
           <p:cNvPr id="2" name="Title 1">
             <a:extLst>
               <a:ext uri="{FF2B5EF4-FFF2-40B4-BE49-F238E27FC236}">
-                <a16:creationId xmlns:a16="http://schemas.microsoft.com/office/drawing/2014/main" id="{39FCC519-EE2E-4054-A653-93D611E0133E}"/>
+                <a16:creationId xmlns:a16="http://schemas.microsoft.com/office/drawing/2014/main" xmlns="" id="{39FCC519-EE2E-4054-A653-93D611E0133E}"/>
               </a:ext>
             </a:extLst>
           </p:cNvPr>
@@ -176,7 +176,7 @@
           <p:cNvPr id="3" name="Subtitle 2">
             <a:extLst>
               <a:ext uri="{FF2B5EF4-FFF2-40B4-BE49-F238E27FC236}">
-                <a16:creationId xmlns:a16="http://schemas.microsoft.com/office/drawing/2014/main" id="{3EDEA74E-4030-4F69-A055-4C6319EEEC29}"/>
+                <a16:creationId xmlns:a16="http://schemas.microsoft.com/office/drawing/2014/main" xmlns="" id="{3EDEA74E-4030-4F69-A055-4C6319EEEC29}"/>
               </a:ext>
             </a:extLst>
           </p:cNvPr>
@@ -247,7 +247,7 @@
           <p:cNvPr id="4" name="Date Placeholder 3">
             <a:extLst>
               <a:ext uri="{FF2B5EF4-FFF2-40B4-BE49-F238E27FC236}">
-                <a16:creationId xmlns:a16="http://schemas.microsoft.com/office/drawing/2014/main" id="{E5CC99E3-37A6-4485-B9A2-AF27A72608C6}"/>
+                <a16:creationId xmlns:a16="http://schemas.microsoft.com/office/drawing/2014/main" xmlns="" id="{E5CC99E3-37A6-4485-B9A2-AF27A72608C6}"/>
               </a:ext>
             </a:extLst>
           </p:cNvPr>
@@ -265,7 +265,7 @@
           <a:p>
             <a:fld id="{03EC4E3E-8101-482F-A883-8B55DAFF7C07}" type="datetimeFigureOut">
               <a:rPr lang="en-SG" smtClean="0"/>
-              <a:t>6/7/2018</a:t>
+              <a:t>18/10/18</a:t>
             </a:fld>
             <a:endParaRPr lang="en-SG"/>
           </a:p>
@@ -276,7 +276,7 @@
           <p:cNvPr id="5" name="Footer Placeholder 4">
             <a:extLst>
               <a:ext uri="{FF2B5EF4-FFF2-40B4-BE49-F238E27FC236}">
-                <a16:creationId xmlns:a16="http://schemas.microsoft.com/office/drawing/2014/main" id="{D75BD546-D949-4A25-8EA4-47DF23229409}"/>
+                <a16:creationId xmlns:a16="http://schemas.microsoft.com/office/drawing/2014/main" xmlns="" id="{D75BD546-D949-4A25-8EA4-47DF23229409}"/>
               </a:ext>
             </a:extLst>
           </p:cNvPr>
@@ -301,7 +301,7 @@
           <p:cNvPr id="6" name="Slide Number Placeholder 5">
             <a:extLst>
               <a:ext uri="{FF2B5EF4-FFF2-40B4-BE49-F238E27FC236}">
-                <a16:creationId xmlns:a16="http://schemas.microsoft.com/office/drawing/2014/main" id="{68147391-4DF6-4ACF-BCE9-C1A9DAC803E3}"/>
+                <a16:creationId xmlns:a16="http://schemas.microsoft.com/office/drawing/2014/main" xmlns="" id="{68147391-4DF6-4ACF-BCE9-C1A9DAC803E3}"/>
               </a:ext>
             </a:extLst>
           </p:cNvPr>
@@ -360,7 +360,7 @@
           <p:cNvPr id="2" name="Title 1">
             <a:extLst>
               <a:ext uri="{FF2B5EF4-FFF2-40B4-BE49-F238E27FC236}">
-                <a16:creationId xmlns:a16="http://schemas.microsoft.com/office/drawing/2014/main" id="{251D3DFE-0C62-45F5-B1BF-FD1F194ED112}"/>
+                <a16:creationId xmlns:a16="http://schemas.microsoft.com/office/drawing/2014/main" xmlns="" id="{251D3DFE-0C62-45F5-B1BF-FD1F194ED112}"/>
               </a:ext>
             </a:extLst>
           </p:cNvPr>
@@ -389,7 +389,7 @@
           <p:cNvPr id="3" name="Vertical Text Placeholder 2">
             <a:extLst>
               <a:ext uri="{FF2B5EF4-FFF2-40B4-BE49-F238E27FC236}">
-                <a16:creationId xmlns:a16="http://schemas.microsoft.com/office/drawing/2014/main" id="{D2392762-3586-4B6D-A174-2D3ACF0A125B}"/>
+                <a16:creationId xmlns:a16="http://schemas.microsoft.com/office/drawing/2014/main" xmlns="" id="{D2392762-3586-4B6D-A174-2D3ACF0A125B}"/>
               </a:ext>
             </a:extLst>
           </p:cNvPr>
@@ -447,7 +447,7 @@
           <p:cNvPr id="4" name="Date Placeholder 3">
             <a:extLst>
               <a:ext uri="{FF2B5EF4-FFF2-40B4-BE49-F238E27FC236}">
-                <a16:creationId xmlns:a16="http://schemas.microsoft.com/office/drawing/2014/main" id="{73B232E7-84FB-4535-9FC1-1BEF8F17421F}"/>
+                <a16:creationId xmlns:a16="http://schemas.microsoft.com/office/drawing/2014/main" xmlns="" id="{73B232E7-84FB-4535-9FC1-1BEF8F17421F}"/>
               </a:ext>
             </a:extLst>
           </p:cNvPr>
@@ -465,7 +465,7 @@
           <a:p>
             <a:fld id="{03EC4E3E-8101-482F-A883-8B55DAFF7C07}" type="datetimeFigureOut">
               <a:rPr lang="en-SG" smtClean="0"/>
-              <a:t>6/7/2018</a:t>
+              <a:t>18/10/18</a:t>
             </a:fld>
             <a:endParaRPr lang="en-SG"/>
           </a:p>
@@ -476,7 +476,7 @@
           <p:cNvPr id="5" name="Footer Placeholder 4">
             <a:extLst>
               <a:ext uri="{FF2B5EF4-FFF2-40B4-BE49-F238E27FC236}">
-                <a16:creationId xmlns:a16="http://schemas.microsoft.com/office/drawing/2014/main" id="{76F796EF-04EF-401A-AC84-F7BDBC99DE80}"/>
+                <a16:creationId xmlns:a16="http://schemas.microsoft.com/office/drawing/2014/main" xmlns="" id="{76F796EF-04EF-401A-AC84-F7BDBC99DE80}"/>
               </a:ext>
             </a:extLst>
           </p:cNvPr>
@@ -501,7 +501,7 @@
           <p:cNvPr id="6" name="Slide Number Placeholder 5">
             <a:extLst>
               <a:ext uri="{FF2B5EF4-FFF2-40B4-BE49-F238E27FC236}">
-                <a16:creationId xmlns:a16="http://schemas.microsoft.com/office/drawing/2014/main" id="{8F55F009-0A64-4649-A732-4AA6D619F1F3}"/>
+                <a16:creationId xmlns:a16="http://schemas.microsoft.com/office/drawing/2014/main" xmlns="" id="{8F55F009-0A64-4649-A732-4AA6D619F1F3}"/>
               </a:ext>
             </a:extLst>
           </p:cNvPr>
@@ -560,7 +560,7 @@
           <p:cNvPr id="2" name="Vertical Title 1">
             <a:extLst>
               <a:ext uri="{FF2B5EF4-FFF2-40B4-BE49-F238E27FC236}">
-                <a16:creationId xmlns:a16="http://schemas.microsoft.com/office/drawing/2014/main" id="{F7DE9595-D7A8-4E19-B4C6-E295F978F6A4}"/>
+                <a16:creationId xmlns:a16="http://schemas.microsoft.com/office/drawing/2014/main" xmlns="" id="{F7DE9595-D7A8-4E19-B4C6-E295F978F6A4}"/>
               </a:ext>
             </a:extLst>
           </p:cNvPr>
@@ -594,7 +594,7 @@
           <p:cNvPr id="3" name="Vertical Text Placeholder 2">
             <a:extLst>
               <a:ext uri="{FF2B5EF4-FFF2-40B4-BE49-F238E27FC236}">
-                <a16:creationId xmlns:a16="http://schemas.microsoft.com/office/drawing/2014/main" id="{0D2975B7-7A6D-40EA-B2F6-338022AD2BF1}"/>
+                <a16:creationId xmlns:a16="http://schemas.microsoft.com/office/drawing/2014/main" xmlns="" id="{0D2975B7-7A6D-40EA-B2F6-338022AD2BF1}"/>
               </a:ext>
             </a:extLst>
           </p:cNvPr>
@@ -657,7 +657,7 @@
           <p:cNvPr id="4" name="Date Placeholder 3">
             <a:extLst>
               <a:ext uri="{FF2B5EF4-FFF2-40B4-BE49-F238E27FC236}">
-                <a16:creationId xmlns:a16="http://schemas.microsoft.com/office/drawing/2014/main" id="{C8230AC3-1BED-4D2B-96D3-51C50E14A9E6}"/>
+                <a16:creationId xmlns:a16="http://schemas.microsoft.com/office/drawing/2014/main" xmlns="" id="{C8230AC3-1BED-4D2B-96D3-51C50E14A9E6}"/>
               </a:ext>
             </a:extLst>
           </p:cNvPr>
@@ -675,7 +675,7 @@
           <a:p>
             <a:fld id="{03EC4E3E-8101-482F-A883-8B55DAFF7C07}" type="datetimeFigureOut">
               <a:rPr lang="en-SG" smtClean="0"/>
-              <a:t>6/7/2018</a:t>
+              <a:t>18/10/18</a:t>
             </a:fld>
             <a:endParaRPr lang="en-SG"/>
           </a:p>
@@ -686,7 +686,7 @@
           <p:cNvPr id="5" name="Footer Placeholder 4">
             <a:extLst>
               <a:ext uri="{FF2B5EF4-FFF2-40B4-BE49-F238E27FC236}">
-                <a16:creationId xmlns:a16="http://schemas.microsoft.com/office/drawing/2014/main" id="{4AD6CA96-231A-43AD-B530-7C509651DE3B}"/>
+                <a16:creationId xmlns:a16="http://schemas.microsoft.com/office/drawing/2014/main" xmlns="" id="{4AD6CA96-231A-43AD-B530-7C509651DE3B}"/>
               </a:ext>
             </a:extLst>
           </p:cNvPr>
@@ -711,7 +711,7 @@
           <p:cNvPr id="6" name="Slide Number Placeholder 5">
             <a:extLst>
               <a:ext uri="{FF2B5EF4-FFF2-40B4-BE49-F238E27FC236}">
-                <a16:creationId xmlns:a16="http://schemas.microsoft.com/office/drawing/2014/main" id="{12063E3B-180A-454E-A661-6CCD48D7062C}"/>
+                <a16:creationId xmlns:a16="http://schemas.microsoft.com/office/drawing/2014/main" xmlns="" id="{12063E3B-180A-454E-A661-6CCD48D7062C}"/>
               </a:ext>
             </a:extLst>
           </p:cNvPr>
@@ -770,7 +770,7 @@
           <p:cNvPr id="2" name="Title 1">
             <a:extLst>
               <a:ext uri="{FF2B5EF4-FFF2-40B4-BE49-F238E27FC236}">
-                <a16:creationId xmlns:a16="http://schemas.microsoft.com/office/drawing/2014/main" id="{7E861C8D-BAF0-4DD9-92B9-591B272791CA}"/>
+                <a16:creationId xmlns:a16="http://schemas.microsoft.com/office/drawing/2014/main" xmlns="" id="{7E861C8D-BAF0-4DD9-92B9-591B272791CA}"/>
               </a:ext>
             </a:extLst>
           </p:cNvPr>
@@ -799,7 +799,7 @@
           <p:cNvPr id="3" name="Content Placeholder 2">
             <a:extLst>
               <a:ext uri="{FF2B5EF4-FFF2-40B4-BE49-F238E27FC236}">
-                <a16:creationId xmlns:a16="http://schemas.microsoft.com/office/drawing/2014/main" id="{534DA4BD-1D78-446B-B79F-C1229642DDEB}"/>
+                <a16:creationId xmlns:a16="http://schemas.microsoft.com/office/drawing/2014/main" xmlns="" id="{534DA4BD-1D78-446B-B79F-C1229642DDEB}"/>
               </a:ext>
             </a:extLst>
           </p:cNvPr>
@@ -857,7 +857,7 @@
           <p:cNvPr id="4" name="Date Placeholder 3">
             <a:extLst>
               <a:ext uri="{FF2B5EF4-FFF2-40B4-BE49-F238E27FC236}">
-                <a16:creationId xmlns:a16="http://schemas.microsoft.com/office/drawing/2014/main" id="{AD6BEDB5-7B62-4953-BECB-7F7F3E909CAC}"/>
+                <a16:creationId xmlns:a16="http://schemas.microsoft.com/office/drawing/2014/main" xmlns="" id="{AD6BEDB5-7B62-4953-BECB-7F7F3E909CAC}"/>
               </a:ext>
             </a:extLst>
           </p:cNvPr>
@@ -875,7 +875,7 @@
           <a:p>
             <a:fld id="{03EC4E3E-8101-482F-A883-8B55DAFF7C07}" type="datetimeFigureOut">
               <a:rPr lang="en-SG" smtClean="0"/>
-              <a:t>6/7/2018</a:t>
+              <a:t>18/10/18</a:t>
             </a:fld>
             <a:endParaRPr lang="en-SG"/>
           </a:p>
@@ -886,7 +886,7 @@
           <p:cNvPr id="5" name="Footer Placeholder 4">
             <a:extLst>
               <a:ext uri="{FF2B5EF4-FFF2-40B4-BE49-F238E27FC236}">
-                <a16:creationId xmlns:a16="http://schemas.microsoft.com/office/drawing/2014/main" id="{349CD732-2DD1-42BE-8480-5C6507018294}"/>
+                <a16:creationId xmlns:a16="http://schemas.microsoft.com/office/drawing/2014/main" xmlns="" id="{349CD732-2DD1-42BE-8480-5C6507018294}"/>
               </a:ext>
             </a:extLst>
           </p:cNvPr>
@@ -911,7 +911,7 @@
           <p:cNvPr id="6" name="Slide Number Placeholder 5">
             <a:extLst>
               <a:ext uri="{FF2B5EF4-FFF2-40B4-BE49-F238E27FC236}">
-                <a16:creationId xmlns:a16="http://schemas.microsoft.com/office/drawing/2014/main" id="{574C27E0-F36A-4438-9402-C2CB0377D92D}"/>
+                <a16:creationId xmlns:a16="http://schemas.microsoft.com/office/drawing/2014/main" xmlns="" id="{574C27E0-F36A-4438-9402-C2CB0377D92D}"/>
               </a:ext>
             </a:extLst>
           </p:cNvPr>
@@ -970,7 +970,7 @@
           <p:cNvPr id="2" name="Title 1">
             <a:extLst>
               <a:ext uri="{FF2B5EF4-FFF2-40B4-BE49-F238E27FC236}">
-                <a16:creationId xmlns:a16="http://schemas.microsoft.com/office/drawing/2014/main" id="{80A42FFA-8A45-40F8-9C5C-9906971B38AB}"/>
+                <a16:creationId xmlns:a16="http://schemas.microsoft.com/office/drawing/2014/main" xmlns="" id="{80A42FFA-8A45-40F8-9C5C-9906971B38AB}"/>
               </a:ext>
             </a:extLst>
           </p:cNvPr>
@@ -1008,7 +1008,7 @@
           <p:cNvPr id="3" name="Text Placeholder 2">
             <a:extLst>
               <a:ext uri="{FF2B5EF4-FFF2-40B4-BE49-F238E27FC236}">
-                <a16:creationId xmlns:a16="http://schemas.microsoft.com/office/drawing/2014/main" id="{7D8879A7-8225-4473-B738-B780B6224EC5}"/>
+                <a16:creationId xmlns:a16="http://schemas.microsoft.com/office/drawing/2014/main" xmlns="" id="{7D8879A7-8225-4473-B738-B780B6224EC5}"/>
               </a:ext>
             </a:extLst>
           </p:cNvPr>
@@ -1133,7 +1133,7 @@
           <p:cNvPr id="4" name="Date Placeholder 3">
             <a:extLst>
               <a:ext uri="{FF2B5EF4-FFF2-40B4-BE49-F238E27FC236}">
-                <a16:creationId xmlns:a16="http://schemas.microsoft.com/office/drawing/2014/main" id="{6CF7978C-FE65-4091-9152-E33029C12AEA}"/>
+                <a16:creationId xmlns:a16="http://schemas.microsoft.com/office/drawing/2014/main" xmlns="" id="{6CF7978C-FE65-4091-9152-E33029C12AEA}"/>
               </a:ext>
             </a:extLst>
           </p:cNvPr>
@@ -1151,7 +1151,7 @@
           <a:p>
             <a:fld id="{03EC4E3E-8101-482F-A883-8B55DAFF7C07}" type="datetimeFigureOut">
               <a:rPr lang="en-SG" smtClean="0"/>
-              <a:t>6/7/2018</a:t>
+              <a:t>18/10/18</a:t>
             </a:fld>
             <a:endParaRPr lang="en-SG"/>
           </a:p>
@@ -1162,7 +1162,7 @@
           <p:cNvPr id="5" name="Footer Placeholder 4">
             <a:extLst>
               <a:ext uri="{FF2B5EF4-FFF2-40B4-BE49-F238E27FC236}">
-                <a16:creationId xmlns:a16="http://schemas.microsoft.com/office/drawing/2014/main" id="{B344C9CC-480F-4DCB-AC70-D7A4CCA0B8B7}"/>
+                <a16:creationId xmlns:a16="http://schemas.microsoft.com/office/drawing/2014/main" xmlns="" id="{B344C9CC-480F-4DCB-AC70-D7A4CCA0B8B7}"/>
               </a:ext>
             </a:extLst>
           </p:cNvPr>
@@ -1187,7 +1187,7 @@
           <p:cNvPr id="6" name="Slide Number Placeholder 5">
             <a:extLst>
               <a:ext uri="{FF2B5EF4-FFF2-40B4-BE49-F238E27FC236}">
-                <a16:creationId xmlns:a16="http://schemas.microsoft.com/office/drawing/2014/main" id="{8F5A07EC-843A-4ED9-8F1C-AD703CA36D58}"/>
+                <a16:creationId xmlns:a16="http://schemas.microsoft.com/office/drawing/2014/main" xmlns="" id="{8F5A07EC-843A-4ED9-8F1C-AD703CA36D58}"/>
               </a:ext>
             </a:extLst>
           </p:cNvPr>
@@ -1246,7 +1246,7 @@
           <p:cNvPr id="2" name="Title 1">
             <a:extLst>
               <a:ext uri="{FF2B5EF4-FFF2-40B4-BE49-F238E27FC236}">
-                <a16:creationId xmlns:a16="http://schemas.microsoft.com/office/drawing/2014/main" id="{056EE2DA-07D9-4774-A8CA-0CA247F8C72A}"/>
+                <a16:creationId xmlns:a16="http://schemas.microsoft.com/office/drawing/2014/main" xmlns="" id="{056EE2DA-07D9-4774-A8CA-0CA247F8C72A}"/>
               </a:ext>
             </a:extLst>
           </p:cNvPr>
@@ -1275,7 +1275,7 @@
           <p:cNvPr id="3" name="Content Placeholder 2">
             <a:extLst>
               <a:ext uri="{FF2B5EF4-FFF2-40B4-BE49-F238E27FC236}">
-                <a16:creationId xmlns:a16="http://schemas.microsoft.com/office/drawing/2014/main" id="{3CF93A59-4E25-4FFA-8796-AA06EF3E5C3E}"/>
+                <a16:creationId xmlns:a16="http://schemas.microsoft.com/office/drawing/2014/main" xmlns="" id="{3CF93A59-4E25-4FFA-8796-AA06EF3E5C3E}"/>
               </a:ext>
             </a:extLst>
           </p:cNvPr>
@@ -1338,7 +1338,7 @@
           <p:cNvPr id="4" name="Content Placeholder 3">
             <a:extLst>
               <a:ext uri="{FF2B5EF4-FFF2-40B4-BE49-F238E27FC236}">
-                <a16:creationId xmlns:a16="http://schemas.microsoft.com/office/drawing/2014/main" id="{81373B10-E346-4893-AFEE-65E014405E2D}"/>
+                <a16:creationId xmlns:a16="http://schemas.microsoft.com/office/drawing/2014/main" xmlns="" id="{81373B10-E346-4893-AFEE-65E014405E2D}"/>
               </a:ext>
             </a:extLst>
           </p:cNvPr>
@@ -1401,7 +1401,7 @@
           <p:cNvPr id="5" name="Date Placeholder 4">
             <a:extLst>
               <a:ext uri="{FF2B5EF4-FFF2-40B4-BE49-F238E27FC236}">
-                <a16:creationId xmlns:a16="http://schemas.microsoft.com/office/drawing/2014/main" id="{D9C411A1-6D64-4C63-A758-5D2FEE677F45}"/>
+                <a16:creationId xmlns:a16="http://schemas.microsoft.com/office/drawing/2014/main" xmlns="" id="{D9C411A1-6D64-4C63-A758-5D2FEE677F45}"/>
               </a:ext>
             </a:extLst>
           </p:cNvPr>
@@ -1419,7 +1419,7 @@
           <a:p>
             <a:fld id="{03EC4E3E-8101-482F-A883-8B55DAFF7C07}" type="datetimeFigureOut">
               <a:rPr lang="en-SG" smtClean="0"/>
-              <a:t>6/7/2018</a:t>
+              <a:t>18/10/18</a:t>
             </a:fld>
             <a:endParaRPr lang="en-SG"/>
           </a:p>
@@ -1430,7 +1430,7 @@
           <p:cNvPr id="6" name="Footer Placeholder 5">
             <a:extLst>
               <a:ext uri="{FF2B5EF4-FFF2-40B4-BE49-F238E27FC236}">
-                <a16:creationId xmlns:a16="http://schemas.microsoft.com/office/drawing/2014/main" id="{8D9C2E46-644C-4155-A697-764A7A0AB1F4}"/>
+                <a16:creationId xmlns:a16="http://schemas.microsoft.com/office/drawing/2014/main" xmlns="" id="{8D9C2E46-644C-4155-A697-764A7A0AB1F4}"/>
               </a:ext>
             </a:extLst>
           </p:cNvPr>
@@ -1455,7 +1455,7 @@
           <p:cNvPr id="7" name="Slide Number Placeholder 6">
             <a:extLst>
               <a:ext uri="{FF2B5EF4-FFF2-40B4-BE49-F238E27FC236}">
-                <a16:creationId xmlns:a16="http://schemas.microsoft.com/office/drawing/2014/main" id="{6192DEDD-6479-45E4-B1F5-6EDD41BBB103}"/>
+                <a16:creationId xmlns:a16="http://schemas.microsoft.com/office/drawing/2014/main" xmlns="" id="{6192DEDD-6479-45E4-B1F5-6EDD41BBB103}"/>
               </a:ext>
             </a:extLst>
           </p:cNvPr>
@@ -1514,7 +1514,7 @@
           <p:cNvPr id="2" name="Title 1">
             <a:extLst>
               <a:ext uri="{FF2B5EF4-FFF2-40B4-BE49-F238E27FC236}">
-                <a16:creationId xmlns:a16="http://schemas.microsoft.com/office/drawing/2014/main" id="{DC0ED888-63EF-4CC0-8500-9C8DB672FEC2}"/>
+                <a16:creationId xmlns:a16="http://schemas.microsoft.com/office/drawing/2014/main" xmlns="" id="{DC0ED888-63EF-4CC0-8500-9C8DB672FEC2}"/>
               </a:ext>
             </a:extLst>
           </p:cNvPr>
@@ -1548,7 +1548,7 @@
           <p:cNvPr id="3" name="Text Placeholder 2">
             <a:extLst>
               <a:ext uri="{FF2B5EF4-FFF2-40B4-BE49-F238E27FC236}">
-                <a16:creationId xmlns:a16="http://schemas.microsoft.com/office/drawing/2014/main" id="{3C33BC1E-FB79-4906-A967-9C7046C6D272}"/>
+                <a16:creationId xmlns:a16="http://schemas.microsoft.com/office/drawing/2014/main" xmlns="" id="{3C33BC1E-FB79-4906-A967-9C7046C6D272}"/>
               </a:ext>
             </a:extLst>
           </p:cNvPr>
@@ -1619,7 +1619,7 @@
           <p:cNvPr id="4" name="Content Placeholder 3">
             <a:extLst>
               <a:ext uri="{FF2B5EF4-FFF2-40B4-BE49-F238E27FC236}">
-                <a16:creationId xmlns:a16="http://schemas.microsoft.com/office/drawing/2014/main" id="{697A4EC6-1C42-4BA4-8108-32579276C17B}"/>
+                <a16:creationId xmlns:a16="http://schemas.microsoft.com/office/drawing/2014/main" xmlns="" id="{697A4EC6-1C42-4BA4-8108-32579276C17B}"/>
               </a:ext>
             </a:extLst>
           </p:cNvPr>
@@ -1682,7 +1682,7 @@
           <p:cNvPr id="5" name="Text Placeholder 4">
             <a:extLst>
               <a:ext uri="{FF2B5EF4-FFF2-40B4-BE49-F238E27FC236}">
-                <a16:creationId xmlns:a16="http://schemas.microsoft.com/office/drawing/2014/main" id="{8A2CA209-B9F5-4E1E-B302-74CC2D4CFDFB}"/>
+                <a16:creationId xmlns:a16="http://schemas.microsoft.com/office/drawing/2014/main" xmlns="" id="{8A2CA209-B9F5-4E1E-B302-74CC2D4CFDFB}"/>
               </a:ext>
             </a:extLst>
           </p:cNvPr>
@@ -1753,7 +1753,7 @@
           <p:cNvPr id="6" name="Content Placeholder 5">
             <a:extLst>
               <a:ext uri="{FF2B5EF4-FFF2-40B4-BE49-F238E27FC236}">
-                <a16:creationId xmlns:a16="http://schemas.microsoft.com/office/drawing/2014/main" id="{0E6E876D-DC4D-40EE-BA38-CD01089602CF}"/>
+                <a16:creationId xmlns:a16="http://schemas.microsoft.com/office/drawing/2014/main" xmlns="" id="{0E6E876D-DC4D-40EE-BA38-CD01089602CF}"/>
               </a:ext>
             </a:extLst>
           </p:cNvPr>
@@ -1816,7 +1816,7 @@
           <p:cNvPr id="7" name="Date Placeholder 6">
             <a:extLst>
               <a:ext uri="{FF2B5EF4-FFF2-40B4-BE49-F238E27FC236}">
-                <a16:creationId xmlns:a16="http://schemas.microsoft.com/office/drawing/2014/main" id="{F24E1D97-8B3C-41A1-B0BA-BA833AD8BC7C}"/>
+                <a16:creationId xmlns:a16="http://schemas.microsoft.com/office/drawing/2014/main" xmlns="" id="{F24E1D97-8B3C-41A1-B0BA-BA833AD8BC7C}"/>
               </a:ext>
             </a:extLst>
           </p:cNvPr>
@@ -1834,7 +1834,7 @@
           <a:p>
             <a:fld id="{03EC4E3E-8101-482F-A883-8B55DAFF7C07}" type="datetimeFigureOut">
               <a:rPr lang="en-SG" smtClean="0"/>
-              <a:t>6/7/2018</a:t>
+              <a:t>18/10/18</a:t>
             </a:fld>
             <a:endParaRPr lang="en-SG"/>
           </a:p>
@@ -1845,7 +1845,7 @@
           <p:cNvPr id="8" name="Footer Placeholder 7">
             <a:extLst>
               <a:ext uri="{FF2B5EF4-FFF2-40B4-BE49-F238E27FC236}">
-                <a16:creationId xmlns:a16="http://schemas.microsoft.com/office/drawing/2014/main" id="{FC358D8F-B7DA-4DCE-AC8F-706450EEC0DC}"/>
+                <a16:creationId xmlns:a16="http://schemas.microsoft.com/office/drawing/2014/main" xmlns="" id="{FC358D8F-B7DA-4DCE-AC8F-706450EEC0DC}"/>
               </a:ext>
             </a:extLst>
           </p:cNvPr>
@@ -1870,7 +1870,7 @@
           <p:cNvPr id="9" name="Slide Number Placeholder 8">
             <a:extLst>
               <a:ext uri="{FF2B5EF4-FFF2-40B4-BE49-F238E27FC236}">
-                <a16:creationId xmlns:a16="http://schemas.microsoft.com/office/drawing/2014/main" id="{40CE354E-2C73-4B6F-8AEB-14D1378A77E1}"/>
+                <a16:creationId xmlns:a16="http://schemas.microsoft.com/office/drawing/2014/main" xmlns="" id="{40CE354E-2C73-4B6F-8AEB-14D1378A77E1}"/>
               </a:ext>
             </a:extLst>
           </p:cNvPr>
@@ -1929,7 +1929,7 @@
           <p:cNvPr id="2" name="Title 1">
             <a:extLst>
               <a:ext uri="{FF2B5EF4-FFF2-40B4-BE49-F238E27FC236}">
-                <a16:creationId xmlns:a16="http://schemas.microsoft.com/office/drawing/2014/main" id="{17D9D381-288C-43FB-86C2-AAA4FCFD43FD}"/>
+                <a16:creationId xmlns:a16="http://schemas.microsoft.com/office/drawing/2014/main" xmlns="" id="{17D9D381-288C-43FB-86C2-AAA4FCFD43FD}"/>
               </a:ext>
             </a:extLst>
           </p:cNvPr>
@@ -1958,7 +1958,7 @@
           <p:cNvPr id="3" name="Date Placeholder 2">
             <a:extLst>
               <a:ext uri="{FF2B5EF4-FFF2-40B4-BE49-F238E27FC236}">
-                <a16:creationId xmlns:a16="http://schemas.microsoft.com/office/drawing/2014/main" id="{A85D75E5-4830-4F75-8132-91122609F925}"/>
+                <a16:creationId xmlns:a16="http://schemas.microsoft.com/office/drawing/2014/main" xmlns="" id="{A85D75E5-4830-4F75-8132-91122609F925}"/>
               </a:ext>
             </a:extLst>
           </p:cNvPr>
@@ -1976,7 +1976,7 @@
           <a:p>
             <a:fld id="{03EC4E3E-8101-482F-A883-8B55DAFF7C07}" type="datetimeFigureOut">
               <a:rPr lang="en-SG" smtClean="0"/>
-              <a:t>6/7/2018</a:t>
+              <a:t>18/10/18</a:t>
             </a:fld>
             <a:endParaRPr lang="en-SG"/>
           </a:p>
@@ -1987,7 +1987,7 @@
           <p:cNvPr id="4" name="Footer Placeholder 3">
             <a:extLst>
               <a:ext uri="{FF2B5EF4-FFF2-40B4-BE49-F238E27FC236}">
-                <a16:creationId xmlns:a16="http://schemas.microsoft.com/office/drawing/2014/main" id="{0C14A42C-834F-43EA-8053-84D5A665CEE7}"/>
+                <a16:creationId xmlns:a16="http://schemas.microsoft.com/office/drawing/2014/main" xmlns="" id="{0C14A42C-834F-43EA-8053-84D5A665CEE7}"/>
               </a:ext>
             </a:extLst>
           </p:cNvPr>
@@ -2012,7 +2012,7 @@
           <p:cNvPr id="5" name="Slide Number Placeholder 4">
             <a:extLst>
               <a:ext uri="{FF2B5EF4-FFF2-40B4-BE49-F238E27FC236}">
-                <a16:creationId xmlns:a16="http://schemas.microsoft.com/office/drawing/2014/main" id="{38C1E789-CDA9-48FF-A7BA-F21E31600226}"/>
+                <a16:creationId xmlns:a16="http://schemas.microsoft.com/office/drawing/2014/main" xmlns="" id="{38C1E789-CDA9-48FF-A7BA-F21E31600226}"/>
               </a:ext>
             </a:extLst>
           </p:cNvPr>
@@ -2071,7 +2071,7 @@
           <p:cNvPr id="2" name="Date Placeholder 1">
             <a:extLst>
               <a:ext uri="{FF2B5EF4-FFF2-40B4-BE49-F238E27FC236}">
-                <a16:creationId xmlns:a16="http://schemas.microsoft.com/office/drawing/2014/main" id="{21A40ECD-0ABD-4F35-B481-512A01FC643D}"/>
+                <a16:creationId xmlns:a16="http://schemas.microsoft.com/office/drawing/2014/main" xmlns="" id="{21A40ECD-0ABD-4F35-B481-512A01FC643D}"/>
               </a:ext>
             </a:extLst>
           </p:cNvPr>
@@ -2089,7 +2089,7 @@
           <a:p>
             <a:fld id="{03EC4E3E-8101-482F-A883-8B55DAFF7C07}" type="datetimeFigureOut">
               <a:rPr lang="en-SG" smtClean="0"/>
-              <a:t>6/7/2018</a:t>
+              <a:t>18/10/18</a:t>
             </a:fld>
             <a:endParaRPr lang="en-SG"/>
           </a:p>
@@ -2100,7 +2100,7 @@
           <p:cNvPr id="3" name="Footer Placeholder 2">
             <a:extLst>
               <a:ext uri="{FF2B5EF4-FFF2-40B4-BE49-F238E27FC236}">
-                <a16:creationId xmlns:a16="http://schemas.microsoft.com/office/drawing/2014/main" id="{D44B8F11-A412-4FA6-9070-B9C742F699F3}"/>
+                <a16:creationId xmlns:a16="http://schemas.microsoft.com/office/drawing/2014/main" xmlns="" id="{D44B8F11-A412-4FA6-9070-B9C742F699F3}"/>
               </a:ext>
             </a:extLst>
           </p:cNvPr>
@@ -2125,7 +2125,7 @@
           <p:cNvPr id="4" name="Slide Number Placeholder 3">
             <a:extLst>
               <a:ext uri="{FF2B5EF4-FFF2-40B4-BE49-F238E27FC236}">
-                <a16:creationId xmlns:a16="http://schemas.microsoft.com/office/drawing/2014/main" id="{E3EA086A-DA0B-4378-A128-F213644ECB0C}"/>
+                <a16:creationId xmlns:a16="http://schemas.microsoft.com/office/drawing/2014/main" xmlns="" id="{E3EA086A-DA0B-4378-A128-F213644ECB0C}"/>
               </a:ext>
             </a:extLst>
           </p:cNvPr>
@@ -2184,7 +2184,7 @@
           <p:cNvPr id="2" name="Title 1">
             <a:extLst>
               <a:ext uri="{FF2B5EF4-FFF2-40B4-BE49-F238E27FC236}">
-                <a16:creationId xmlns:a16="http://schemas.microsoft.com/office/drawing/2014/main" id="{765D165A-D423-4E89-A075-D59A9FB59792}"/>
+                <a16:creationId xmlns:a16="http://schemas.microsoft.com/office/drawing/2014/main" xmlns="" id="{765D165A-D423-4E89-A075-D59A9FB59792}"/>
               </a:ext>
             </a:extLst>
           </p:cNvPr>
@@ -2222,7 +2222,7 @@
           <p:cNvPr id="3" name="Content Placeholder 2">
             <a:extLst>
               <a:ext uri="{FF2B5EF4-FFF2-40B4-BE49-F238E27FC236}">
-                <a16:creationId xmlns:a16="http://schemas.microsoft.com/office/drawing/2014/main" id="{77C2A5CC-2876-49CA-993D-F4F73FC9D2B0}"/>
+                <a16:creationId xmlns:a16="http://schemas.microsoft.com/office/drawing/2014/main" xmlns="" id="{77C2A5CC-2876-49CA-993D-F4F73FC9D2B0}"/>
               </a:ext>
             </a:extLst>
           </p:cNvPr>
@@ -2313,7 +2313,7 @@
           <p:cNvPr id="4" name="Text Placeholder 3">
             <a:extLst>
               <a:ext uri="{FF2B5EF4-FFF2-40B4-BE49-F238E27FC236}">
-                <a16:creationId xmlns:a16="http://schemas.microsoft.com/office/drawing/2014/main" id="{7B4DE2E8-CCF6-4E88-A858-05A04CD0D736}"/>
+                <a16:creationId xmlns:a16="http://schemas.microsoft.com/office/drawing/2014/main" xmlns="" id="{7B4DE2E8-CCF6-4E88-A858-05A04CD0D736}"/>
               </a:ext>
             </a:extLst>
           </p:cNvPr>
@@ -2384,7 +2384,7 @@
           <p:cNvPr id="5" name="Date Placeholder 4">
             <a:extLst>
               <a:ext uri="{FF2B5EF4-FFF2-40B4-BE49-F238E27FC236}">
-                <a16:creationId xmlns:a16="http://schemas.microsoft.com/office/drawing/2014/main" id="{CAEBEC1E-DE48-4B55-A846-F8248E381145}"/>
+                <a16:creationId xmlns:a16="http://schemas.microsoft.com/office/drawing/2014/main" xmlns="" id="{CAEBEC1E-DE48-4B55-A846-F8248E381145}"/>
               </a:ext>
             </a:extLst>
           </p:cNvPr>
@@ -2402,7 +2402,7 @@
           <a:p>
             <a:fld id="{03EC4E3E-8101-482F-A883-8B55DAFF7C07}" type="datetimeFigureOut">
               <a:rPr lang="en-SG" smtClean="0"/>
-              <a:t>6/7/2018</a:t>
+              <a:t>18/10/18</a:t>
             </a:fld>
             <a:endParaRPr lang="en-SG"/>
           </a:p>
@@ -2413,7 +2413,7 @@
           <p:cNvPr id="6" name="Footer Placeholder 5">
             <a:extLst>
               <a:ext uri="{FF2B5EF4-FFF2-40B4-BE49-F238E27FC236}">
-                <a16:creationId xmlns:a16="http://schemas.microsoft.com/office/drawing/2014/main" id="{945A6E8B-6BC2-49E9-B4E5-DAD3F7A1A1BF}"/>
+                <a16:creationId xmlns:a16="http://schemas.microsoft.com/office/drawing/2014/main" xmlns="" id="{945A6E8B-6BC2-49E9-B4E5-DAD3F7A1A1BF}"/>
               </a:ext>
             </a:extLst>
           </p:cNvPr>
@@ -2438,7 +2438,7 @@
           <p:cNvPr id="7" name="Slide Number Placeholder 6">
             <a:extLst>
               <a:ext uri="{FF2B5EF4-FFF2-40B4-BE49-F238E27FC236}">
-                <a16:creationId xmlns:a16="http://schemas.microsoft.com/office/drawing/2014/main" id="{E5CF739B-EDF0-43CE-A87E-C49F040C85A5}"/>
+                <a16:creationId xmlns:a16="http://schemas.microsoft.com/office/drawing/2014/main" xmlns="" id="{E5CF739B-EDF0-43CE-A87E-C49F040C85A5}"/>
               </a:ext>
             </a:extLst>
           </p:cNvPr>
@@ -2497,7 +2497,7 @@
           <p:cNvPr id="2" name="Title 1">
             <a:extLst>
               <a:ext uri="{FF2B5EF4-FFF2-40B4-BE49-F238E27FC236}">
-                <a16:creationId xmlns:a16="http://schemas.microsoft.com/office/drawing/2014/main" id="{0091F49F-E849-4834-84DB-61CF2F2652D4}"/>
+                <a16:creationId xmlns:a16="http://schemas.microsoft.com/office/drawing/2014/main" xmlns="" id="{0091F49F-E849-4834-84DB-61CF2F2652D4}"/>
               </a:ext>
             </a:extLst>
           </p:cNvPr>
@@ -2535,7 +2535,7 @@
           <p:cNvPr id="3" name="Picture Placeholder 2">
             <a:extLst>
               <a:ext uri="{FF2B5EF4-FFF2-40B4-BE49-F238E27FC236}">
-                <a16:creationId xmlns:a16="http://schemas.microsoft.com/office/drawing/2014/main" id="{631D62A9-3420-4F1C-9EB9-09EF85106E78}"/>
+                <a16:creationId xmlns:a16="http://schemas.microsoft.com/office/drawing/2014/main" xmlns="" id="{631D62A9-3420-4F1C-9EB9-09EF85106E78}"/>
               </a:ext>
             </a:extLst>
           </p:cNvPr>
@@ -2602,7 +2602,7 @@
           <p:cNvPr id="4" name="Text Placeholder 3">
             <a:extLst>
               <a:ext uri="{FF2B5EF4-FFF2-40B4-BE49-F238E27FC236}">
-                <a16:creationId xmlns:a16="http://schemas.microsoft.com/office/drawing/2014/main" id="{E450EC8D-D7F4-45FC-AD8C-2E198A32CCA2}"/>
+                <a16:creationId xmlns:a16="http://schemas.microsoft.com/office/drawing/2014/main" xmlns="" id="{E450EC8D-D7F4-45FC-AD8C-2E198A32CCA2}"/>
               </a:ext>
             </a:extLst>
           </p:cNvPr>
@@ -2673,7 +2673,7 @@
           <p:cNvPr id="5" name="Date Placeholder 4">
             <a:extLst>
               <a:ext uri="{FF2B5EF4-FFF2-40B4-BE49-F238E27FC236}">
-                <a16:creationId xmlns:a16="http://schemas.microsoft.com/office/drawing/2014/main" id="{7A73D668-ABF4-41FE-958C-542EEDC5F6CC}"/>
+                <a16:creationId xmlns:a16="http://schemas.microsoft.com/office/drawing/2014/main" xmlns="" id="{7A73D668-ABF4-41FE-958C-542EEDC5F6CC}"/>
               </a:ext>
             </a:extLst>
           </p:cNvPr>
@@ -2691,7 +2691,7 @@
           <a:p>
             <a:fld id="{03EC4E3E-8101-482F-A883-8B55DAFF7C07}" type="datetimeFigureOut">
               <a:rPr lang="en-SG" smtClean="0"/>
-              <a:t>6/7/2018</a:t>
+              <a:t>18/10/18</a:t>
             </a:fld>
             <a:endParaRPr lang="en-SG"/>
           </a:p>
@@ -2702,7 +2702,7 @@
           <p:cNvPr id="6" name="Footer Placeholder 5">
             <a:extLst>
               <a:ext uri="{FF2B5EF4-FFF2-40B4-BE49-F238E27FC236}">
-                <a16:creationId xmlns:a16="http://schemas.microsoft.com/office/drawing/2014/main" id="{F4A83B1C-93E7-4D32-9D1B-3F37403B1ACD}"/>
+                <a16:creationId xmlns:a16="http://schemas.microsoft.com/office/drawing/2014/main" xmlns="" id="{F4A83B1C-93E7-4D32-9D1B-3F37403B1ACD}"/>
               </a:ext>
             </a:extLst>
           </p:cNvPr>
@@ -2727,7 +2727,7 @@
           <p:cNvPr id="7" name="Slide Number Placeholder 6">
             <a:extLst>
               <a:ext uri="{FF2B5EF4-FFF2-40B4-BE49-F238E27FC236}">
-                <a16:creationId xmlns:a16="http://schemas.microsoft.com/office/drawing/2014/main" id="{C6AF73BE-F17B-487B-943B-28655BB51C92}"/>
+                <a16:creationId xmlns:a16="http://schemas.microsoft.com/office/drawing/2014/main" xmlns="" id="{C6AF73BE-F17B-487B-943B-28655BB51C92}"/>
               </a:ext>
             </a:extLst>
           </p:cNvPr>
@@ -2791,7 +2791,7 @@
           <p:cNvPr id="2" name="Title Placeholder 1">
             <a:extLst>
               <a:ext uri="{FF2B5EF4-FFF2-40B4-BE49-F238E27FC236}">
-                <a16:creationId xmlns:a16="http://schemas.microsoft.com/office/drawing/2014/main" id="{96F7127E-5F47-4B37-9FDB-695AB14D9551}"/>
+                <a16:creationId xmlns:a16="http://schemas.microsoft.com/office/drawing/2014/main" xmlns="" id="{96F7127E-5F47-4B37-9FDB-695AB14D9551}"/>
               </a:ext>
             </a:extLst>
           </p:cNvPr>
@@ -2830,7 +2830,7 @@
           <p:cNvPr id="3" name="Text Placeholder 2">
             <a:extLst>
               <a:ext uri="{FF2B5EF4-FFF2-40B4-BE49-F238E27FC236}">
-                <a16:creationId xmlns:a16="http://schemas.microsoft.com/office/drawing/2014/main" id="{3BD20F0F-B303-4EE3-AF17-E303EA90B1A3}"/>
+                <a16:creationId xmlns:a16="http://schemas.microsoft.com/office/drawing/2014/main" xmlns="" id="{3BD20F0F-B303-4EE3-AF17-E303EA90B1A3}"/>
               </a:ext>
             </a:extLst>
           </p:cNvPr>
@@ -2898,7 +2898,7 @@
           <p:cNvPr id="4" name="Date Placeholder 3">
             <a:extLst>
               <a:ext uri="{FF2B5EF4-FFF2-40B4-BE49-F238E27FC236}">
-                <a16:creationId xmlns:a16="http://schemas.microsoft.com/office/drawing/2014/main" id="{7927ADFB-0C7F-4333-A456-815FAB4B0315}"/>
+                <a16:creationId xmlns:a16="http://schemas.microsoft.com/office/drawing/2014/main" xmlns="" id="{7927ADFB-0C7F-4333-A456-815FAB4B0315}"/>
               </a:ext>
             </a:extLst>
           </p:cNvPr>
@@ -2934,7 +2934,7 @@
           <a:p>
             <a:fld id="{03EC4E3E-8101-482F-A883-8B55DAFF7C07}" type="datetimeFigureOut">
               <a:rPr lang="en-SG" smtClean="0"/>
-              <a:t>6/7/2018</a:t>
+              <a:t>18/10/18</a:t>
             </a:fld>
             <a:endParaRPr lang="en-SG"/>
           </a:p>
@@ -2945,7 +2945,7 @@
           <p:cNvPr id="5" name="Footer Placeholder 4">
             <a:extLst>
               <a:ext uri="{FF2B5EF4-FFF2-40B4-BE49-F238E27FC236}">
-                <a16:creationId xmlns:a16="http://schemas.microsoft.com/office/drawing/2014/main" id="{A1992B28-8397-4C93-A277-5EE43A537825}"/>
+                <a16:creationId xmlns:a16="http://schemas.microsoft.com/office/drawing/2014/main" xmlns="" id="{A1992B28-8397-4C93-A277-5EE43A537825}"/>
               </a:ext>
             </a:extLst>
           </p:cNvPr>
@@ -2988,7 +2988,7 @@
           <p:cNvPr id="6" name="Slide Number Placeholder 5">
             <a:extLst>
               <a:ext uri="{FF2B5EF4-FFF2-40B4-BE49-F238E27FC236}">
-                <a16:creationId xmlns:a16="http://schemas.microsoft.com/office/drawing/2014/main" id="{D7231209-A74B-4134-87D0-421AB81BBB47}"/>
+                <a16:creationId xmlns:a16="http://schemas.microsoft.com/office/drawing/2014/main" xmlns="" id="{D7231209-A74B-4134-87D0-421AB81BBB47}"/>
               </a:ext>
             </a:extLst>
           </p:cNvPr>
@@ -3400,7 +3400,7 @@
           <p:cNvPr id="15" name="TextBox 14">
             <a:extLst>
               <a:ext uri="{FF2B5EF4-FFF2-40B4-BE49-F238E27FC236}">
-                <a16:creationId xmlns:a16="http://schemas.microsoft.com/office/drawing/2014/main" id="{032C4FEA-C10B-4133-9BF6-AF6F40CC1AD4}"/>
+                <a16:creationId xmlns:a16="http://schemas.microsoft.com/office/drawing/2014/main" xmlns="" id="{032C4FEA-C10B-4133-9BF6-AF6F40CC1AD4}"/>
               </a:ext>
             </a:extLst>
           </p:cNvPr>
@@ -3450,12 +3450,16 @@
           <a:p>
             <a:pPr algn="ctr"/>
             <a:r>
-              <a:rPr lang="en-SG"/>
-              <a:t>State ab2 </a:t>
-            </a:r>
-            <a:r>
               <a:rPr lang="en-SG" dirty="0"/>
-              <a:t>deleted.</a:t>
+              <a:t>State </a:t>
+            </a:r>
+            <a:r>
+              <a:rPr lang="en-SG" dirty="0" smtClean="0"/>
+              <a:t>tm2 deleted</a:t>
+            </a:r>
+            <a:r>
+              <a:rPr lang="en-SG" dirty="0"/>
+              <a:t>.</a:t>
             </a:r>
           </a:p>
         </p:txBody>
@@ -3465,7 +3469,7 @@
           <p:cNvPr id="17" name="TextBox 16">
             <a:extLst>
               <a:ext uri="{FF2B5EF4-FFF2-40B4-BE49-F238E27FC236}">
-                <a16:creationId xmlns:a16="http://schemas.microsoft.com/office/drawing/2014/main" id="{3151A13B-9509-43FA-BFEB-1D9866A00B84}"/>
+                <a16:creationId xmlns:a16="http://schemas.microsoft.com/office/drawing/2014/main" xmlns="" id="{3151A13B-9509-43FA-BFEB-1D9866A00B84}"/>
               </a:ext>
             </a:extLst>
           </p:cNvPr>
@@ -3555,7 +3559,7 @@
           <p:cNvPr id="22" name="TextBox 21">
             <a:extLst>
               <a:ext uri="{FF2B5EF4-FFF2-40B4-BE49-F238E27FC236}">
-                <a16:creationId xmlns:a16="http://schemas.microsoft.com/office/drawing/2014/main" id="{3151A13B-9509-43FA-BFEB-1D9866A00B84}"/>
+                <a16:creationId xmlns:a16="http://schemas.microsoft.com/office/drawing/2014/main" xmlns="" id="{3151A13B-9509-43FA-BFEB-1D9866A00B84}"/>
               </a:ext>
             </a:extLst>
           </p:cNvPr>
@@ -3645,7 +3649,7 @@
           <p:cNvPr id="16" name="Table 15">
             <a:extLst>
               <a:ext uri="{FF2B5EF4-FFF2-40B4-BE49-F238E27FC236}">
-                <a16:creationId xmlns:a16="http://schemas.microsoft.com/office/drawing/2014/main" id="{F545FAB8-F1CE-4886-9BDE-E772BCB0A9C4}"/>
+                <a16:creationId xmlns:a16="http://schemas.microsoft.com/office/drawing/2014/main" xmlns="" id="{F545FAB8-F1CE-4886-9BDE-E772BCB0A9C4}"/>
               </a:ext>
             </a:extLst>
           </p:cNvPr>
@@ -3655,14 +3659,14 @@
           <p:nvPr>
             <p:extLst>
               <p:ext uri="{D42A27DB-BD31-4B8C-83A1-F6EECF244321}">
-                <p14:modId xmlns:p14="http://schemas.microsoft.com/office/powerpoint/2010/main" val="1352982134"/>
+                <p14:modId xmlns:p14="http://schemas.microsoft.com/office/powerpoint/2010/main" val="1090934344"/>
               </p:ext>
             </p:extLst>
           </p:nvPr>
         </p:nvGraphicFramePr>
         <p:xfrm>
-          <a:off x="473240" y="1476102"/>
-          <a:ext cx="1825824" cy="417888"/>
+          <a:off x="387404" y="1476102"/>
+          <a:ext cx="1911660" cy="417888"/>
         </p:xfrm>
         <a:graphic>
           <a:graphicData uri="http://schemas.openxmlformats.org/drawingml/2006/table">
@@ -3671,10 +3675,10 @@
                 <a:tableStyleId>{638B1855-1B75-4FBE-930C-398BA8C253C6}</a:tableStyleId>
               </a:tblPr>
               <a:tblGrid>
-                <a:gridCol w="1825824">
+                <a:gridCol w="1911660">
                   <a:extLst>
                     <a:ext uri="{9D8B030D-6E8A-4147-A177-3AD203B41FA5}">
-                      <a16:colId xmlns:a16="http://schemas.microsoft.com/office/drawing/2014/main" val="4240773277"/>
+                      <a16:colId xmlns:a16="http://schemas.microsoft.com/office/drawing/2014/main" xmlns="" val="4240773277"/>
                     </a:ext>
                   </a:extLst>
                 </a:gridCol>
@@ -3685,22 +3689,54 @@
                     <a:bodyPr/>
                     <a:lstStyle/>
                     <a:p>
+                      <a:pPr marL="0" marR="0" indent="0" algn="l" defTabSz="914400" rtl="0" eaLnBrk="1" fontAlgn="auto" latinLnBrk="0" hangingPunct="1">
+                        <a:lnSpc>
+                          <a:spcPct val="100000"/>
+                        </a:lnSpc>
+                        <a:spcBef>
+                          <a:spcPts val="0"/>
+                        </a:spcBef>
+                        <a:spcAft>
+                          <a:spcPts val="0"/>
+                        </a:spcAft>
+                        <a:buClrTx/>
+                        <a:buSzTx/>
+                        <a:buFontTx/>
+                        <a:buNone/>
+                        <a:tabLst/>
+                        <a:defRPr/>
+                      </a:pPr>
                       <a:r>
-                        <a:rPr lang="en-SG" u="sng" dirty="0"/>
-                        <a:t>ab0:</a:t>
+                        <a:rPr lang="en-US" sz="1800" u="sng" kern="1200" dirty="0" smtClean="0">
+                          <a:solidFill>
+                            <a:schemeClr val="lt1"/>
+                          </a:solidFill>
+                          <a:effectLst/>
+                          <a:latin typeface="+mn-lt"/>
+                          <a:ea typeface="+mn-ea"/>
+                          <a:cs typeface="+mn-cs"/>
+                        </a:rPr>
+                        <a:t>tm0:TaskManager</a:t>
                       </a:r>
                       <a:r>
-                        <a:rPr lang="en-SG" sz="1800" u="sng" dirty="0"/>
-                        <a:t>AddressBook</a:t>
+                        <a:rPr lang="en-US" sz="1800" kern="1200" dirty="0" smtClean="0">
+                          <a:solidFill>
+                            <a:schemeClr val="lt1"/>
+                          </a:solidFill>
+                          <a:effectLst/>
+                          <a:latin typeface="+mn-lt"/>
+                          <a:ea typeface="+mn-ea"/>
+                          <a:cs typeface="+mn-cs"/>
+                        </a:rPr>
+                        <a:t> </a:t>
                       </a:r>
-                      <a:endParaRPr lang="en-SG" u="sng" dirty="0"/>
                     </a:p>
                   </a:txBody>
                   <a:tcPr/>
                 </a:tc>
                 <a:extLst>
                   <a:ext uri="{0D108BD9-81ED-4DB2-BD59-A6C34878D82A}">
-                    <a16:rowId xmlns:a16="http://schemas.microsoft.com/office/drawing/2014/main" val="2194462629"/>
+                    <a16:rowId xmlns:a16="http://schemas.microsoft.com/office/drawing/2014/main" xmlns="" val="2194462629"/>
                   </a:ext>
                 </a:extLst>
               </a:tr>
@@ -3713,7 +3749,7 @@
           <p:cNvPr id="29" name="Table 28">
             <a:extLst>
               <a:ext uri="{FF2B5EF4-FFF2-40B4-BE49-F238E27FC236}">
-                <a16:creationId xmlns:a16="http://schemas.microsoft.com/office/drawing/2014/main" id="{F545FAB8-F1CE-4886-9BDE-E772BCB0A9C4}"/>
+                <a16:creationId xmlns:a16="http://schemas.microsoft.com/office/drawing/2014/main" xmlns="" id="{F545FAB8-F1CE-4886-9BDE-E772BCB0A9C4}"/>
               </a:ext>
             </a:extLst>
           </p:cNvPr>
@@ -3723,14 +3759,14 @@
           <p:nvPr>
             <p:extLst>
               <p:ext uri="{D42A27DB-BD31-4B8C-83A1-F6EECF244321}">
-                <p14:modId xmlns:p14="http://schemas.microsoft.com/office/powerpoint/2010/main" val="829193732"/>
+                <p14:modId xmlns:p14="http://schemas.microsoft.com/office/powerpoint/2010/main" val="1624499477"/>
               </p:ext>
             </p:extLst>
           </p:nvPr>
         </p:nvGraphicFramePr>
         <p:xfrm>
-          <a:off x="2440458" y="1476102"/>
-          <a:ext cx="1825824" cy="417888"/>
+          <a:off x="2440457" y="1476102"/>
+          <a:ext cx="1969327" cy="417888"/>
         </p:xfrm>
         <a:graphic>
           <a:graphicData uri="http://schemas.openxmlformats.org/drawingml/2006/table">
@@ -3739,10 +3775,10 @@
                 <a:tableStyleId>{638B1855-1B75-4FBE-930C-398BA8C253C6}</a:tableStyleId>
               </a:tblPr>
               <a:tblGrid>
-                <a:gridCol w="1825824">
+                <a:gridCol w="1969327">
                   <a:extLst>
                     <a:ext uri="{9D8B030D-6E8A-4147-A177-3AD203B41FA5}">
-                      <a16:colId xmlns:a16="http://schemas.microsoft.com/office/drawing/2014/main" val="4240773277"/>
+                      <a16:colId xmlns:a16="http://schemas.microsoft.com/office/drawing/2014/main" xmlns="" val="4240773277"/>
                     </a:ext>
                   </a:extLst>
                 </a:gridCol>
@@ -3753,22 +3789,63 @@
                     <a:bodyPr/>
                     <a:lstStyle/>
                     <a:p>
+                      <a:pPr marL="0" marR="0" indent="0" algn="l" defTabSz="914400" rtl="0" eaLnBrk="1" fontAlgn="auto" latinLnBrk="0" hangingPunct="1">
+                        <a:lnSpc>
+                          <a:spcPct val="100000"/>
+                        </a:lnSpc>
+                        <a:spcBef>
+                          <a:spcPts val="0"/>
+                        </a:spcBef>
+                        <a:spcAft>
+                          <a:spcPts val="0"/>
+                        </a:spcAft>
+                        <a:buClrTx/>
+                        <a:buSzTx/>
+                        <a:buFontTx/>
+                        <a:buNone/>
+                        <a:tabLst/>
+                        <a:defRPr/>
+                      </a:pPr>
                       <a:r>
-                        <a:rPr lang="en-SG" u="sng" dirty="0"/>
-                        <a:t>ab1:</a:t>
+                        <a:rPr lang="en-US" sz="1800" u="sng" kern="1200" dirty="0" smtClean="0">
+                          <a:solidFill>
+                            <a:schemeClr val="lt1"/>
+                          </a:solidFill>
+                          <a:effectLst/>
+                          <a:latin typeface="+mn-lt"/>
+                          <a:ea typeface="+mn-ea"/>
+                          <a:cs typeface="+mn-cs"/>
+                        </a:rPr>
+                        <a:t>tm0:TaskManager</a:t>
                       </a:r>
                       <a:r>
-                        <a:rPr lang="en-SG" sz="1800" u="sng" dirty="0"/>
-                        <a:t>AddressBook</a:t>
+                        <a:rPr lang="en-US" sz="1800" kern="1200" dirty="0" smtClean="0">
+                          <a:solidFill>
+                            <a:schemeClr val="lt1"/>
+                          </a:solidFill>
+                          <a:effectLst/>
+                          <a:latin typeface="+mn-lt"/>
+                          <a:ea typeface="+mn-ea"/>
+                          <a:cs typeface="+mn-cs"/>
+                        </a:rPr>
+                        <a:t> </a:t>
                       </a:r>
-                      <a:endParaRPr lang="en-SG" u="sng" dirty="0"/>
+                      <a:endParaRPr lang="en-US" sz="1800" kern="1200" dirty="0" smtClean="0">
+                        <a:solidFill>
+                          <a:schemeClr val="lt1"/>
+                        </a:solidFill>
+                        <a:effectLst/>
+                        <a:latin typeface="+mn-lt"/>
+                        <a:ea typeface="+mn-ea"/>
+                        <a:cs typeface="+mn-cs"/>
+                      </a:endParaRPr>
                     </a:p>
                   </a:txBody>
                   <a:tcPr/>
                 </a:tc>
                 <a:extLst>
                   <a:ext uri="{0D108BD9-81ED-4DB2-BD59-A6C34878D82A}">
-                    <a16:rowId xmlns:a16="http://schemas.microsoft.com/office/drawing/2014/main" val="2194462629"/>
+                    <a16:rowId xmlns:a16="http://schemas.microsoft.com/office/drawing/2014/main" xmlns="" val="2194462629"/>
                   </a:ext>
                 </a:extLst>
               </a:tr>
@@ -3781,7 +3858,7 @@
           <p:cNvPr id="30" name="Table 29">
             <a:extLst>
               <a:ext uri="{FF2B5EF4-FFF2-40B4-BE49-F238E27FC236}">
-                <a16:creationId xmlns:a16="http://schemas.microsoft.com/office/drawing/2014/main" id="{F545FAB8-F1CE-4886-9BDE-E772BCB0A9C4}"/>
+                <a16:creationId xmlns:a16="http://schemas.microsoft.com/office/drawing/2014/main" xmlns="" id="{F545FAB8-F1CE-4886-9BDE-E772BCB0A9C4}"/>
               </a:ext>
             </a:extLst>
           </p:cNvPr>
@@ -3791,14 +3868,14 @@
           <p:nvPr>
             <p:extLst>
               <p:ext uri="{D42A27DB-BD31-4B8C-83A1-F6EECF244321}">
-                <p14:modId xmlns:p14="http://schemas.microsoft.com/office/powerpoint/2010/main" val="796708048"/>
+                <p14:modId xmlns:p14="http://schemas.microsoft.com/office/powerpoint/2010/main" val="353608494"/>
               </p:ext>
             </p:extLst>
           </p:nvPr>
         </p:nvGraphicFramePr>
         <p:xfrm>
-          <a:off x="4409785" y="1476102"/>
-          <a:ext cx="1825824" cy="417888"/>
+          <a:off x="4551177" y="1444680"/>
+          <a:ext cx="1870644" cy="417888"/>
         </p:xfrm>
         <a:graphic>
           <a:graphicData uri="http://schemas.openxmlformats.org/drawingml/2006/table">
@@ -3807,10 +3884,10 @@
                 <a:tableStyleId>{638B1855-1B75-4FBE-930C-398BA8C253C6}</a:tableStyleId>
               </a:tblPr>
               <a:tblGrid>
-                <a:gridCol w="1825824">
+                <a:gridCol w="1870644">
                   <a:extLst>
                     <a:ext uri="{9D8B030D-6E8A-4147-A177-3AD203B41FA5}">
-                      <a16:colId xmlns:a16="http://schemas.microsoft.com/office/drawing/2014/main" val="4240773277"/>
+                      <a16:colId xmlns:a16="http://schemas.microsoft.com/office/drawing/2014/main" xmlns="" val="4240773277"/>
                     </a:ext>
                   </a:extLst>
                 </a:gridCol>
@@ -3821,22 +3898,51 @@
                     <a:bodyPr/>
                     <a:lstStyle/>
                     <a:p>
+                      <a:pPr marL="0" marR="0" indent="0" algn="l" defTabSz="914400" rtl="0" eaLnBrk="1" fontAlgn="auto" latinLnBrk="0" hangingPunct="1">
+                        <a:lnSpc>
+                          <a:spcPct val="100000"/>
+                        </a:lnSpc>
+                        <a:spcBef>
+                          <a:spcPts val="0"/>
+                        </a:spcBef>
+                        <a:spcAft>
+                          <a:spcPts val="0"/>
+                        </a:spcAft>
+                        <a:buClrTx/>
+                        <a:buSzTx/>
+                        <a:buFontTx/>
+                        <a:buNone/>
+                        <a:tabLst/>
+                        <a:defRPr/>
+                      </a:pPr>
                       <a:r>
-                        <a:rPr lang="en-SG" u="sng" dirty="0"/>
-                        <a:t>ab2:</a:t>
+                        <a:rPr lang="en-US" sz="1800" u="sng" kern="1200" dirty="0" smtClean="0">
+                          <a:solidFill>
+                            <a:schemeClr val="lt1"/>
+                          </a:solidFill>
+                          <a:effectLst/>
+                          <a:latin typeface="+mn-lt"/>
+                          <a:ea typeface="+mn-ea"/>
+                          <a:cs typeface="+mn-cs"/>
+                        </a:rPr>
+                        <a:t>tm2:TaskManager</a:t>
                       </a:r>
-                      <a:r>
-                        <a:rPr lang="en-SG" sz="1800" u="sng" dirty="0"/>
-                        <a:t>AddressBook</a:t>
-                      </a:r>
-                      <a:endParaRPr lang="en-SG" u="sng" dirty="0"/>
+                      <a:endParaRPr lang="en-US" sz="1800" kern="1200" dirty="0" smtClean="0">
+                        <a:solidFill>
+                          <a:schemeClr val="lt1"/>
+                        </a:solidFill>
+                        <a:effectLst/>
+                        <a:latin typeface="+mn-lt"/>
+                        <a:ea typeface="+mn-ea"/>
+                        <a:cs typeface="+mn-cs"/>
+                      </a:endParaRPr>
                     </a:p>
                   </a:txBody>
                   <a:tcPr/>
                 </a:tc>
                 <a:extLst>
                   <a:ext uri="{0D108BD9-81ED-4DB2-BD59-A6C34878D82A}">
-                    <a16:rowId xmlns:a16="http://schemas.microsoft.com/office/drawing/2014/main" val="2194462629"/>
+                    <a16:rowId xmlns:a16="http://schemas.microsoft.com/office/drawing/2014/main" xmlns="" val="2194462629"/>
                   </a:ext>
                 </a:extLst>
               </a:tr>
@@ -3849,7 +3955,7 @@
           <p:cNvPr id="31" name="Table 30">
             <a:extLst>
               <a:ext uri="{FF2B5EF4-FFF2-40B4-BE49-F238E27FC236}">
-                <a16:creationId xmlns:a16="http://schemas.microsoft.com/office/drawing/2014/main" id="{F545FAB8-F1CE-4886-9BDE-E772BCB0A9C4}"/>
+                <a16:creationId xmlns:a16="http://schemas.microsoft.com/office/drawing/2014/main" xmlns="" id="{F545FAB8-F1CE-4886-9BDE-E772BCB0A9C4}"/>
               </a:ext>
             </a:extLst>
           </p:cNvPr>
@@ -3859,14 +3965,14 @@
           <p:nvPr>
             <p:extLst>
               <p:ext uri="{D42A27DB-BD31-4B8C-83A1-F6EECF244321}">
-                <p14:modId xmlns:p14="http://schemas.microsoft.com/office/powerpoint/2010/main" val="377617300"/>
+                <p14:modId xmlns:p14="http://schemas.microsoft.com/office/powerpoint/2010/main" val="118141522"/>
               </p:ext>
             </p:extLst>
           </p:nvPr>
         </p:nvGraphicFramePr>
         <p:xfrm>
-          <a:off x="473240" y="3919947"/>
-          <a:ext cx="1825824" cy="417888"/>
+          <a:off x="387404" y="3919947"/>
+          <a:ext cx="1911660" cy="417888"/>
         </p:xfrm>
         <a:graphic>
           <a:graphicData uri="http://schemas.openxmlformats.org/drawingml/2006/table">
@@ -3875,10 +3981,10 @@
                 <a:tableStyleId>{638B1855-1B75-4FBE-930C-398BA8C253C6}</a:tableStyleId>
               </a:tblPr>
               <a:tblGrid>
-                <a:gridCol w="1825824">
+                <a:gridCol w="1911660">
                   <a:extLst>
                     <a:ext uri="{9D8B030D-6E8A-4147-A177-3AD203B41FA5}">
-                      <a16:colId xmlns:a16="http://schemas.microsoft.com/office/drawing/2014/main" val="4240773277"/>
+                      <a16:colId xmlns:a16="http://schemas.microsoft.com/office/drawing/2014/main" xmlns="" val="4240773277"/>
                     </a:ext>
                   </a:extLst>
                 </a:gridCol>
@@ -3889,22 +3995,63 @@
                     <a:bodyPr/>
                     <a:lstStyle/>
                     <a:p>
+                      <a:pPr marL="0" marR="0" indent="0" algn="l" defTabSz="914400" rtl="0" eaLnBrk="1" fontAlgn="auto" latinLnBrk="0" hangingPunct="1">
+                        <a:lnSpc>
+                          <a:spcPct val="100000"/>
+                        </a:lnSpc>
+                        <a:spcBef>
+                          <a:spcPts val="0"/>
+                        </a:spcBef>
+                        <a:spcAft>
+                          <a:spcPts val="0"/>
+                        </a:spcAft>
+                        <a:buClrTx/>
+                        <a:buSzTx/>
+                        <a:buFontTx/>
+                        <a:buNone/>
+                        <a:tabLst/>
+                        <a:defRPr/>
+                      </a:pPr>
                       <a:r>
-                        <a:rPr lang="en-SG" u="sng" dirty="0"/>
-                        <a:t>ab0:</a:t>
+                        <a:rPr lang="en-US" sz="1800" u="sng" kern="1200" dirty="0" smtClean="0">
+                          <a:solidFill>
+                            <a:schemeClr val="lt1"/>
+                          </a:solidFill>
+                          <a:effectLst/>
+                          <a:latin typeface="+mn-lt"/>
+                          <a:ea typeface="+mn-ea"/>
+                          <a:cs typeface="+mn-cs"/>
+                        </a:rPr>
+                        <a:t>tm0:TaskManager</a:t>
                       </a:r>
                       <a:r>
-                        <a:rPr lang="en-SG" sz="1800" u="sng" dirty="0"/>
-                        <a:t>AddressBook</a:t>
+                        <a:rPr lang="en-US" sz="1800" kern="1200" dirty="0" smtClean="0">
+                          <a:solidFill>
+                            <a:schemeClr val="lt1"/>
+                          </a:solidFill>
+                          <a:effectLst/>
+                          <a:latin typeface="+mn-lt"/>
+                          <a:ea typeface="+mn-ea"/>
+                          <a:cs typeface="+mn-cs"/>
+                        </a:rPr>
+                        <a:t> </a:t>
                       </a:r>
-                      <a:endParaRPr lang="en-SG" u="sng" dirty="0"/>
+                      <a:endParaRPr lang="en-US" sz="1800" kern="1200" dirty="0" smtClean="0">
+                        <a:solidFill>
+                          <a:schemeClr val="lt1"/>
+                        </a:solidFill>
+                        <a:effectLst/>
+                        <a:latin typeface="+mn-lt"/>
+                        <a:ea typeface="+mn-ea"/>
+                        <a:cs typeface="+mn-cs"/>
+                      </a:endParaRPr>
                     </a:p>
                   </a:txBody>
                   <a:tcPr/>
                 </a:tc>
                 <a:extLst>
                   <a:ext uri="{0D108BD9-81ED-4DB2-BD59-A6C34878D82A}">
-                    <a16:rowId xmlns:a16="http://schemas.microsoft.com/office/drawing/2014/main" val="2194462629"/>
+                    <a16:rowId xmlns:a16="http://schemas.microsoft.com/office/drawing/2014/main" xmlns="" val="2194462629"/>
                   </a:ext>
                 </a:extLst>
               </a:tr>
@@ -3917,7 +4064,7 @@
           <p:cNvPr id="32" name="Table 31">
             <a:extLst>
               <a:ext uri="{FF2B5EF4-FFF2-40B4-BE49-F238E27FC236}">
-                <a16:creationId xmlns:a16="http://schemas.microsoft.com/office/drawing/2014/main" id="{F545FAB8-F1CE-4886-9BDE-E772BCB0A9C4}"/>
+                <a16:creationId xmlns:a16="http://schemas.microsoft.com/office/drawing/2014/main" xmlns="" id="{F545FAB8-F1CE-4886-9BDE-E772BCB0A9C4}"/>
               </a:ext>
             </a:extLst>
           </p:cNvPr>
@@ -3927,14 +4074,14 @@
           <p:nvPr>
             <p:extLst>
               <p:ext uri="{D42A27DB-BD31-4B8C-83A1-F6EECF244321}">
-                <p14:modId xmlns:p14="http://schemas.microsoft.com/office/powerpoint/2010/main" val="4076322253"/>
+                <p14:modId xmlns:p14="http://schemas.microsoft.com/office/powerpoint/2010/main" val="101999549"/>
               </p:ext>
             </p:extLst>
           </p:nvPr>
         </p:nvGraphicFramePr>
         <p:xfrm>
           <a:off x="2440458" y="3919947"/>
-          <a:ext cx="1825824" cy="417888"/>
+          <a:ext cx="1969326" cy="417888"/>
         </p:xfrm>
         <a:graphic>
           <a:graphicData uri="http://schemas.openxmlformats.org/drawingml/2006/table">
@@ -3943,10 +4090,10 @@
                 <a:tableStyleId>{638B1855-1B75-4FBE-930C-398BA8C253C6}</a:tableStyleId>
               </a:tblPr>
               <a:tblGrid>
-                <a:gridCol w="1825824">
+                <a:gridCol w="1969326">
                   <a:extLst>
                     <a:ext uri="{9D8B030D-6E8A-4147-A177-3AD203B41FA5}">
-                      <a16:colId xmlns:a16="http://schemas.microsoft.com/office/drawing/2014/main" val="4240773277"/>
+                      <a16:colId xmlns:a16="http://schemas.microsoft.com/office/drawing/2014/main" xmlns="" val="4240773277"/>
                     </a:ext>
                   </a:extLst>
                 </a:gridCol>
@@ -3957,22 +4104,54 @@
                     <a:bodyPr/>
                     <a:lstStyle/>
                     <a:p>
+                      <a:pPr marL="0" marR="0" indent="0" algn="l" defTabSz="914400" rtl="0" eaLnBrk="1" fontAlgn="auto" latinLnBrk="0" hangingPunct="1">
+                        <a:lnSpc>
+                          <a:spcPct val="100000"/>
+                        </a:lnSpc>
+                        <a:spcBef>
+                          <a:spcPts val="0"/>
+                        </a:spcBef>
+                        <a:spcAft>
+                          <a:spcPts val="0"/>
+                        </a:spcAft>
+                        <a:buClrTx/>
+                        <a:buSzTx/>
+                        <a:buFontTx/>
+                        <a:buNone/>
+                        <a:tabLst/>
+                        <a:defRPr/>
+                      </a:pPr>
                       <a:r>
-                        <a:rPr lang="en-SG" u="sng" dirty="0"/>
-                        <a:t>ab1:</a:t>
+                        <a:rPr lang="en-US" sz="1800" u="sng" kern="1200" dirty="0" smtClean="0">
+                          <a:solidFill>
+                            <a:schemeClr val="lt1"/>
+                          </a:solidFill>
+                          <a:effectLst/>
+                          <a:latin typeface="+mn-lt"/>
+                          <a:ea typeface="+mn-ea"/>
+                          <a:cs typeface="+mn-cs"/>
+                        </a:rPr>
+                        <a:t>tm0:TaskManager</a:t>
                       </a:r>
                       <a:r>
-                        <a:rPr lang="en-SG" sz="1800" u="sng" dirty="0"/>
-                        <a:t>AddressBook</a:t>
+                        <a:rPr lang="en-US" sz="1800" kern="1200" dirty="0" smtClean="0">
+                          <a:solidFill>
+                            <a:schemeClr val="lt1"/>
+                          </a:solidFill>
+                          <a:effectLst/>
+                          <a:latin typeface="+mn-lt"/>
+                          <a:ea typeface="+mn-ea"/>
+                          <a:cs typeface="+mn-cs"/>
+                        </a:rPr>
+                        <a:t> </a:t>
                       </a:r>
-                      <a:endParaRPr lang="en-SG" u="sng" dirty="0"/>
                     </a:p>
                   </a:txBody>
                   <a:tcPr/>
                 </a:tc>
                 <a:extLst>
                   <a:ext uri="{0D108BD9-81ED-4DB2-BD59-A6C34878D82A}">
-                    <a16:rowId xmlns:a16="http://schemas.microsoft.com/office/drawing/2014/main" val="2194462629"/>
+                    <a16:rowId xmlns:a16="http://schemas.microsoft.com/office/drawing/2014/main" xmlns="" val="2194462629"/>
                   </a:ext>
                 </a:extLst>
               </a:tr>
@@ -3985,7 +4164,7 @@
           <p:cNvPr id="33" name="Table 32">
             <a:extLst>
               <a:ext uri="{FF2B5EF4-FFF2-40B4-BE49-F238E27FC236}">
-                <a16:creationId xmlns:a16="http://schemas.microsoft.com/office/drawing/2014/main" id="{F545FAB8-F1CE-4886-9BDE-E772BCB0A9C4}"/>
+                <a16:creationId xmlns:a16="http://schemas.microsoft.com/office/drawing/2014/main" xmlns="" id="{F545FAB8-F1CE-4886-9BDE-E772BCB0A9C4}"/>
               </a:ext>
             </a:extLst>
           </p:cNvPr>
@@ -3995,14 +4174,14 @@
           <p:nvPr>
             <p:extLst>
               <p:ext uri="{D42A27DB-BD31-4B8C-83A1-F6EECF244321}">
-                <p14:modId xmlns:p14="http://schemas.microsoft.com/office/powerpoint/2010/main" val="53411958"/>
+                <p14:modId xmlns:p14="http://schemas.microsoft.com/office/powerpoint/2010/main" val="346910222"/>
               </p:ext>
             </p:extLst>
           </p:nvPr>
         </p:nvGraphicFramePr>
         <p:xfrm>
-          <a:off x="4409785" y="3919947"/>
-          <a:ext cx="1825824" cy="417888"/>
+          <a:off x="4574940" y="3930046"/>
+          <a:ext cx="2012036" cy="417888"/>
         </p:xfrm>
         <a:graphic>
           <a:graphicData uri="http://schemas.openxmlformats.org/drawingml/2006/table">
@@ -4011,10 +4190,10 @@
                 <a:tableStyleId>{638B1855-1B75-4FBE-930C-398BA8C253C6}</a:tableStyleId>
               </a:tblPr>
               <a:tblGrid>
-                <a:gridCol w="1825824">
+                <a:gridCol w="2012036">
                   <a:extLst>
                     <a:ext uri="{9D8B030D-6E8A-4147-A177-3AD203B41FA5}">
-                      <a16:colId xmlns:a16="http://schemas.microsoft.com/office/drawing/2014/main" val="4240773277"/>
+                      <a16:colId xmlns:a16="http://schemas.microsoft.com/office/drawing/2014/main" xmlns="" val="4240773277"/>
                     </a:ext>
                   </a:extLst>
                 </a:gridCol>
@@ -4025,22 +4204,54 @@
                     <a:bodyPr/>
                     <a:lstStyle/>
                     <a:p>
+                      <a:pPr marL="0" marR="0" indent="0" algn="l" defTabSz="914400" rtl="0" eaLnBrk="1" fontAlgn="auto" latinLnBrk="0" hangingPunct="1">
+                        <a:lnSpc>
+                          <a:spcPct val="100000"/>
+                        </a:lnSpc>
+                        <a:spcBef>
+                          <a:spcPts val="0"/>
+                        </a:spcBef>
+                        <a:spcAft>
+                          <a:spcPts val="0"/>
+                        </a:spcAft>
+                        <a:buClrTx/>
+                        <a:buSzTx/>
+                        <a:buFontTx/>
+                        <a:buNone/>
+                        <a:tabLst/>
+                        <a:defRPr/>
+                      </a:pPr>
                       <a:r>
-                        <a:rPr lang="en-SG" u="sng" dirty="0"/>
-                        <a:t>ab3:</a:t>
+                        <a:rPr lang="en-US" sz="1800" u="sng" kern="1200" dirty="0" smtClean="0">
+                          <a:solidFill>
+                            <a:schemeClr val="lt1"/>
+                          </a:solidFill>
+                          <a:effectLst/>
+                          <a:latin typeface="+mn-lt"/>
+                          <a:ea typeface="+mn-ea"/>
+                          <a:cs typeface="+mn-cs"/>
+                        </a:rPr>
+                        <a:t>tm3:TaskManager</a:t>
                       </a:r>
                       <a:r>
-                        <a:rPr lang="en-SG" sz="1800" u="sng" dirty="0"/>
-                        <a:t>AddressBook</a:t>
+                        <a:rPr lang="en-US" sz="1800" kern="1200" dirty="0" smtClean="0">
+                          <a:solidFill>
+                            <a:schemeClr val="lt1"/>
+                          </a:solidFill>
+                          <a:effectLst/>
+                          <a:latin typeface="+mn-lt"/>
+                          <a:ea typeface="+mn-ea"/>
+                          <a:cs typeface="+mn-cs"/>
+                        </a:rPr>
+                        <a:t> </a:t>
                       </a:r>
-                      <a:endParaRPr lang="en-SG" u="sng" dirty="0"/>
                     </a:p>
                   </a:txBody>
                   <a:tcPr/>
                 </a:tc>
                 <a:extLst>
                   <a:ext uri="{0D108BD9-81ED-4DB2-BD59-A6C34878D82A}">
-                    <a16:rowId xmlns:a16="http://schemas.microsoft.com/office/drawing/2014/main" val="2194462629"/>
+                    <a16:rowId xmlns:a16="http://schemas.microsoft.com/office/drawing/2014/main" xmlns="" val="2194462629"/>
                   </a:ext>
                 </a:extLst>
               </a:tr>
@@ -4053,7 +4264,7 @@
           <p:cNvPr id="18" name="Straight Arrow Connector 17">
             <a:extLst>
               <a:ext uri="{FF2B5EF4-FFF2-40B4-BE49-F238E27FC236}">
-                <a16:creationId xmlns:a16="http://schemas.microsoft.com/office/drawing/2014/main" id="{BFC3A12D-3AD3-425B-8A3B-315B6DC01D05}"/>
+                <a16:creationId xmlns:a16="http://schemas.microsoft.com/office/drawing/2014/main" xmlns="" id="{BFC3A12D-3AD3-425B-8A3B-315B6DC01D05}"/>
               </a:ext>
             </a:extLst>
           </p:cNvPr>
@@ -4097,7 +4308,7 @@
           <p:cNvPr id="19" name="Straight Arrow Connector 18">
             <a:extLst>
               <a:ext uri="{FF2B5EF4-FFF2-40B4-BE49-F238E27FC236}">
-                <a16:creationId xmlns:a16="http://schemas.microsoft.com/office/drawing/2014/main" id="{A3B5C47A-9640-4A49-B463-8F5196CF2A09}"/>
+                <a16:creationId xmlns:a16="http://schemas.microsoft.com/office/drawing/2014/main" xmlns="" id="{A3B5C47A-9640-4A49-B463-8F5196CF2A09}"/>
               </a:ext>
             </a:extLst>
           </p:cNvPr>

--- a/docs/diagrams/UndoRedoNewCommand4StateListDiagram.pptx
+++ b/docs/diagrams/UndoRedoNewCommand4StateListDiagram.pptx
@@ -112,10 +112,6 @@
 </p:presentation>
 </file>
 
-<file path=ppt/revisionInfo.xml><?xml version="1.0" encoding="utf-8"?>
-<p1510:revInfo xmlns:a="http://schemas.openxmlformats.org/drawingml/2006/main" xmlns:r="http://schemas.openxmlformats.org/officeDocument/2006/relationships" xmlns:p1510="http://schemas.microsoft.com/office/powerpoint/2015/10/main"/>
-</file>
-
 <file path=ppt/slideLayouts/slideLayout1.xml><?xml version="1.0" encoding="utf-8"?>
 <p:sldLayout xmlns:a="http://schemas.openxmlformats.org/drawingml/2006/main" xmlns:r="http://schemas.openxmlformats.org/officeDocument/2006/relationships" xmlns:p="http://schemas.openxmlformats.org/presentationml/2006/main" type="title" preserve="1">
   <p:cSld name="Title Slide">
@@ -265,7 +261,7 @@
           <a:p>
             <a:fld id="{03EC4E3E-8101-482F-A883-8B55DAFF7C07}" type="datetimeFigureOut">
               <a:rPr lang="en-SG" smtClean="0"/>
-              <a:t>6/7/2018</a:t>
+              <a:t>22/10/2018</a:t>
             </a:fld>
             <a:endParaRPr lang="en-SG"/>
           </a:p>
@@ -465,7 +461,7 @@
           <a:p>
             <a:fld id="{03EC4E3E-8101-482F-A883-8B55DAFF7C07}" type="datetimeFigureOut">
               <a:rPr lang="en-SG" smtClean="0"/>
-              <a:t>6/7/2018</a:t>
+              <a:t>22/10/2018</a:t>
             </a:fld>
             <a:endParaRPr lang="en-SG"/>
           </a:p>
@@ -675,7 +671,7 @@
           <a:p>
             <a:fld id="{03EC4E3E-8101-482F-A883-8B55DAFF7C07}" type="datetimeFigureOut">
               <a:rPr lang="en-SG" smtClean="0"/>
-              <a:t>6/7/2018</a:t>
+              <a:t>22/10/2018</a:t>
             </a:fld>
             <a:endParaRPr lang="en-SG"/>
           </a:p>
@@ -875,7 +871,7 @@
           <a:p>
             <a:fld id="{03EC4E3E-8101-482F-A883-8B55DAFF7C07}" type="datetimeFigureOut">
               <a:rPr lang="en-SG" smtClean="0"/>
-              <a:t>6/7/2018</a:t>
+              <a:t>22/10/2018</a:t>
             </a:fld>
             <a:endParaRPr lang="en-SG"/>
           </a:p>
@@ -1151,7 +1147,7 @@
           <a:p>
             <a:fld id="{03EC4E3E-8101-482F-A883-8B55DAFF7C07}" type="datetimeFigureOut">
               <a:rPr lang="en-SG" smtClean="0"/>
-              <a:t>6/7/2018</a:t>
+              <a:t>22/10/2018</a:t>
             </a:fld>
             <a:endParaRPr lang="en-SG"/>
           </a:p>
@@ -1419,7 +1415,7 @@
           <a:p>
             <a:fld id="{03EC4E3E-8101-482F-A883-8B55DAFF7C07}" type="datetimeFigureOut">
               <a:rPr lang="en-SG" smtClean="0"/>
-              <a:t>6/7/2018</a:t>
+              <a:t>22/10/2018</a:t>
             </a:fld>
             <a:endParaRPr lang="en-SG"/>
           </a:p>
@@ -1834,7 +1830,7 @@
           <a:p>
             <a:fld id="{03EC4E3E-8101-482F-A883-8B55DAFF7C07}" type="datetimeFigureOut">
               <a:rPr lang="en-SG" smtClean="0"/>
-              <a:t>6/7/2018</a:t>
+              <a:t>22/10/2018</a:t>
             </a:fld>
             <a:endParaRPr lang="en-SG"/>
           </a:p>
@@ -1976,7 +1972,7 @@
           <a:p>
             <a:fld id="{03EC4E3E-8101-482F-A883-8B55DAFF7C07}" type="datetimeFigureOut">
               <a:rPr lang="en-SG" smtClean="0"/>
-              <a:t>6/7/2018</a:t>
+              <a:t>22/10/2018</a:t>
             </a:fld>
             <a:endParaRPr lang="en-SG"/>
           </a:p>
@@ -2089,7 +2085,7 @@
           <a:p>
             <a:fld id="{03EC4E3E-8101-482F-A883-8B55DAFF7C07}" type="datetimeFigureOut">
               <a:rPr lang="en-SG" smtClean="0"/>
-              <a:t>6/7/2018</a:t>
+              <a:t>22/10/2018</a:t>
             </a:fld>
             <a:endParaRPr lang="en-SG"/>
           </a:p>
@@ -2402,7 +2398,7 @@
           <a:p>
             <a:fld id="{03EC4E3E-8101-482F-A883-8B55DAFF7C07}" type="datetimeFigureOut">
               <a:rPr lang="en-SG" smtClean="0"/>
-              <a:t>6/7/2018</a:t>
+              <a:t>22/10/2018</a:t>
             </a:fld>
             <a:endParaRPr lang="en-SG"/>
           </a:p>
@@ -2691,7 +2687,7 @@
           <a:p>
             <a:fld id="{03EC4E3E-8101-482F-A883-8B55DAFF7C07}" type="datetimeFigureOut">
               <a:rPr lang="en-SG" smtClean="0"/>
-              <a:t>6/7/2018</a:t>
+              <a:t>22/10/2018</a:t>
             </a:fld>
             <a:endParaRPr lang="en-SG"/>
           </a:p>
@@ -2934,7 +2930,7 @@
           <a:p>
             <a:fld id="{03EC4E3E-8101-482F-A883-8B55DAFF7C07}" type="datetimeFigureOut">
               <a:rPr lang="en-SG" smtClean="0"/>
-              <a:t>6/7/2018</a:t>
+              <a:t>22/10/2018</a:t>
             </a:fld>
             <a:endParaRPr lang="en-SG"/>
           </a:p>
@@ -3359,7 +3355,7 @@
         </p:nvSpPr>
         <p:spPr>
           <a:xfrm>
-            <a:off x="5051917" y="2107282"/>
+            <a:off x="5772887" y="2107282"/>
             <a:ext cx="1535059" cy="1635302"/>
           </a:xfrm>
           <a:prstGeom prst="downArrow">
@@ -3409,7 +3405,7 @@
         </p:nvSpPr>
         <p:spPr>
           <a:xfrm>
-            <a:off x="8279815" y="4786631"/>
+            <a:off x="9000785" y="4786631"/>
             <a:ext cx="2346425" cy="369332"/>
           </a:xfrm>
           <a:prstGeom prst="rect">
@@ -3450,12 +3446,8 @@
           <a:p>
             <a:pPr algn="ctr"/>
             <a:r>
-              <a:rPr lang="en-SG"/>
-              <a:t>State ab2 </a:t>
-            </a:r>
-            <a:r>
               <a:rPr lang="en-SG" dirty="0"/>
-              <a:t>deleted.</a:t>
+              <a:t>State sp2 deleted.</a:t>
             </a:r>
           </a:p>
         </p:txBody>
@@ -3564,7 +3556,7 @@
         </p:nvSpPr>
         <p:spPr>
           <a:xfrm>
-            <a:off x="3952597" y="5155963"/>
+            <a:off x="4673567" y="5155963"/>
             <a:ext cx="3207000" cy="369332"/>
           </a:xfrm>
           <a:prstGeom prst="rect">
@@ -3655,14 +3647,14 @@
           <p:nvPr>
             <p:extLst>
               <p:ext uri="{D42A27DB-BD31-4B8C-83A1-F6EECF244321}">
-                <p14:modId xmlns:p14="http://schemas.microsoft.com/office/powerpoint/2010/main" val="1352982134"/>
+                <p14:modId xmlns:p14="http://schemas.microsoft.com/office/powerpoint/2010/main" val="1073180184"/>
               </p:ext>
             </p:extLst>
           </p:nvPr>
         </p:nvGraphicFramePr>
         <p:xfrm>
           <a:off x="473240" y="1476102"/>
-          <a:ext cx="1825824" cy="417888"/>
+          <a:ext cx="2184200" cy="417888"/>
         </p:xfrm>
         <a:graphic>
           <a:graphicData uri="http://schemas.openxmlformats.org/drawingml/2006/table">
@@ -3671,7 +3663,7 @@
                 <a:tableStyleId>{638B1855-1B75-4FBE-930C-398BA8C253C6}</a:tableStyleId>
               </a:tblPr>
               <a:tblGrid>
-                <a:gridCol w="1825824">
+                <a:gridCol w="2184200">
                   <a:extLst>
                     <a:ext uri="{9D8B030D-6E8A-4147-A177-3AD203B41FA5}">
                       <a16:colId xmlns:a16="http://schemas.microsoft.com/office/drawing/2014/main" val="4240773277"/>
@@ -3687,11 +3679,11 @@
                     <a:p>
                       <a:r>
                         <a:rPr lang="en-SG" u="sng" dirty="0"/>
-                        <a:t>ab0:</a:t>
+                        <a:t>sp0:</a:t>
                       </a:r>
                       <a:r>
                         <a:rPr lang="en-SG" sz="1800" u="sng" dirty="0"/>
-                        <a:t>AddressBook</a:t>
+                        <a:t>SchedulePlanner</a:t>
                       </a:r>
                       <a:endParaRPr lang="en-SG" u="sng" dirty="0"/>
                     </a:p>
@@ -3723,14 +3715,14 @@
           <p:nvPr>
             <p:extLst>
               <p:ext uri="{D42A27DB-BD31-4B8C-83A1-F6EECF244321}">
-                <p14:modId xmlns:p14="http://schemas.microsoft.com/office/powerpoint/2010/main" val="829193732"/>
+                <p14:modId xmlns:p14="http://schemas.microsoft.com/office/powerpoint/2010/main" val="3591276528"/>
               </p:ext>
             </p:extLst>
           </p:nvPr>
         </p:nvGraphicFramePr>
         <p:xfrm>
-          <a:off x="2440458" y="1476102"/>
-          <a:ext cx="1825824" cy="417888"/>
+          <a:off x="2800942" y="1476102"/>
+          <a:ext cx="2184199" cy="417888"/>
         </p:xfrm>
         <a:graphic>
           <a:graphicData uri="http://schemas.openxmlformats.org/drawingml/2006/table">
@@ -3739,7 +3731,7 @@
                 <a:tableStyleId>{638B1855-1B75-4FBE-930C-398BA8C253C6}</a:tableStyleId>
               </a:tblPr>
               <a:tblGrid>
-                <a:gridCol w="1825824">
+                <a:gridCol w="2184199">
                   <a:extLst>
                     <a:ext uri="{9D8B030D-6E8A-4147-A177-3AD203B41FA5}">
                       <a16:colId xmlns:a16="http://schemas.microsoft.com/office/drawing/2014/main" val="4240773277"/>
@@ -3755,11 +3747,11 @@
                     <a:p>
                       <a:r>
                         <a:rPr lang="en-SG" u="sng" dirty="0"/>
-                        <a:t>ab1:</a:t>
+                        <a:t>sp1:</a:t>
                       </a:r>
                       <a:r>
                         <a:rPr lang="en-SG" sz="1800" u="sng" dirty="0"/>
-                        <a:t>AddressBook</a:t>
+                        <a:t>SchedulePlanner</a:t>
                       </a:r>
                       <a:endParaRPr lang="en-SG" u="sng" dirty="0"/>
                     </a:p>
@@ -3791,14 +3783,14 @@
           <p:nvPr>
             <p:extLst>
               <p:ext uri="{D42A27DB-BD31-4B8C-83A1-F6EECF244321}">
-                <p14:modId xmlns:p14="http://schemas.microsoft.com/office/powerpoint/2010/main" val="796708048"/>
+                <p14:modId xmlns:p14="http://schemas.microsoft.com/office/powerpoint/2010/main" val="4073380255"/>
               </p:ext>
             </p:extLst>
           </p:nvPr>
         </p:nvGraphicFramePr>
         <p:xfrm>
-          <a:off x="4409785" y="1476102"/>
-          <a:ext cx="1825824" cy="417888"/>
+          <a:off x="5130755" y="1476102"/>
+          <a:ext cx="2184198" cy="417888"/>
         </p:xfrm>
         <a:graphic>
           <a:graphicData uri="http://schemas.openxmlformats.org/drawingml/2006/table">
@@ -3807,7 +3799,7 @@
                 <a:tableStyleId>{638B1855-1B75-4FBE-930C-398BA8C253C6}</a:tableStyleId>
               </a:tblPr>
               <a:tblGrid>
-                <a:gridCol w="1825824">
+                <a:gridCol w="2184198">
                   <a:extLst>
                     <a:ext uri="{9D8B030D-6E8A-4147-A177-3AD203B41FA5}">
                       <a16:colId xmlns:a16="http://schemas.microsoft.com/office/drawing/2014/main" val="4240773277"/>
@@ -3823,11 +3815,11 @@
                     <a:p>
                       <a:r>
                         <a:rPr lang="en-SG" u="sng" dirty="0"/>
-                        <a:t>ab2:</a:t>
+                        <a:t>sp2:</a:t>
                       </a:r>
                       <a:r>
                         <a:rPr lang="en-SG" sz="1800" u="sng" dirty="0"/>
-                        <a:t>AddressBook</a:t>
+                        <a:t>SchedulePlanner</a:t>
                       </a:r>
                       <a:endParaRPr lang="en-SG" u="sng" dirty="0"/>
                     </a:p>
@@ -3859,14 +3851,14 @@
           <p:nvPr>
             <p:extLst>
               <p:ext uri="{D42A27DB-BD31-4B8C-83A1-F6EECF244321}">
-                <p14:modId xmlns:p14="http://schemas.microsoft.com/office/powerpoint/2010/main" val="377617300"/>
+                <p14:modId xmlns:p14="http://schemas.microsoft.com/office/powerpoint/2010/main" val="4147548606"/>
               </p:ext>
             </p:extLst>
           </p:nvPr>
         </p:nvGraphicFramePr>
         <p:xfrm>
           <a:off x="473240" y="3919947"/>
-          <a:ext cx="1825824" cy="417888"/>
+          <a:ext cx="2184200" cy="417888"/>
         </p:xfrm>
         <a:graphic>
           <a:graphicData uri="http://schemas.openxmlformats.org/drawingml/2006/table">
@@ -3875,7 +3867,7 @@
                 <a:tableStyleId>{638B1855-1B75-4FBE-930C-398BA8C253C6}</a:tableStyleId>
               </a:tblPr>
               <a:tblGrid>
-                <a:gridCol w="1825824">
+                <a:gridCol w="2184200">
                   <a:extLst>
                     <a:ext uri="{9D8B030D-6E8A-4147-A177-3AD203B41FA5}">
                       <a16:colId xmlns:a16="http://schemas.microsoft.com/office/drawing/2014/main" val="4240773277"/>
@@ -3891,11 +3883,11 @@
                     <a:p>
                       <a:r>
                         <a:rPr lang="en-SG" u="sng" dirty="0"/>
-                        <a:t>ab0:</a:t>
+                        <a:t>sp0:</a:t>
                       </a:r>
                       <a:r>
                         <a:rPr lang="en-SG" sz="1800" u="sng" dirty="0"/>
-                        <a:t>AddressBook</a:t>
+                        <a:t>SchedulePlanner</a:t>
                       </a:r>
                       <a:endParaRPr lang="en-SG" u="sng" dirty="0"/>
                     </a:p>
@@ -3927,14 +3919,14 @@
           <p:nvPr>
             <p:extLst>
               <p:ext uri="{D42A27DB-BD31-4B8C-83A1-F6EECF244321}">
-                <p14:modId xmlns:p14="http://schemas.microsoft.com/office/powerpoint/2010/main" val="4076322253"/>
+                <p14:modId xmlns:p14="http://schemas.microsoft.com/office/powerpoint/2010/main" val="2498251702"/>
               </p:ext>
             </p:extLst>
           </p:nvPr>
         </p:nvGraphicFramePr>
         <p:xfrm>
-          <a:off x="2440458" y="3919947"/>
-          <a:ext cx="1825824" cy="417888"/>
+          <a:off x="2800943" y="3919947"/>
+          <a:ext cx="2184198" cy="417888"/>
         </p:xfrm>
         <a:graphic>
           <a:graphicData uri="http://schemas.openxmlformats.org/drawingml/2006/table">
@@ -3943,7 +3935,7 @@
                 <a:tableStyleId>{638B1855-1B75-4FBE-930C-398BA8C253C6}</a:tableStyleId>
               </a:tblPr>
               <a:tblGrid>
-                <a:gridCol w="1825824">
+                <a:gridCol w="2184198">
                   <a:extLst>
                     <a:ext uri="{9D8B030D-6E8A-4147-A177-3AD203B41FA5}">
                       <a16:colId xmlns:a16="http://schemas.microsoft.com/office/drawing/2014/main" val="4240773277"/>
@@ -3959,11 +3951,11 @@
                     <a:p>
                       <a:r>
                         <a:rPr lang="en-SG" u="sng" dirty="0"/>
-                        <a:t>ab1:</a:t>
+                        <a:t>sp1:</a:t>
                       </a:r>
                       <a:r>
                         <a:rPr lang="en-SG" sz="1800" u="sng" dirty="0"/>
-                        <a:t>AddressBook</a:t>
+                        <a:t>SchedulePlanner</a:t>
                       </a:r>
                       <a:endParaRPr lang="en-SG" u="sng" dirty="0"/>
                     </a:p>
@@ -3995,14 +3987,14 @@
           <p:nvPr>
             <p:extLst>
               <p:ext uri="{D42A27DB-BD31-4B8C-83A1-F6EECF244321}">
-                <p14:modId xmlns:p14="http://schemas.microsoft.com/office/powerpoint/2010/main" val="53411958"/>
+                <p14:modId xmlns:p14="http://schemas.microsoft.com/office/powerpoint/2010/main" val="2756530791"/>
               </p:ext>
             </p:extLst>
           </p:nvPr>
         </p:nvGraphicFramePr>
         <p:xfrm>
-          <a:off x="4409785" y="3919947"/>
-          <a:ext cx="1825824" cy="417888"/>
+          <a:off x="5130754" y="3919947"/>
+          <a:ext cx="2184197" cy="417888"/>
         </p:xfrm>
         <a:graphic>
           <a:graphicData uri="http://schemas.openxmlformats.org/drawingml/2006/table">
@@ -4011,7 +4003,7 @@
                 <a:tableStyleId>{638B1855-1B75-4FBE-930C-398BA8C253C6}</a:tableStyleId>
               </a:tblPr>
               <a:tblGrid>
-                <a:gridCol w="1825824">
+                <a:gridCol w="2184197">
                   <a:extLst>
                     <a:ext uri="{9D8B030D-6E8A-4147-A177-3AD203B41FA5}">
                       <a16:colId xmlns:a16="http://schemas.microsoft.com/office/drawing/2014/main" val="4240773277"/>
@@ -4027,11 +4019,11 @@
                     <a:p>
                       <a:r>
                         <a:rPr lang="en-SG" u="sng" dirty="0"/>
-                        <a:t>ab3:</a:t>
+                        <a:t>sp3:</a:t>
                       </a:r>
                       <a:r>
                         <a:rPr lang="en-SG" sz="1800" u="sng" dirty="0"/>
-                        <a:t>AddressBook</a:t>
+                        <a:t>SchedulePlanner</a:t>
                       </a:r>
                       <a:endParaRPr lang="en-SG" u="sng" dirty="0"/>
                     </a:p>
@@ -4064,7 +4056,7 @@
         </p:nvCxnSpPr>
         <p:spPr>
           <a:xfrm flipV="1">
-            <a:off x="3338818" y="2038898"/>
+            <a:off x="3699303" y="2038898"/>
             <a:ext cx="0" cy="706873"/>
           </a:xfrm>
           <a:prstGeom prst="straightConnector1">
@@ -4108,7 +4100,7 @@
         </p:nvCxnSpPr>
         <p:spPr>
           <a:xfrm flipV="1">
-            <a:off x="5385732" y="4471595"/>
+            <a:off x="6106702" y="4471595"/>
             <a:ext cx="0" cy="706873"/>
           </a:xfrm>
           <a:prstGeom prst="straightConnector1">

--- a/docs/diagrams/UndoRedoNewCommand4StateListDiagram.pptx
+++ b/docs/diagrams/UndoRedoNewCommand4StateListDiagram.pptx
@@ -112,10 +112,6 @@
 </p:presentation>
 </file>
 
-<file path=ppt/revisionInfo.xml><?xml version="1.0" encoding="utf-8"?>
-<p1510:revInfo xmlns:a="http://schemas.openxmlformats.org/drawingml/2006/main" xmlns:r="http://schemas.openxmlformats.org/officeDocument/2006/relationships" xmlns:p1510="http://schemas.microsoft.com/office/powerpoint/2015/10/main"/>
-</file>
-
 <file path=ppt/slideLayouts/slideLayout1.xml><?xml version="1.0" encoding="utf-8"?>
 <p:sldLayout xmlns:a="http://schemas.openxmlformats.org/drawingml/2006/main" xmlns:r="http://schemas.openxmlformats.org/officeDocument/2006/relationships" xmlns:p="http://schemas.openxmlformats.org/presentationml/2006/main" type="title" preserve="1">
   <p:cSld name="Title Slide">
@@ -265,7 +261,7 @@
           <a:p>
             <a:fld id="{03EC4E3E-8101-482F-A883-8B55DAFF7C07}" type="datetimeFigureOut">
               <a:rPr lang="en-SG" smtClean="0"/>
-              <a:t>6/7/2018</a:t>
+              <a:t>25/10/2018</a:t>
             </a:fld>
             <a:endParaRPr lang="en-SG"/>
           </a:p>
@@ -465,7 +461,7 @@
           <a:p>
             <a:fld id="{03EC4E3E-8101-482F-A883-8B55DAFF7C07}" type="datetimeFigureOut">
               <a:rPr lang="en-SG" smtClean="0"/>
-              <a:t>6/7/2018</a:t>
+              <a:t>25/10/2018</a:t>
             </a:fld>
             <a:endParaRPr lang="en-SG"/>
           </a:p>
@@ -675,7 +671,7 @@
           <a:p>
             <a:fld id="{03EC4E3E-8101-482F-A883-8B55DAFF7C07}" type="datetimeFigureOut">
               <a:rPr lang="en-SG" smtClean="0"/>
-              <a:t>6/7/2018</a:t>
+              <a:t>25/10/2018</a:t>
             </a:fld>
             <a:endParaRPr lang="en-SG"/>
           </a:p>
@@ -875,7 +871,7 @@
           <a:p>
             <a:fld id="{03EC4E3E-8101-482F-A883-8B55DAFF7C07}" type="datetimeFigureOut">
               <a:rPr lang="en-SG" smtClean="0"/>
-              <a:t>6/7/2018</a:t>
+              <a:t>25/10/2018</a:t>
             </a:fld>
             <a:endParaRPr lang="en-SG"/>
           </a:p>
@@ -1151,7 +1147,7 @@
           <a:p>
             <a:fld id="{03EC4E3E-8101-482F-A883-8B55DAFF7C07}" type="datetimeFigureOut">
               <a:rPr lang="en-SG" smtClean="0"/>
-              <a:t>6/7/2018</a:t>
+              <a:t>25/10/2018</a:t>
             </a:fld>
             <a:endParaRPr lang="en-SG"/>
           </a:p>
@@ -1419,7 +1415,7 @@
           <a:p>
             <a:fld id="{03EC4E3E-8101-482F-A883-8B55DAFF7C07}" type="datetimeFigureOut">
               <a:rPr lang="en-SG" smtClean="0"/>
-              <a:t>6/7/2018</a:t>
+              <a:t>25/10/2018</a:t>
             </a:fld>
             <a:endParaRPr lang="en-SG"/>
           </a:p>
@@ -1834,7 +1830,7 @@
           <a:p>
             <a:fld id="{03EC4E3E-8101-482F-A883-8B55DAFF7C07}" type="datetimeFigureOut">
               <a:rPr lang="en-SG" smtClean="0"/>
-              <a:t>6/7/2018</a:t>
+              <a:t>25/10/2018</a:t>
             </a:fld>
             <a:endParaRPr lang="en-SG"/>
           </a:p>
@@ -1976,7 +1972,7 @@
           <a:p>
             <a:fld id="{03EC4E3E-8101-482F-A883-8B55DAFF7C07}" type="datetimeFigureOut">
               <a:rPr lang="en-SG" smtClean="0"/>
-              <a:t>6/7/2018</a:t>
+              <a:t>25/10/2018</a:t>
             </a:fld>
             <a:endParaRPr lang="en-SG"/>
           </a:p>
@@ -2089,7 +2085,7 @@
           <a:p>
             <a:fld id="{03EC4E3E-8101-482F-A883-8B55DAFF7C07}" type="datetimeFigureOut">
               <a:rPr lang="en-SG" smtClean="0"/>
-              <a:t>6/7/2018</a:t>
+              <a:t>25/10/2018</a:t>
             </a:fld>
             <a:endParaRPr lang="en-SG"/>
           </a:p>
@@ -2402,7 +2398,7 @@
           <a:p>
             <a:fld id="{03EC4E3E-8101-482F-A883-8B55DAFF7C07}" type="datetimeFigureOut">
               <a:rPr lang="en-SG" smtClean="0"/>
-              <a:t>6/7/2018</a:t>
+              <a:t>25/10/2018</a:t>
             </a:fld>
             <a:endParaRPr lang="en-SG"/>
           </a:p>
@@ -2691,7 +2687,7 @@
           <a:p>
             <a:fld id="{03EC4E3E-8101-482F-A883-8B55DAFF7C07}" type="datetimeFigureOut">
               <a:rPr lang="en-SG" smtClean="0"/>
-              <a:t>6/7/2018</a:t>
+              <a:t>25/10/2018</a:t>
             </a:fld>
             <a:endParaRPr lang="en-SG"/>
           </a:p>
@@ -2934,7 +2930,7 @@
           <a:p>
             <a:fld id="{03EC4E3E-8101-482F-A883-8B55DAFF7C07}" type="datetimeFigureOut">
               <a:rPr lang="en-SG" smtClean="0"/>
-              <a:t>6/7/2018</a:t>
+              <a:t>25/10/2018</a:t>
             </a:fld>
             <a:endParaRPr lang="en-SG"/>
           </a:p>
@@ -3450,12 +3446,8 @@
           <a:p>
             <a:pPr algn="ctr"/>
             <a:r>
-              <a:rPr lang="en-SG"/>
-              <a:t>State ab2 </a:t>
-            </a:r>
-            <a:r>
               <a:rPr lang="en-SG" dirty="0"/>
-              <a:t>deleted.</a:t>
+              <a:t>State schd2 deleted.</a:t>
             </a:r>
           </a:p>
         </p:txBody>
@@ -3655,7 +3647,7 @@
           <p:nvPr>
             <p:extLst>
               <p:ext uri="{D42A27DB-BD31-4B8C-83A1-F6EECF244321}">
-                <p14:modId xmlns:p14="http://schemas.microsoft.com/office/powerpoint/2010/main" val="1352982134"/>
+                <p14:modId xmlns:p14="http://schemas.microsoft.com/office/powerpoint/2010/main" val="3817448256"/>
               </p:ext>
             </p:extLst>
           </p:nvPr>
@@ -3687,11 +3679,11 @@
                     <a:p>
                       <a:r>
                         <a:rPr lang="en-SG" u="sng" dirty="0"/>
-                        <a:t>ab0:</a:t>
+                        <a:t>schd0:</a:t>
                       </a:r>
                       <a:r>
                         <a:rPr lang="en-SG" sz="1800" u="sng" dirty="0"/>
-                        <a:t>AddressBook</a:t>
+                        <a:t>Scheduler</a:t>
                       </a:r>
                       <a:endParaRPr lang="en-SG" u="sng" dirty="0"/>
                     </a:p>
@@ -3723,7 +3715,7 @@
           <p:nvPr>
             <p:extLst>
               <p:ext uri="{D42A27DB-BD31-4B8C-83A1-F6EECF244321}">
-                <p14:modId xmlns:p14="http://schemas.microsoft.com/office/powerpoint/2010/main" val="829193732"/>
+                <p14:modId xmlns:p14="http://schemas.microsoft.com/office/powerpoint/2010/main" val="1769957996"/>
               </p:ext>
             </p:extLst>
           </p:nvPr>
@@ -3755,11 +3747,11 @@
                     <a:p>
                       <a:r>
                         <a:rPr lang="en-SG" u="sng" dirty="0"/>
-                        <a:t>ab1:</a:t>
+                        <a:t>schd1:</a:t>
                       </a:r>
                       <a:r>
                         <a:rPr lang="en-SG" sz="1800" u="sng" dirty="0"/>
-                        <a:t>AddressBook</a:t>
+                        <a:t>Scheduler</a:t>
                       </a:r>
                       <a:endParaRPr lang="en-SG" u="sng" dirty="0"/>
                     </a:p>
@@ -3791,7 +3783,7 @@
           <p:nvPr>
             <p:extLst>
               <p:ext uri="{D42A27DB-BD31-4B8C-83A1-F6EECF244321}">
-                <p14:modId xmlns:p14="http://schemas.microsoft.com/office/powerpoint/2010/main" val="796708048"/>
+                <p14:modId xmlns:p14="http://schemas.microsoft.com/office/powerpoint/2010/main" val="3199150431"/>
               </p:ext>
             </p:extLst>
           </p:nvPr>
@@ -3823,11 +3815,11 @@
                     <a:p>
                       <a:r>
                         <a:rPr lang="en-SG" u="sng" dirty="0"/>
-                        <a:t>ab2:</a:t>
+                        <a:t>schd2:</a:t>
                       </a:r>
                       <a:r>
                         <a:rPr lang="en-SG" sz="1800" u="sng" dirty="0"/>
-                        <a:t>AddressBook</a:t>
+                        <a:t>Scheduler</a:t>
                       </a:r>
                       <a:endParaRPr lang="en-SG" u="sng" dirty="0"/>
                     </a:p>
@@ -3859,7 +3851,7 @@
           <p:nvPr>
             <p:extLst>
               <p:ext uri="{D42A27DB-BD31-4B8C-83A1-F6EECF244321}">
-                <p14:modId xmlns:p14="http://schemas.microsoft.com/office/powerpoint/2010/main" val="377617300"/>
+                <p14:modId xmlns:p14="http://schemas.microsoft.com/office/powerpoint/2010/main" val="1374808431"/>
               </p:ext>
             </p:extLst>
           </p:nvPr>
@@ -3891,11 +3883,11 @@
                     <a:p>
                       <a:r>
                         <a:rPr lang="en-SG" u="sng" dirty="0"/>
-                        <a:t>ab0:</a:t>
+                        <a:t>schd0:</a:t>
                       </a:r>
                       <a:r>
                         <a:rPr lang="en-SG" sz="1800" u="sng" dirty="0"/>
-                        <a:t>AddressBook</a:t>
+                        <a:t>Scheduler</a:t>
                       </a:r>
                       <a:endParaRPr lang="en-SG" u="sng" dirty="0"/>
                     </a:p>
@@ -3927,7 +3919,7 @@
           <p:nvPr>
             <p:extLst>
               <p:ext uri="{D42A27DB-BD31-4B8C-83A1-F6EECF244321}">
-                <p14:modId xmlns:p14="http://schemas.microsoft.com/office/powerpoint/2010/main" val="4076322253"/>
+                <p14:modId xmlns:p14="http://schemas.microsoft.com/office/powerpoint/2010/main" val="1224950371"/>
               </p:ext>
             </p:extLst>
           </p:nvPr>
@@ -3959,11 +3951,11 @@
                     <a:p>
                       <a:r>
                         <a:rPr lang="en-SG" u="sng" dirty="0"/>
-                        <a:t>ab1:</a:t>
+                        <a:t>schd1:</a:t>
                       </a:r>
                       <a:r>
                         <a:rPr lang="en-SG" sz="1800" u="sng" dirty="0"/>
-                        <a:t>AddressBook</a:t>
+                        <a:t>Scheduler</a:t>
                       </a:r>
                       <a:endParaRPr lang="en-SG" u="sng" dirty="0"/>
                     </a:p>
@@ -3995,7 +3987,7 @@
           <p:nvPr>
             <p:extLst>
               <p:ext uri="{D42A27DB-BD31-4B8C-83A1-F6EECF244321}">
-                <p14:modId xmlns:p14="http://schemas.microsoft.com/office/powerpoint/2010/main" val="53411958"/>
+                <p14:modId xmlns:p14="http://schemas.microsoft.com/office/powerpoint/2010/main" val="2485147312"/>
               </p:ext>
             </p:extLst>
           </p:nvPr>
@@ -4027,11 +4019,11 @@
                     <a:p>
                       <a:r>
                         <a:rPr lang="en-SG" u="sng" dirty="0"/>
-                        <a:t>ab3:</a:t>
+                        <a:t>schd3:</a:t>
                       </a:r>
                       <a:r>
                         <a:rPr lang="en-SG" sz="1800" u="sng" dirty="0"/>
-                        <a:t>AddressBook</a:t>
+                        <a:t>Scheduler</a:t>
                       </a:r>
                       <a:endParaRPr lang="en-SG" u="sng" dirty="0"/>
                     </a:p>

--- a/docs/diagrams/UndoRedoNewCommand4StateListDiagram.pptx
+++ b/docs/diagrams/UndoRedoNewCommand4StateListDiagram.pptx
@@ -112,10 +112,6 @@
 </p:presentation>
 </file>
 
-<file path=ppt/revisionInfo.xml><?xml version="1.0" encoding="utf-8"?>
-<p1510:revInfo xmlns:a="http://schemas.openxmlformats.org/drawingml/2006/main" xmlns:r="http://schemas.openxmlformats.org/officeDocument/2006/relationships" xmlns:p1510="http://schemas.microsoft.com/office/powerpoint/2015/10/main"/>
-</file>
-
 <file path=ppt/slideLayouts/slideLayout1.xml><?xml version="1.0" encoding="utf-8"?>
 <p:sldLayout xmlns:a="http://schemas.openxmlformats.org/drawingml/2006/main" xmlns:r="http://schemas.openxmlformats.org/officeDocument/2006/relationships" xmlns:p="http://schemas.openxmlformats.org/presentationml/2006/main" type="title" preserve="1">
   <p:cSld name="Title Slide">
@@ -265,7 +261,7 @@
           <a:p>
             <a:fld id="{03EC4E3E-8101-482F-A883-8B55DAFF7C07}" type="datetimeFigureOut">
               <a:rPr lang="en-SG" smtClean="0"/>
-              <a:t>6/7/2018</a:t>
+              <a:t>6/11/2018</a:t>
             </a:fld>
             <a:endParaRPr lang="en-SG"/>
           </a:p>
@@ -465,7 +461,7 @@
           <a:p>
             <a:fld id="{03EC4E3E-8101-482F-A883-8B55DAFF7C07}" type="datetimeFigureOut">
               <a:rPr lang="en-SG" smtClean="0"/>
-              <a:t>6/7/2018</a:t>
+              <a:t>6/11/2018</a:t>
             </a:fld>
             <a:endParaRPr lang="en-SG"/>
           </a:p>
@@ -675,7 +671,7 @@
           <a:p>
             <a:fld id="{03EC4E3E-8101-482F-A883-8B55DAFF7C07}" type="datetimeFigureOut">
               <a:rPr lang="en-SG" smtClean="0"/>
-              <a:t>6/7/2018</a:t>
+              <a:t>6/11/2018</a:t>
             </a:fld>
             <a:endParaRPr lang="en-SG"/>
           </a:p>
@@ -875,7 +871,7 @@
           <a:p>
             <a:fld id="{03EC4E3E-8101-482F-A883-8B55DAFF7C07}" type="datetimeFigureOut">
               <a:rPr lang="en-SG" smtClean="0"/>
-              <a:t>6/7/2018</a:t>
+              <a:t>6/11/2018</a:t>
             </a:fld>
             <a:endParaRPr lang="en-SG"/>
           </a:p>
@@ -1151,7 +1147,7 @@
           <a:p>
             <a:fld id="{03EC4E3E-8101-482F-A883-8B55DAFF7C07}" type="datetimeFigureOut">
               <a:rPr lang="en-SG" smtClean="0"/>
-              <a:t>6/7/2018</a:t>
+              <a:t>6/11/2018</a:t>
             </a:fld>
             <a:endParaRPr lang="en-SG"/>
           </a:p>
@@ -1419,7 +1415,7 @@
           <a:p>
             <a:fld id="{03EC4E3E-8101-482F-A883-8B55DAFF7C07}" type="datetimeFigureOut">
               <a:rPr lang="en-SG" smtClean="0"/>
-              <a:t>6/7/2018</a:t>
+              <a:t>6/11/2018</a:t>
             </a:fld>
             <a:endParaRPr lang="en-SG"/>
           </a:p>
@@ -1834,7 +1830,7 @@
           <a:p>
             <a:fld id="{03EC4E3E-8101-482F-A883-8B55DAFF7C07}" type="datetimeFigureOut">
               <a:rPr lang="en-SG" smtClean="0"/>
-              <a:t>6/7/2018</a:t>
+              <a:t>6/11/2018</a:t>
             </a:fld>
             <a:endParaRPr lang="en-SG"/>
           </a:p>
@@ -1976,7 +1972,7 @@
           <a:p>
             <a:fld id="{03EC4E3E-8101-482F-A883-8B55DAFF7C07}" type="datetimeFigureOut">
               <a:rPr lang="en-SG" smtClean="0"/>
-              <a:t>6/7/2018</a:t>
+              <a:t>6/11/2018</a:t>
             </a:fld>
             <a:endParaRPr lang="en-SG"/>
           </a:p>
@@ -2089,7 +2085,7 @@
           <a:p>
             <a:fld id="{03EC4E3E-8101-482F-A883-8B55DAFF7C07}" type="datetimeFigureOut">
               <a:rPr lang="en-SG" smtClean="0"/>
-              <a:t>6/7/2018</a:t>
+              <a:t>6/11/2018</a:t>
             </a:fld>
             <a:endParaRPr lang="en-SG"/>
           </a:p>
@@ -2402,7 +2398,7 @@
           <a:p>
             <a:fld id="{03EC4E3E-8101-482F-A883-8B55DAFF7C07}" type="datetimeFigureOut">
               <a:rPr lang="en-SG" smtClean="0"/>
-              <a:t>6/7/2018</a:t>
+              <a:t>6/11/2018</a:t>
             </a:fld>
             <a:endParaRPr lang="en-SG"/>
           </a:p>
@@ -2691,7 +2687,7 @@
           <a:p>
             <a:fld id="{03EC4E3E-8101-482F-A883-8B55DAFF7C07}" type="datetimeFigureOut">
               <a:rPr lang="en-SG" smtClean="0"/>
-              <a:t>6/7/2018</a:t>
+              <a:t>6/11/2018</a:t>
             </a:fld>
             <a:endParaRPr lang="en-SG"/>
           </a:p>
@@ -2934,7 +2930,7 @@
           <a:p>
             <a:fld id="{03EC4E3E-8101-482F-A883-8B55DAFF7C07}" type="datetimeFigureOut">
               <a:rPr lang="en-SG" smtClean="0"/>
-              <a:t>6/7/2018</a:t>
+              <a:t>6/11/2018</a:t>
             </a:fld>
             <a:endParaRPr lang="en-SG"/>
           </a:p>
@@ -3451,7 +3447,7 @@
             <a:pPr algn="ctr"/>
             <a:r>
               <a:rPr lang="en-SG"/>
-              <a:t>State ab2 </a:t>
+              <a:t>State al2 </a:t>
             </a:r>
             <a:r>
               <a:rPr lang="en-SG" dirty="0"/>
@@ -3655,7 +3651,7 @@
           <p:nvPr>
             <p:extLst>
               <p:ext uri="{D42A27DB-BD31-4B8C-83A1-F6EECF244321}">
-                <p14:modId xmlns:p14="http://schemas.microsoft.com/office/powerpoint/2010/main" val="1352982134"/>
+                <p14:modId xmlns:p14="http://schemas.microsoft.com/office/powerpoint/2010/main" val="469391654"/>
               </p:ext>
             </p:extLst>
           </p:nvPr>
@@ -3685,15 +3681,16 @@
                     <a:bodyPr/>
                     <a:lstStyle/>
                     <a:p>
+                      <a:pPr algn="ctr"/>
                       <a:r>
                         <a:rPr lang="en-SG" u="sng" dirty="0"/>
-                        <a:t>ab0:</a:t>
+                        <a:t>al0:</a:t>
                       </a:r>
                       <a:r>
                         <a:rPr lang="en-SG" sz="1800" u="sng" dirty="0"/>
-                        <a:t>AddressBook</a:t>
+                        <a:t>ArticleList</a:t>
                       </a:r>
-                      <a:endParaRPr lang="en-SG" u="sng" dirty="0"/>
+                      <a:endParaRPr lang="en-SG" sz="1600" u="sng" dirty="0"/>
                     </a:p>
                   </a:txBody>
                   <a:tcPr/>
@@ -3723,7 +3720,7 @@
           <p:nvPr>
             <p:extLst>
               <p:ext uri="{D42A27DB-BD31-4B8C-83A1-F6EECF244321}">
-                <p14:modId xmlns:p14="http://schemas.microsoft.com/office/powerpoint/2010/main" val="829193732"/>
+                <p14:modId xmlns:p14="http://schemas.microsoft.com/office/powerpoint/2010/main" val="4018766074"/>
               </p:ext>
             </p:extLst>
           </p:nvPr>
@@ -3753,15 +3750,16 @@
                     <a:bodyPr/>
                     <a:lstStyle/>
                     <a:p>
+                      <a:pPr algn="ctr"/>
                       <a:r>
                         <a:rPr lang="en-SG" u="sng" dirty="0"/>
-                        <a:t>ab1:</a:t>
+                        <a:t>al1:</a:t>
                       </a:r>
                       <a:r>
                         <a:rPr lang="en-SG" sz="1800" u="sng" dirty="0"/>
-                        <a:t>AddressBook</a:t>
+                        <a:t>ArticleList</a:t>
                       </a:r>
-                      <a:endParaRPr lang="en-SG" u="sng" dirty="0"/>
+                      <a:endParaRPr lang="en-SG" sz="1600" u="sng" dirty="0"/>
                     </a:p>
                   </a:txBody>
                   <a:tcPr/>
@@ -3791,7 +3789,7 @@
           <p:nvPr>
             <p:extLst>
               <p:ext uri="{D42A27DB-BD31-4B8C-83A1-F6EECF244321}">
-                <p14:modId xmlns:p14="http://schemas.microsoft.com/office/powerpoint/2010/main" val="796708048"/>
+                <p14:modId xmlns:p14="http://schemas.microsoft.com/office/powerpoint/2010/main" val="55554400"/>
               </p:ext>
             </p:extLst>
           </p:nvPr>
@@ -3821,15 +3819,16 @@
                     <a:bodyPr/>
                     <a:lstStyle/>
                     <a:p>
+                      <a:pPr algn="ctr"/>
                       <a:r>
                         <a:rPr lang="en-SG" u="sng" dirty="0"/>
-                        <a:t>ab2:</a:t>
+                        <a:t>al2:</a:t>
                       </a:r>
                       <a:r>
                         <a:rPr lang="en-SG" sz="1800" u="sng" dirty="0"/>
-                        <a:t>AddressBook</a:t>
+                        <a:t>ArticleList</a:t>
                       </a:r>
-                      <a:endParaRPr lang="en-SG" u="sng" dirty="0"/>
+                      <a:endParaRPr lang="en-SG" sz="1600" u="sng" dirty="0"/>
                     </a:p>
                   </a:txBody>
                   <a:tcPr/>
@@ -3859,13 +3858,13 @@
           <p:nvPr>
             <p:extLst>
               <p:ext uri="{D42A27DB-BD31-4B8C-83A1-F6EECF244321}">
-                <p14:modId xmlns:p14="http://schemas.microsoft.com/office/powerpoint/2010/main" val="377617300"/>
+                <p14:modId xmlns:p14="http://schemas.microsoft.com/office/powerpoint/2010/main" val="150371828"/>
               </p:ext>
             </p:extLst>
           </p:nvPr>
         </p:nvGraphicFramePr>
         <p:xfrm>
-          <a:off x="473240" y="3919947"/>
+          <a:off x="501019" y="3919947"/>
           <a:ext cx="1825824" cy="417888"/>
         </p:xfrm>
         <a:graphic>
@@ -3889,15 +3888,16 @@
                     <a:bodyPr/>
                     <a:lstStyle/>
                     <a:p>
+                      <a:pPr algn="ctr"/>
                       <a:r>
                         <a:rPr lang="en-SG" u="sng" dirty="0"/>
-                        <a:t>ab0:</a:t>
+                        <a:t>al0:</a:t>
                       </a:r>
                       <a:r>
                         <a:rPr lang="en-SG" sz="1800" u="sng" dirty="0"/>
-                        <a:t>AddressBook</a:t>
+                        <a:t>ArticleList</a:t>
                       </a:r>
-                      <a:endParaRPr lang="en-SG" u="sng" dirty="0"/>
+                      <a:endParaRPr lang="en-SG" sz="1600" u="sng" dirty="0"/>
                     </a:p>
                   </a:txBody>
                   <a:tcPr/>
@@ -3927,7 +3927,7 @@
           <p:nvPr>
             <p:extLst>
               <p:ext uri="{D42A27DB-BD31-4B8C-83A1-F6EECF244321}">
-                <p14:modId xmlns:p14="http://schemas.microsoft.com/office/powerpoint/2010/main" val="4076322253"/>
+                <p14:modId xmlns:p14="http://schemas.microsoft.com/office/powerpoint/2010/main" val="1353133240"/>
               </p:ext>
             </p:extLst>
           </p:nvPr>
@@ -3957,15 +3957,16 @@
                     <a:bodyPr/>
                     <a:lstStyle/>
                     <a:p>
+                      <a:pPr algn="ctr"/>
                       <a:r>
                         <a:rPr lang="en-SG" u="sng" dirty="0"/>
-                        <a:t>ab1:</a:t>
+                        <a:t>al1:</a:t>
                       </a:r>
                       <a:r>
                         <a:rPr lang="en-SG" sz="1800" u="sng" dirty="0"/>
-                        <a:t>AddressBook</a:t>
+                        <a:t>ArticleList</a:t>
                       </a:r>
-                      <a:endParaRPr lang="en-SG" u="sng" dirty="0"/>
+                      <a:endParaRPr lang="en-SG" sz="1600" u="sng" dirty="0"/>
                     </a:p>
                   </a:txBody>
                   <a:tcPr/>
@@ -3995,7 +3996,7 @@
           <p:nvPr>
             <p:extLst>
               <p:ext uri="{D42A27DB-BD31-4B8C-83A1-F6EECF244321}">
-                <p14:modId xmlns:p14="http://schemas.microsoft.com/office/powerpoint/2010/main" val="53411958"/>
+                <p14:modId xmlns:p14="http://schemas.microsoft.com/office/powerpoint/2010/main" val="1556339555"/>
               </p:ext>
             </p:extLst>
           </p:nvPr>
@@ -4025,15 +4026,16 @@
                     <a:bodyPr/>
                     <a:lstStyle/>
                     <a:p>
+                      <a:pPr algn="ctr"/>
                       <a:r>
                         <a:rPr lang="en-SG" u="sng" dirty="0"/>
-                        <a:t>ab3:</a:t>
+                        <a:t>al3:</a:t>
                       </a:r>
                       <a:r>
                         <a:rPr lang="en-SG" sz="1800" u="sng" dirty="0"/>
-                        <a:t>AddressBook</a:t>
+                        <a:t>ArticleList</a:t>
                       </a:r>
-                      <a:endParaRPr lang="en-SG" u="sng" dirty="0"/>
+                      <a:endParaRPr lang="en-SG" sz="1600" u="sng" dirty="0"/>
                     </a:p>
                   </a:txBody>
                   <a:tcPr/>

--- a/docs/diagrams/UndoRedoNewCommand4StateListDiagram.pptx
+++ b/docs/diagrams/UndoRedoNewCommand4StateListDiagram.pptx
@@ -112,10 +112,6 @@
 </p:presentation>
 </file>
 
-<file path=ppt/revisionInfo.xml><?xml version="1.0" encoding="utf-8"?>
-<p1510:revInfo xmlns:a="http://schemas.openxmlformats.org/drawingml/2006/main" xmlns:r="http://schemas.openxmlformats.org/officeDocument/2006/relationships" xmlns:p1510="http://schemas.microsoft.com/office/powerpoint/2015/10/main"/>
-</file>
-
 <file path=ppt/slideLayouts/slideLayout1.xml><?xml version="1.0" encoding="utf-8"?>
 <p:sldLayout xmlns:a="http://schemas.openxmlformats.org/drawingml/2006/main" xmlns:r="http://schemas.openxmlformats.org/officeDocument/2006/relationships" xmlns:p="http://schemas.openxmlformats.org/presentationml/2006/main" type="title" preserve="1">
   <p:cSld name="Title Slide">
@@ -265,7 +261,7 @@
           <a:p>
             <a:fld id="{03EC4E3E-8101-482F-A883-8B55DAFF7C07}" type="datetimeFigureOut">
               <a:rPr lang="en-SG" smtClean="0"/>
-              <a:t>6/7/2018</a:t>
+              <a:t>9/11/2018</a:t>
             </a:fld>
             <a:endParaRPr lang="en-SG"/>
           </a:p>
@@ -465,7 +461,7 @@
           <a:p>
             <a:fld id="{03EC4E3E-8101-482F-A883-8B55DAFF7C07}" type="datetimeFigureOut">
               <a:rPr lang="en-SG" smtClean="0"/>
-              <a:t>6/7/2018</a:t>
+              <a:t>9/11/2018</a:t>
             </a:fld>
             <a:endParaRPr lang="en-SG"/>
           </a:p>
@@ -675,7 +671,7 @@
           <a:p>
             <a:fld id="{03EC4E3E-8101-482F-A883-8B55DAFF7C07}" type="datetimeFigureOut">
               <a:rPr lang="en-SG" smtClean="0"/>
-              <a:t>6/7/2018</a:t>
+              <a:t>9/11/2018</a:t>
             </a:fld>
             <a:endParaRPr lang="en-SG"/>
           </a:p>
@@ -875,7 +871,7 @@
           <a:p>
             <a:fld id="{03EC4E3E-8101-482F-A883-8B55DAFF7C07}" type="datetimeFigureOut">
               <a:rPr lang="en-SG" smtClean="0"/>
-              <a:t>6/7/2018</a:t>
+              <a:t>9/11/2018</a:t>
             </a:fld>
             <a:endParaRPr lang="en-SG"/>
           </a:p>
@@ -1151,7 +1147,7 @@
           <a:p>
             <a:fld id="{03EC4E3E-8101-482F-A883-8B55DAFF7C07}" type="datetimeFigureOut">
               <a:rPr lang="en-SG" smtClean="0"/>
-              <a:t>6/7/2018</a:t>
+              <a:t>9/11/2018</a:t>
             </a:fld>
             <a:endParaRPr lang="en-SG"/>
           </a:p>
@@ -1419,7 +1415,7 @@
           <a:p>
             <a:fld id="{03EC4E3E-8101-482F-A883-8B55DAFF7C07}" type="datetimeFigureOut">
               <a:rPr lang="en-SG" smtClean="0"/>
-              <a:t>6/7/2018</a:t>
+              <a:t>9/11/2018</a:t>
             </a:fld>
             <a:endParaRPr lang="en-SG"/>
           </a:p>
@@ -1834,7 +1830,7 @@
           <a:p>
             <a:fld id="{03EC4E3E-8101-482F-A883-8B55DAFF7C07}" type="datetimeFigureOut">
               <a:rPr lang="en-SG" smtClean="0"/>
-              <a:t>6/7/2018</a:t>
+              <a:t>9/11/2018</a:t>
             </a:fld>
             <a:endParaRPr lang="en-SG"/>
           </a:p>
@@ -1976,7 +1972,7 @@
           <a:p>
             <a:fld id="{03EC4E3E-8101-482F-A883-8B55DAFF7C07}" type="datetimeFigureOut">
               <a:rPr lang="en-SG" smtClean="0"/>
-              <a:t>6/7/2018</a:t>
+              <a:t>9/11/2018</a:t>
             </a:fld>
             <a:endParaRPr lang="en-SG"/>
           </a:p>
@@ -2089,7 +2085,7 @@
           <a:p>
             <a:fld id="{03EC4E3E-8101-482F-A883-8B55DAFF7C07}" type="datetimeFigureOut">
               <a:rPr lang="en-SG" smtClean="0"/>
-              <a:t>6/7/2018</a:t>
+              <a:t>9/11/2018</a:t>
             </a:fld>
             <a:endParaRPr lang="en-SG"/>
           </a:p>
@@ -2402,7 +2398,7 @@
           <a:p>
             <a:fld id="{03EC4E3E-8101-482F-A883-8B55DAFF7C07}" type="datetimeFigureOut">
               <a:rPr lang="en-SG" smtClean="0"/>
-              <a:t>6/7/2018</a:t>
+              <a:t>9/11/2018</a:t>
             </a:fld>
             <a:endParaRPr lang="en-SG"/>
           </a:p>
@@ -2691,7 +2687,7 @@
           <a:p>
             <a:fld id="{03EC4E3E-8101-482F-A883-8B55DAFF7C07}" type="datetimeFigureOut">
               <a:rPr lang="en-SG" smtClean="0"/>
-              <a:t>6/7/2018</a:t>
+              <a:t>9/11/2018</a:t>
             </a:fld>
             <a:endParaRPr lang="en-SG"/>
           </a:p>
@@ -2934,7 +2930,7 @@
           <a:p>
             <a:fld id="{03EC4E3E-8101-482F-A883-8B55DAFF7C07}" type="datetimeFigureOut">
               <a:rPr lang="en-SG" smtClean="0"/>
-              <a:t>6/7/2018</a:t>
+              <a:t>9/11/2018</a:t>
             </a:fld>
             <a:endParaRPr lang="en-SG"/>
           </a:p>
@@ -3450,12 +3446,8 @@
           <a:p>
             <a:pPr algn="ctr"/>
             <a:r>
-              <a:rPr lang="en-SG"/>
-              <a:t>State ab2 </a:t>
-            </a:r>
-            <a:r>
               <a:rPr lang="en-SG" dirty="0"/>
-              <a:t>deleted.</a:t>
+              <a:t>State rb2 deleted.</a:t>
             </a:r>
           </a:p>
         </p:txBody>
@@ -3640,414 +3632,6 @@
           </a:p>
         </p:txBody>
       </p:sp>
-      <p:graphicFrame>
-        <p:nvGraphicFramePr>
-          <p:cNvPr id="16" name="Table 15">
-            <a:extLst>
-              <a:ext uri="{FF2B5EF4-FFF2-40B4-BE49-F238E27FC236}">
-                <a16:creationId xmlns:a16="http://schemas.microsoft.com/office/drawing/2014/main" id="{F545FAB8-F1CE-4886-9BDE-E772BCB0A9C4}"/>
-              </a:ext>
-            </a:extLst>
-          </p:cNvPr>
-          <p:cNvGraphicFramePr>
-            <a:graphicFrameLocks noGrp="1"/>
-          </p:cNvGraphicFramePr>
-          <p:nvPr>
-            <p:extLst>
-              <p:ext uri="{D42A27DB-BD31-4B8C-83A1-F6EECF244321}">
-                <p14:modId xmlns:p14="http://schemas.microsoft.com/office/powerpoint/2010/main" val="1352982134"/>
-              </p:ext>
-            </p:extLst>
-          </p:nvPr>
-        </p:nvGraphicFramePr>
-        <p:xfrm>
-          <a:off x="473240" y="1476102"/>
-          <a:ext cx="1825824" cy="417888"/>
-        </p:xfrm>
-        <a:graphic>
-          <a:graphicData uri="http://schemas.openxmlformats.org/drawingml/2006/table">
-            <a:tbl>
-              <a:tblPr>
-                <a:tableStyleId>{638B1855-1B75-4FBE-930C-398BA8C253C6}</a:tableStyleId>
-              </a:tblPr>
-              <a:tblGrid>
-                <a:gridCol w="1825824">
-                  <a:extLst>
-                    <a:ext uri="{9D8B030D-6E8A-4147-A177-3AD203B41FA5}">
-                      <a16:colId xmlns:a16="http://schemas.microsoft.com/office/drawing/2014/main" val="4240773277"/>
-                    </a:ext>
-                  </a:extLst>
-                </a:gridCol>
-              </a:tblGrid>
-              <a:tr h="417888">
-                <a:tc>
-                  <a:txBody>
-                    <a:bodyPr/>
-                    <a:lstStyle/>
-                    <a:p>
-                      <a:r>
-                        <a:rPr lang="en-SG" u="sng" dirty="0"/>
-                        <a:t>ab0:</a:t>
-                      </a:r>
-                      <a:r>
-                        <a:rPr lang="en-SG" sz="1800" u="sng" dirty="0"/>
-                        <a:t>AddressBook</a:t>
-                      </a:r>
-                      <a:endParaRPr lang="en-SG" u="sng" dirty="0"/>
-                    </a:p>
-                  </a:txBody>
-                  <a:tcPr/>
-                </a:tc>
-                <a:extLst>
-                  <a:ext uri="{0D108BD9-81ED-4DB2-BD59-A6C34878D82A}">
-                    <a16:rowId xmlns:a16="http://schemas.microsoft.com/office/drawing/2014/main" val="2194462629"/>
-                  </a:ext>
-                </a:extLst>
-              </a:tr>
-            </a:tbl>
-          </a:graphicData>
-        </a:graphic>
-      </p:graphicFrame>
-      <p:graphicFrame>
-        <p:nvGraphicFramePr>
-          <p:cNvPr id="29" name="Table 28">
-            <a:extLst>
-              <a:ext uri="{FF2B5EF4-FFF2-40B4-BE49-F238E27FC236}">
-                <a16:creationId xmlns:a16="http://schemas.microsoft.com/office/drawing/2014/main" id="{F545FAB8-F1CE-4886-9BDE-E772BCB0A9C4}"/>
-              </a:ext>
-            </a:extLst>
-          </p:cNvPr>
-          <p:cNvGraphicFramePr>
-            <a:graphicFrameLocks noGrp="1"/>
-          </p:cNvGraphicFramePr>
-          <p:nvPr>
-            <p:extLst>
-              <p:ext uri="{D42A27DB-BD31-4B8C-83A1-F6EECF244321}">
-                <p14:modId xmlns:p14="http://schemas.microsoft.com/office/powerpoint/2010/main" val="829193732"/>
-              </p:ext>
-            </p:extLst>
-          </p:nvPr>
-        </p:nvGraphicFramePr>
-        <p:xfrm>
-          <a:off x="2440458" y="1476102"/>
-          <a:ext cx="1825824" cy="417888"/>
-        </p:xfrm>
-        <a:graphic>
-          <a:graphicData uri="http://schemas.openxmlformats.org/drawingml/2006/table">
-            <a:tbl>
-              <a:tblPr>
-                <a:tableStyleId>{638B1855-1B75-4FBE-930C-398BA8C253C6}</a:tableStyleId>
-              </a:tblPr>
-              <a:tblGrid>
-                <a:gridCol w="1825824">
-                  <a:extLst>
-                    <a:ext uri="{9D8B030D-6E8A-4147-A177-3AD203B41FA5}">
-                      <a16:colId xmlns:a16="http://schemas.microsoft.com/office/drawing/2014/main" val="4240773277"/>
-                    </a:ext>
-                  </a:extLst>
-                </a:gridCol>
-              </a:tblGrid>
-              <a:tr h="417888">
-                <a:tc>
-                  <a:txBody>
-                    <a:bodyPr/>
-                    <a:lstStyle/>
-                    <a:p>
-                      <a:r>
-                        <a:rPr lang="en-SG" u="sng" dirty="0"/>
-                        <a:t>ab1:</a:t>
-                      </a:r>
-                      <a:r>
-                        <a:rPr lang="en-SG" sz="1800" u="sng" dirty="0"/>
-                        <a:t>AddressBook</a:t>
-                      </a:r>
-                      <a:endParaRPr lang="en-SG" u="sng" dirty="0"/>
-                    </a:p>
-                  </a:txBody>
-                  <a:tcPr/>
-                </a:tc>
-                <a:extLst>
-                  <a:ext uri="{0D108BD9-81ED-4DB2-BD59-A6C34878D82A}">
-                    <a16:rowId xmlns:a16="http://schemas.microsoft.com/office/drawing/2014/main" val="2194462629"/>
-                  </a:ext>
-                </a:extLst>
-              </a:tr>
-            </a:tbl>
-          </a:graphicData>
-        </a:graphic>
-      </p:graphicFrame>
-      <p:graphicFrame>
-        <p:nvGraphicFramePr>
-          <p:cNvPr id="30" name="Table 29">
-            <a:extLst>
-              <a:ext uri="{FF2B5EF4-FFF2-40B4-BE49-F238E27FC236}">
-                <a16:creationId xmlns:a16="http://schemas.microsoft.com/office/drawing/2014/main" id="{F545FAB8-F1CE-4886-9BDE-E772BCB0A9C4}"/>
-              </a:ext>
-            </a:extLst>
-          </p:cNvPr>
-          <p:cNvGraphicFramePr>
-            <a:graphicFrameLocks noGrp="1"/>
-          </p:cNvGraphicFramePr>
-          <p:nvPr>
-            <p:extLst>
-              <p:ext uri="{D42A27DB-BD31-4B8C-83A1-F6EECF244321}">
-                <p14:modId xmlns:p14="http://schemas.microsoft.com/office/powerpoint/2010/main" val="796708048"/>
-              </p:ext>
-            </p:extLst>
-          </p:nvPr>
-        </p:nvGraphicFramePr>
-        <p:xfrm>
-          <a:off x="4409785" y="1476102"/>
-          <a:ext cx="1825824" cy="417888"/>
-        </p:xfrm>
-        <a:graphic>
-          <a:graphicData uri="http://schemas.openxmlformats.org/drawingml/2006/table">
-            <a:tbl>
-              <a:tblPr>
-                <a:tableStyleId>{638B1855-1B75-4FBE-930C-398BA8C253C6}</a:tableStyleId>
-              </a:tblPr>
-              <a:tblGrid>
-                <a:gridCol w="1825824">
-                  <a:extLst>
-                    <a:ext uri="{9D8B030D-6E8A-4147-A177-3AD203B41FA5}">
-                      <a16:colId xmlns:a16="http://schemas.microsoft.com/office/drawing/2014/main" val="4240773277"/>
-                    </a:ext>
-                  </a:extLst>
-                </a:gridCol>
-              </a:tblGrid>
-              <a:tr h="417888">
-                <a:tc>
-                  <a:txBody>
-                    <a:bodyPr/>
-                    <a:lstStyle/>
-                    <a:p>
-                      <a:r>
-                        <a:rPr lang="en-SG" u="sng" dirty="0"/>
-                        <a:t>ab2:</a:t>
-                      </a:r>
-                      <a:r>
-                        <a:rPr lang="en-SG" sz="1800" u="sng" dirty="0"/>
-                        <a:t>AddressBook</a:t>
-                      </a:r>
-                      <a:endParaRPr lang="en-SG" u="sng" dirty="0"/>
-                    </a:p>
-                  </a:txBody>
-                  <a:tcPr/>
-                </a:tc>
-                <a:extLst>
-                  <a:ext uri="{0D108BD9-81ED-4DB2-BD59-A6C34878D82A}">
-                    <a16:rowId xmlns:a16="http://schemas.microsoft.com/office/drawing/2014/main" val="2194462629"/>
-                  </a:ext>
-                </a:extLst>
-              </a:tr>
-            </a:tbl>
-          </a:graphicData>
-        </a:graphic>
-      </p:graphicFrame>
-      <p:graphicFrame>
-        <p:nvGraphicFramePr>
-          <p:cNvPr id="31" name="Table 30">
-            <a:extLst>
-              <a:ext uri="{FF2B5EF4-FFF2-40B4-BE49-F238E27FC236}">
-                <a16:creationId xmlns:a16="http://schemas.microsoft.com/office/drawing/2014/main" id="{F545FAB8-F1CE-4886-9BDE-E772BCB0A9C4}"/>
-              </a:ext>
-            </a:extLst>
-          </p:cNvPr>
-          <p:cNvGraphicFramePr>
-            <a:graphicFrameLocks noGrp="1"/>
-          </p:cNvGraphicFramePr>
-          <p:nvPr>
-            <p:extLst>
-              <p:ext uri="{D42A27DB-BD31-4B8C-83A1-F6EECF244321}">
-                <p14:modId xmlns:p14="http://schemas.microsoft.com/office/powerpoint/2010/main" val="377617300"/>
-              </p:ext>
-            </p:extLst>
-          </p:nvPr>
-        </p:nvGraphicFramePr>
-        <p:xfrm>
-          <a:off x="473240" y="3919947"/>
-          <a:ext cx="1825824" cy="417888"/>
-        </p:xfrm>
-        <a:graphic>
-          <a:graphicData uri="http://schemas.openxmlformats.org/drawingml/2006/table">
-            <a:tbl>
-              <a:tblPr>
-                <a:tableStyleId>{638B1855-1B75-4FBE-930C-398BA8C253C6}</a:tableStyleId>
-              </a:tblPr>
-              <a:tblGrid>
-                <a:gridCol w="1825824">
-                  <a:extLst>
-                    <a:ext uri="{9D8B030D-6E8A-4147-A177-3AD203B41FA5}">
-                      <a16:colId xmlns:a16="http://schemas.microsoft.com/office/drawing/2014/main" val="4240773277"/>
-                    </a:ext>
-                  </a:extLst>
-                </a:gridCol>
-              </a:tblGrid>
-              <a:tr h="417888">
-                <a:tc>
-                  <a:txBody>
-                    <a:bodyPr/>
-                    <a:lstStyle/>
-                    <a:p>
-                      <a:r>
-                        <a:rPr lang="en-SG" u="sng" dirty="0"/>
-                        <a:t>ab0:</a:t>
-                      </a:r>
-                      <a:r>
-                        <a:rPr lang="en-SG" sz="1800" u="sng" dirty="0"/>
-                        <a:t>AddressBook</a:t>
-                      </a:r>
-                      <a:endParaRPr lang="en-SG" u="sng" dirty="0"/>
-                    </a:p>
-                  </a:txBody>
-                  <a:tcPr/>
-                </a:tc>
-                <a:extLst>
-                  <a:ext uri="{0D108BD9-81ED-4DB2-BD59-A6C34878D82A}">
-                    <a16:rowId xmlns:a16="http://schemas.microsoft.com/office/drawing/2014/main" val="2194462629"/>
-                  </a:ext>
-                </a:extLst>
-              </a:tr>
-            </a:tbl>
-          </a:graphicData>
-        </a:graphic>
-      </p:graphicFrame>
-      <p:graphicFrame>
-        <p:nvGraphicFramePr>
-          <p:cNvPr id="32" name="Table 31">
-            <a:extLst>
-              <a:ext uri="{FF2B5EF4-FFF2-40B4-BE49-F238E27FC236}">
-                <a16:creationId xmlns:a16="http://schemas.microsoft.com/office/drawing/2014/main" id="{F545FAB8-F1CE-4886-9BDE-E772BCB0A9C4}"/>
-              </a:ext>
-            </a:extLst>
-          </p:cNvPr>
-          <p:cNvGraphicFramePr>
-            <a:graphicFrameLocks noGrp="1"/>
-          </p:cNvGraphicFramePr>
-          <p:nvPr>
-            <p:extLst>
-              <p:ext uri="{D42A27DB-BD31-4B8C-83A1-F6EECF244321}">
-                <p14:modId xmlns:p14="http://schemas.microsoft.com/office/powerpoint/2010/main" val="4076322253"/>
-              </p:ext>
-            </p:extLst>
-          </p:nvPr>
-        </p:nvGraphicFramePr>
-        <p:xfrm>
-          <a:off x="2440458" y="3919947"/>
-          <a:ext cx="1825824" cy="417888"/>
-        </p:xfrm>
-        <a:graphic>
-          <a:graphicData uri="http://schemas.openxmlformats.org/drawingml/2006/table">
-            <a:tbl>
-              <a:tblPr>
-                <a:tableStyleId>{638B1855-1B75-4FBE-930C-398BA8C253C6}</a:tableStyleId>
-              </a:tblPr>
-              <a:tblGrid>
-                <a:gridCol w="1825824">
-                  <a:extLst>
-                    <a:ext uri="{9D8B030D-6E8A-4147-A177-3AD203B41FA5}">
-                      <a16:colId xmlns:a16="http://schemas.microsoft.com/office/drawing/2014/main" val="4240773277"/>
-                    </a:ext>
-                  </a:extLst>
-                </a:gridCol>
-              </a:tblGrid>
-              <a:tr h="417888">
-                <a:tc>
-                  <a:txBody>
-                    <a:bodyPr/>
-                    <a:lstStyle/>
-                    <a:p>
-                      <a:r>
-                        <a:rPr lang="en-SG" u="sng" dirty="0"/>
-                        <a:t>ab1:</a:t>
-                      </a:r>
-                      <a:r>
-                        <a:rPr lang="en-SG" sz="1800" u="sng" dirty="0"/>
-                        <a:t>AddressBook</a:t>
-                      </a:r>
-                      <a:endParaRPr lang="en-SG" u="sng" dirty="0"/>
-                    </a:p>
-                  </a:txBody>
-                  <a:tcPr/>
-                </a:tc>
-                <a:extLst>
-                  <a:ext uri="{0D108BD9-81ED-4DB2-BD59-A6C34878D82A}">
-                    <a16:rowId xmlns:a16="http://schemas.microsoft.com/office/drawing/2014/main" val="2194462629"/>
-                  </a:ext>
-                </a:extLst>
-              </a:tr>
-            </a:tbl>
-          </a:graphicData>
-        </a:graphic>
-      </p:graphicFrame>
-      <p:graphicFrame>
-        <p:nvGraphicFramePr>
-          <p:cNvPr id="33" name="Table 32">
-            <a:extLst>
-              <a:ext uri="{FF2B5EF4-FFF2-40B4-BE49-F238E27FC236}">
-                <a16:creationId xmlns:a16="http://schemas.microsoft.com/office/drawing/2014/main" id="{F545FAB8-F1CE-4886-9BDE-E772BCB0A9C4}"/>
-              </a:ext>
-            </a:extLst>
-          </p:cNvPr>
-          <p:cNvGraphicFramePr>
-            <a:graphicFrameLocks noGrp="1"/>
-          </p:cNvGraphicFramePr>
-          <p:nvPr>
-            <p:extLst>
-              <p:ext uri="{D42A27DB-BD31-4B8C-83A1-F6EECF244321}">
-                <p14:modId xmlns:p14="http://schemas.microsoft.com/office/powerpoint/2010/main" val="53411958"/>
-              </p:ext>
-            </p:extLst>
-          </p:nvPr>
-        </p:nvGraphicFramePr>
-        <p:xfrm>
-          <a:off x="4409785" y="3919947"/>
-          <a:ext cx="1825824" cy="417888"/>
-        </p:xfrm>
-        <a:graphic>
-          <a:graphicData uri="http://schemas.openxmlformats.org/drawingml/2006/table">
-            <a:tbl>
-              <a:tblPr>
-                <a:tableStyleId>{638B1855-1B75-4FBE-930C-398BA8C253C6}</a:tableStyleId>
-              </a:tblPr>
-              <a:tblGrid>
-                <a:gridCol w="1825824">
-                  <a:extLst>
-                    <a:ext uri="{9D8B030D-6E8A-4147-A177-3AD203B41FA5}">
-                      <a16:colId xmlns:a16="http://schemas.microsoft.com/office/drawing/2014/main" val="4240773277"/>
-                    </a:ext>
-                  </a:extLst>
-                </a:gridCol>
-              </a:tblGrid>
-              <a:tr h="417888">
-                <a:tc>
-                  <a:txBody>
-                    <a:bodyPr/>
-                    <a:lstStyle/>
-                    <a:p>
-                      <a:r>
-                        <a:rPr lang="en-SG" u="sng" dirty="0"/>
-                        <a:t>ab3:</a:t>
-                      </a:r>
-                      <a:r>
-                        <a:rPr lang="en-SG" sz="1800" u="sng" dirty="0"/>
-                        <a:t>AddressBook</a:t>
-                      </a:r>
-                      <a:endParaRPr lang="en-SG" u="sng" dirty="0"/>
-                    </a:p>
-                  </a:txBody>
-                  <a:tcPr/>
-                </a:tc>
-                <a:extLst>
-                  <a:ext uri="{0D108BD9-81ED-4DB2-BD59-A6C34878D82A}">
-                    <a16:rowId xmlns:a16="http://schemas.microsoft.com/office/drawing/2014/main" val="2194462629"/>
-                  </a:ext>
-                </a:extLst>
-              </a:tr>
-            </a:tbl>
-          </a:graphicData>
-        </a:graphic>
-      </p:graphicFrame>
       <p:cxnSp>
         <p:nvCxnSpPr>
           <p:cNvPr id="18" name="Straight Arrow Connector 17">
@@ -4136,6 +3720,414 @@
           </a:fontRef>
         </p:style>
       </p:cxnSp>
+      <p:graphicFrame>
+        <p:nvGraphicFramePr>
+          <p:cNvPr id="20" name="Table 19">
+            <a:extLst>
+              <a:ext uri="{FF2B5EF4-FFF2-40B4-BE49-F238E27FC236}">
+                <a16:creationId xmlns:a16="http://schemas.microsoft.com/office/drawing/2014/main" id="{A11CDB96-5010-46BD-8A2B-0EFAF3FCB5DC}"/>
+              </a:ext>
+            </a:extLst>
+          </p:cNvPr>
+          <p:cNvGraphicFramePr>
+            <a:graphicFrameLocks noGrp="1"/>
+          </p:cNvGraphicFramePr>
+          <p:nvPr>
+            <p:extLst>
+              <p:ext uri="{D42A27DB-BD31-4B8C-83A1-F6EECF244321}">
+                <p14:modId xmlns:p14="http://schemas.microsoft.com/office/powerpoint/2010/main" val="2174718815"/>
+              </p:ext>
+            </p:extLst>
+          </p:nvPr>
+        </p:nvGraphicFramePr>
+        <p:xfrm>
+          <a:off x="473239" y="1476102"/>
+          <a:ext cx="2073314" cy="417888"/>
+        </p:xfrm>
+        <a:graphic>
+          <a:graphicData uri="http://schemas.openxmlformats.org/drawingml/2006/table">
+            <a:tbl>
+              <a:tblPr>
+                <a:tableStyleId>{638B1855-1B75-4FBE-930C-398BA8C253C6}</a:tableStyleId>
+              </a:tblPr>
+              <a:tblGrid>
+                <a:gridCol w="2073314">
+                  <a:extLst>
+                    <a:ext uri="{9D8B030D-6E8A-4147-A177-3AD203B41FA5}">
+                      <a16:colId xmlns:a16="http://schemas.microsoft.com/office/drawing/2014/main" val="4240773277"/>
+                    </a:ext>
+                  </a:extLst>
+                </a:gridCol>
+              </a:tblGrid>
+              <a:tr h="417888">
+                <a:tc>
+                  <a:txBody>
+                    <a:bodyPr/>
+                    <a:lstStyle/>
+                    <a:p>
+                      <a:r>
+                        <a:rPr lang="en-SG" u="sng" dirty="0"/>
+                        <a:t>rb0:</a:t>
+                      </a:r>
+                      <a:r>
+                        <a:rPr lang="en-SG" sz="1800" u="sng" dirty="0"/>
+                        <a:t>RestaurantBook</a:t>
+                      </a:r>
+                      <a:endParaRPr lang="en-SG" u="sng" dirty="0"/>
+                    </a:p>
+                  </a:txBody>
+                  <a:tcPr/>
+                </a:tc>
+                <a:extLst>
+                  <a:ext uri="{0D108BD9-81ED-4DB2-BD59-A6C34878D82A}">
+                    <a16:rowId xmlns:a16="http://schemas.microsoft.com/office/drawing/2014/main" val="2194462629"/>
+                  </a:ext>
+                </a:extLst>
+              </a:tr>
+            </a:tbl>
+          </a:graphicData>
+        </a:graphic>
+      </p:graphicFrame>
+      <p:graphicFrame>
+        <p:nvGraphicFramePr>
+          <p:cNvPr id="23" name="Table 22">
+            <a:extLst>
+              <a:ext uri="{FF2B5EF4-FFF2-40B4-BE49-F238E27FC236}">
+                <a16:creationId xmlns:a16="http://schemas.microsoft.com/office/drawing/2014/main" id="{4C1687A9-8F99-4899-A17F-1DF9720661E2}"/>
+              </a:ext>
+            </a:extLst>
+          </p:cNvPr>
+          <p:cNvGraphicFramePr>
+            <a:graphicFrameLocks noGrp="1"/>
+          </p:cNvGraphicFramePr>
+          <p:nvPr>
+            <p:extLst>
+              <p:ext uri="{D42A27DB-BD31-4B8C-83A1-F6EECF244321}">
+                <p14:modId xmlns:p14="http://schemas.microsoft.com/office/powerpoint/2010/main" val="1717589422"/>
+              </p:ext>
+            </p:extLst>
+          </p:nvPr>
+        </p:nvGraphicFramePr>
+        <p:xfrm>
+          <a:off x="2637102" y="1476102"/>
+          <a:ext cx="2138499" cy="417888"/>
+        </p:xfrm>
+        <a:graphic>
+          <a:graphicData uri="http://schemas.openxmlformats.org/drawingml/2006/table">
+            <a:tbl>
+              <a:tblPr>
+                <a:tableStyleId>{638B1855-1B75-4FBE-930C-398BA8C253C6}</a:tableStyleId>
+              </a:tblPr>
+              <a:tblGrid>
+                <a:gridCol w="2138499">
+                  <a:extLst>
+                    <a:ext uri="{9D8B030D-6E8A-4147-A177-3AD203B41FA5}">
+                      <a16:colId xmlns:a16="http://schemas.microsoft.com/office/drawing/2014/main" val="4240773277"/>
+                    </a:ext>
+                  </a:extLst>
+                </a:gridCol>
+              </a:tblGrid>
+              <a:tr h="417888">
+                <a:tc>
+                  <a:txBody>
+                    <a:bodyPr/>
+                    <a:lstStyle/>
+                    <a:p>
+                      <a:r>
+                        <a:rPr lang="en-SG" u="sng" dirty="0"/>
+                        <a:t>rb1:</a:t>
+                      </a:r>
+                      <a:r>
+                        <a:rPr lang="en-SG" sz="1800" u="sng" dirty="0"/>
+                        <a:t>RestaurantBook</a:t>
+                      </a:r>
+                      <a:endParaRPr lang="en-SG" u="sng" dirty="0"/>
+                    </a:p>
+                  </a:txBody>
+                  <a:tcPr/>
+                </a:tc>
+                <a:extLst>
+                  <a:ext uri="{0D108BD9-81ED-4DB2-BD59-A6C34878D82A}">
+                    <a16:rowId xmlns:a16="http://schemas.microsoft.com/office/drawing/2014/main" val="2194462629"/>
+                  </a:ext>
+                </a:extLst>
+              </a:tr>
+            </a:tbl>
+          </a:graphicData>
+        </a:graphic>
+      </p:graphicFrame>
+      <p:graphicFrame>
+        <p:nvGraphicFramePr>
+          <p:cNvPr id="24" name="Table 23">
+            <a:extLst>
+              <a:ext uri="{FF2B5EF4-FFF2-40B4-BE49-F238E27FC236}">
+                <a16:creationId xmlns:a16="http://schemas.microsoft.com/office/drawing/2014/main" id="{7D1B6EAC-43B4-4598-AEB6-980B7B3D0480}"/>
+              </a:ext>
+            </a:extLst>
+          </p:cNvPr>
+          <p:cNvGraphicFramePr>
+            <a:graphicFrameLocks noGrp="1"/>
+          </p:cNvGraphicFramePr>
+          <p:nvPr>
+            <p:extLst>
+              <p:ext uri="{D42A27DB-BD31-4B8C-83A1-F6EECF244321}">
+                <p14:modId xmlns:p14="http://schemas.microsoft.com/office/powerpoint/2010/main" val="1970597867"/>
+              </p:ext>
+            </p:extLst>
+          </p:nvPr>
+        </p:nvGraphicFramePr>
+        <p:xfrm>
+          <a:off x="4852235" y="1476102"/>
+          <a:ext cx="2138500" cy="417888"/>
+        </p:xfrm>
+        <a:graphic>
+          <a:graphicData uri="http://schemas.openxmlformats.org/drawingml/2006/table">
+            <a:tbl>
+              <a:tblPr>
+                <a:tableStyleId>{638B1855-1B75-4FBE-930C-398BA8C253C6}</a:tableStyleId>
+              </a:tblPr>
+              <a:tblGrid>
+                <a:gridCol w="2138500">
+                  <a:extLst>
+                    <a:ext uri="{9D8B030D-6E8A-4147-A177-3AD203B41FA5}">
+                      <a16:colId xmlns:a16="http://schemas.microsoft.com/office/drawing/2014/main" val="4240773277"/>
+                    </a:ext>
+                  </a:extLst>
+                </a:gridCol>
+              </a:tblGrid>
+              <a:tr h="417888">
+                <a:tc>
+                  <a:txBody>
+                    <a:bodyPr/>
+                    <a:lstStyle/>
+                    <a:p>
+                      <a:r>
+                        <a:rPr lang="en-SG" u="sng" dirty="0"/>
+                        <a:t>rb2:</a:t>
+                      </a:r>
+                      <a:r>
+                        <a:rPr lang="en-SG" sz="1800" u="sng" dirty="0"/>
+                        <a:t>RestaurantBook</a:t>
+                      </a:r>
+                      <a:endParaRPr lang="en-SG" u="sng" dirty="0"/>
+                    </a:p>
+                  </a:txBody>
+                  <a:tcPr/>
+                </a:tc>
+                <a:extLst>
+                  <a:ext uri="{0D108BD9-81ED-4DB2-BD59-A6C34878D82A}">
+                    <a16:rowId xmlns:a16="http://schemas.microsoft.com/office/drawing/2014/main" val="2194462629"/>
+                  </a:ext>
+                </a:extLst>
+              </a:tr>
+            </a:tbl>
+          </a:graphicData>
+        </a:graphic>
+      </p:graphicFrame>
+      <p:graphicFrame>
+        <p:nvGraphicFramePr>
+          <p:cNvPr id="26" name="Table 25">
+            <a:extLst>
+              <a:ext uri="{FF2B5EF4-FFF2-40B4-BE49-F238E27FC236}">
+                <a16:creationId xmlns:a16="http://schemas.microsoft.com/office/drawing/2014/main" id="{61ACEED8-DB5F-4904-9995-2FD77AF8E21E}"/>
+              </a:ext>
+            </a:extLst>
+          </p:cNvPr>
+          <p:cNvGraphicFramePr>
+            <a:graphicFrameLocks noGrp="1"/>
+          </p:cNvGraphicFramePr>
+          <p:nvPr>
+            <p:extLst>
+              <p:ext uri="{D42A27DB-BD31-4B8C-83A1-F6EECF244321}">
+                <p14:modId xmlns:p14="http://schemas.microsoft.com/office/powerpoint/2010/main" val="2024866629"/>
+              </p:ext>
+            </p:extLst>
+          </p:nvPr>
+        </p:nvGraphicFramePr>
+        <p:xfrm>
+          <a:off x="487985" y="3929252"/>
+          <a:ext cx="2073314" cy="417888"/>
+        </p:xfrm>
+        <a:graphic>
+          <a:graphicData uri="http://schemas.openxmlformats.org/drawingml/2006/table">
+            <a:tbl>
+              <a:tblPr>
+                <a:tableStyleId>{638B1855-1B75-4FBE-930C-398BA8C253C6}</a:tableStyleId>
+              </a:tblPr>
+              <a:tblGrid>
+                <a:gridCol w="2073314">
+                  <a:extLst>
+                    <a:ext uri="{9D8B030D-6E8A-4147-A177-3AD203B41FA5}">
+                      <a16:colId xmlns:a16="http://schemas.microsoft.com/office/drawing/2014/main" val="4240773277"/>
+                    </a:ext>
+                  </a:extLst>
+                </a:gridCol>
+              </a:tblGrid>
+              <a:tr h="417888">
+                <a:tc>
+                  <a:txBody>
+                    <a:bodyPr/>
+                    <a:lstStyle/>
+                    <a:p>
+                      <a:r>
+                        <a:rPr lang="en-SG" u="sng" dirty="0"/>
+                        <a:t>rb0:</a:t>
+                      </a:r>
+                      <a:r>
+                        <a:rPr lang="en-SG" sz="1800" u="sng" dirty="0"/>
+                        <a:t>RestaurantBook</a:t>
+                      </a:r>
+                      <a:endParaRPr lang="en-SG" u="sng" dirty="0"/>
+                    </a:p>
+                  </a:txBody>
+                  <a:tcPr/>
+                </a:tc>
+                <a:extLst>
+                  <a:ext uri="{0D108BD9-81ED-4DB2-BD59-A6C34878D82A}">
+                    <a16:rowId xmlns:a16="http://schemas.microsoft.com/office/drawing/2014/main" val="2194462629"/>
+                  </a:ext>
+                </a:extLst>
+              </a:tr>
+            </a:tbl>
+          </a:graphicData>
+        </a:graphic>
+      </p:graphicFrame>
+      <p:graphicFrame>
+        <p:nvGraphicFramePr>
+          <p:cNvPr id="27" name="Table 26">
+            <a:extLst>
+              <a:ext uri="{FF2B5EF4-FFF2-40B4-BE49-F238E27FC236}">
+                <a16:creationId xmlns:a16="http://schemas.microsoft.com/office/drawing/2014/main" id="{FE4ED8F9-7493-4041-A595-13238DE48ABF}"/>
+              </a:ext>
+            </a:extLst>
+          </p:cNvPr>
+          <p:cNvGraphicFramePr>
+            <a:graphicFrameLocks noGrp="1"/>
+          </p:cNvGraphicFramePr>
+          <p:nvPr>
+            <p:extLst>
+              <p:ext uri="{D42A27DB-BD31-4B8C-83A1-F6EECF244321}">
+                <p14:modId xmlns:p14="http://schemas.microsoft.com/office/powerpoint/2010/main" val="4042394080"/>
+              </p:ext>
+            </p:extLst>
+          </p:nvPr>
+        </p:nvGraphicFramePr>
+        <p:xfrm>
+          <a:off x="2651848" y="3929252"/>
+          <a:ext cx="2138499" cy="417888"/>
+        </p:xfrm>
+        <a:graphic>
+          <a:graphicData uri="http://schemas.openxmlformats.org/drawingml/2006/table">
+            <a:tbl>
+              <a:tblPr>
+                <a:tableStyleId>{638B1855-1B75-4FBE-930C-398BA8C253C6}</a:tableStyleId>
+              </a:tblPr>
+              <a:tblGrid>
+                <a:gridCol w="2138499">
+                  <a:extLst>
+                    <a:ext uri="{9D8B030D-6E8A-4147-A177-3AD203B41FA5}">
+                      <a16:colId xmlns:a16="http://schemas.microsoft.com/office/drawing/2014/main" val="4240773277"/>
+                    </a:ext>
+                  </a:extLst>
+                </a:gridCol>
+              </a:tblGrid>
+              <a:tr h="417888">
+                <a:tc>
+                  <a:txBody>
+                    <a:bodyPr/>
+                    <a:lstStyle/>
+                    <a:p>
+                      <a:r>
+                        <a:rPr lang="en-SG" u="sng" dirty="0"/>
+                        <a:t>rb1:</a:t>
+                      </a:r>
+                      <a:r>
+                        <a:rPr lang="en-SG" sz="1800" u="sng" dirty="0"/>
+                        <a:t>RestaurantBook</a:t>
+                      </a:r>
+                      <a:endParaRPr lang="en-SG" u="sng" dirty="0"/>
+                    </a:p>
+                  </a:txBody>
+                  <a:tcPr/>
+                </a:tc>
+                <a:extLst>
+                  <a:ext uri="{0D108BD9-81ED-4DB2-BD59-A6C34878D82A}">
+                    <a16:rowId xmlns:a16="http://schemas.microsoft.com/office/drawing/2014/main" val="2194462629"/>
+                  </a:ext>
+                </a:extLst>
+              </a:tr>
+            </a:tbl>
+          </a:graphicData>
+        </a:graphic>
+      </p:graphicFrame>
+      <p:graphicFrame>
+        <p:nvGraphicFramePr>
+          <p:cNvPr id="28" name="Table 27">
+            <a:extLst>
+              <a:ext uri="{FF2B5EF4-FFF2-40B4-BE49-F238E27FC236}">
+                <a16:creationId xmlns:a16="http://schemas.microsoft.com/office/drawing/2014/main" id="{96E14F61-53F8-4C69-A8AB-3A95D6B33603}"/>
+              </a:ext>
+            </a:extLst>
+          </p:cNvPr>
+          <p:cNvGraphicFramePr>
+            <a:graphicFrameLocks noGrp="1"/>
+          </p:cNvGraphicFramePr>
+          <p:nvPr>
+            <p:extLst>
+              <p:ext uri="{D42A27DB-BD31-4B8C-83A1-F6EECF244321}">
+                <p14:modId xmlns:p14="http://schemas.microsoft.com/office/powerpoint/2010/main" val="1812435991"/>
+              </p:ext>
+            </p:extLst>
+          </p:nvPr>
+        </p:nvGraphicFramePr>
+        <p:xfrm>
+          <a:off x="4866981" y="3929252"/>
+          <a:ext cx="2138500" cy="417888"/>
+        </p:xfrm>
+        <a:graphic>
+          <a:graphicData uri="http://schemas.openxmlformats.org/drawingml/2006/table">
+            <a:tbl>
+              <a:tblPr>
+                <a:tableStyleId>{638B1855-1B75-4FBE-930C-398BA8C253C6}</a:tableStyleId>
+              </a:tblPr>
+              <a:tblGrid>
+                <a:gridCol w="2138500">
+                  <a:extLst>
+                    <a:ext uri="{9D8B030D-6E8A-4147-A177-3AD203B41FA5}">
+                      <a16:colId xmlns:a16="http://schemas.microsoft.com/office/drawing/2014/main" val="4240773277"/>
+                    </a:ext>
+                  </a:extLst>
+                </a:gridCol>
+              </a:tblGrid>
+              <a:tr h="417888">
+                <a:tc>
+                  <a:txBody>
+                    <a:bodyPr/>
+                    <a:lstStyle/>
+                    <a:p>
+                      <a:r>
+                        <a:rPr lang="en-SG" u="sng" dirty="0"/>
+                        <a:t>rb3:</a:t>
+                      </a:r>
+                      <a:r>
+                        <a:rPr lang="en-SG" sz="1800" u="sng" dirty="0"/>
+                        <a:t>RestaurantBook</a:t>
+                      </a:r>
+                      <a:endParaRPr lang="en-SG" u="sng" dirty="0"/>
+                    </a:p>
+                  </a:txBody>
+                  <a:tcPr/>
+                </a:tc>
+                <a:extLst>
+                  <a:ext uri="{0D108BD9-81ED-4DB2-BD59-A6C34878D82A}">
+                    <a16:rowId xmlns:a16="http://schemas.microsoft.com/office/drawing/2014/main" val="2194462629"/>
+                  </a:ext>
+                </a:extLst>
+              </a:tr>
+            </a:tbl>
+          </a:graphicData>
+        </a:graphic>
+      </p:graphicFrame>
     </p:spTree>
     <p:extLst>
       <p:ext uri="{BB962C8B-B14F-4D97-AF65-F5344CB8AC3E}">

--- a/docs/diagrams/UndoRedoNewCommand4StateListDiagram.pptx
+++ b/docs/diagrams/UndoRedoNewCommand4StateListDiagram.pptx
@@ -112,10 +112,6 @@
 </p:presentation>
 </file>
 
-<file path=ppt/revisionInfo.xml><?xml version="1.0" encoding="utf-8"?>
-<p1510:revInfo xmlns:a="http://schemas.openxmlformats.org/drawingml/2006/main" xmlns:r="http://schemas.openxmlformats.org/officeDocument/2006/relationships" xmlns:p1510="http://schemas.microsoft.com/office/powerpoint/2015/10/main"/>
-</file>
-
 <file path=ppt/slideLayouts/slideLayout1.xml><?xml version="1.0" encoding="utf-8"?>
 <p:sldLayout xmlns:a="http://schemas.openxmlformats.org/drawingml/2006/main" xmlns:r="http://schemas.openxmlformats.org/officeDocument/2006/relationships" xmlns:p="http://schemas.openxmlformats.org/presentationml/2006/main" type="title" preserve="1">
   <p:cSld name="Title Slide">
@@ -265,7 +261,7 @@
           <a:p>
             <a:fld id="{03EC4E3E-8101-482F-A883-8B55DAFF7C07}" type="datetimeFigureOut">
               <a:rPr lang="en-SG" smtClean="0"/>
-              <a:t>6/7/2018</a:t>
+              <a:t>10/11/2018</a:t>
             </a:fld>
             <a:endParaRPr lang="en-SG"/>
           </a:p>
@@ -465,7 +461,7 @@
           <a:p>
             <a:fld id="{03EC4E3E-8101-482F-A883-8B55DAFF7C07}" type="datetimeFigureOut">
               <a:rPr lang="en-SG" smtClean="0"/>
-              <a:t>6/7/2018</a:t>
+              <a:t>10/11/2018</a:t>
             </a:fld>
             <a:endParaRPr lang="en-SG"/>
           </a:p>
@@ -675,7 +671,7 @@
           <a:p>
             <a:fld id="{03EC4E3E-8101-482F-A883-8B55DAFF7C07}" type="datetimeFigureOut">
               <a:rPr lang="en-SG" smtClean="0"/>
-              <a:t>6/7/2018</a:t>
+              <a:t>10/11/2018</a:t>
             </a:fld>
             <a:endParaRPr lang="en-SG"/>
           </a:p>
@@ -875,7 +871,7 @@
           <a:p>
             <a:fld id="{03EC4E3E-8101-482F-A883-8B55DAFF7C07}" type="datetimeFigureOut">
               <a:rPr lang="en-SG" smtClean="0"/>
-              <a:t>6/7/2018</a:t>
+              <a:t>10/11/2018</a:t>
             </a:fld>
             <a:endParaRPr lang="en-SG"/>
           </a:p>
@@ -1151,7 +1147,7 @@
           <a:p>
             <a:fld id="{03EC4E3E-8101-482F-A883-8B55DAFF7C07}" type="datetimeFigureOut">
               <a:rPr lang="en-SG" smtClean="0"/>
-              <a:t>6/7/2018</a:t>
+              <a:t>10/11/2018</a:t>
             </a:fld>
             <a:endParaRPr lang="en-SG"/>
           </a:p>
@@ -1419,7 +1415,7 @@
           <a:p>
             <a:fld id="{03EC4E3E-8101-482F-A883-8B55DAFF7C07}" type="datetimeFigureOut">
               <a:rPr lang="en-SG" smtClean="0"/>
-              <a:t>6/7/2018</a:t>
+              <a:t>10/11/2018</a:t>
             </a:fld>
             <a:endParaRPr lang="en-SG"/>
           </a:p>
@@ -1834,7 +1830,7 @@
           <a:p>
             <a:fld id="{03EC4E3E-8101-482F-A883-8B55DAFF7C07}" type="datetimeFigureOut">
               <a:rPr lang="en-SG" smtClean="0"/>
-              <a:t>6/7/2018</a:t>
+              <a:t>10/11/2018</a:t>
             </a:fld>
             <a:endParaRPr lang="en-SG"/>
           </a:p>
@@ -1976,7 +1972,7 @@
           <a:p>
             <a:fld id="{03EC4E3E-8101-482F-A883-8B55DAFF7C07}" type="datetimeFigureOut">
               <a:rPr lang="en-SG" smtClean="0"/>
-              <a:t>6/7/2018</a:t>
+              <a:t>10/11/2018</a:t>
             </a:fld>
             <a:endParaRPr lang="en-SG"/>
           </a:p>
@@ -2089,7 +2085,7 @@
           <a:p>
             <a:fld id="{03EC4E3E-8101-482F-A883-8B55DAFF7C07}" type="datetimeFigureOut">
               <a:rPr lang="en-SG" smtClean="0"/>
-              <a:t>6/7/2018</a:t>
+              <a:t>10/11/2018</a:t>
             </a:fld>
             <a:endParaRPr lang="en-SG"/>
           </a:p>
@@ -2402,7 +2398,7 @@
           <a:p>
             <a:fld id="{03EC4E3E-8101-482F-A883-8B55DAFF7C07}" type="datetimeFigureOut">
               <a:rPr lang="en-SG" smtClean="0"/>
-              <a:t>6/7/2018</a:t>
+              <a:t>10/11/2018</a:t>
             </a:fld>
             <a:endParaRPr lang="en-SG"/>
           </a:p>
@@ -2691,7 +2687,7 @@
           <a:p>
             <a:fld id="{03EC4E3E-8101-482F-A883-8B55DAFF7C07}" type="datetimeFigureOut">
               <a:rPr lang="en-SG" smtClean="0"/>
-              <a:t>6/7/2018</a:t>
+              <a:t>10/11/2018</a:t>
             </a:fld>
             <a:endParaRPr lang="en-SG"/>
           </a:p>
@@ -2934,7 +2930,7 @@
           <a:p>
             <a:fld id="{03EC4E3E-8101-482F-A883-8B55DAFF7C07}" type="datetimeFigureOut">
               <a:rPr lang="en-SG" smtClean="0"/>
-              <a:t>6/7/2018</a:t>
+              <a:t>10/11/2018</a:t>
             </a:fld>
             <a:endParaRPr lang="en-SG"/>
           </a:p>
@@ -3360,7 +3356,7 @@
         <p:spPr>
           <a:xfrm>
             <a:off x="5051917" y="2107282"/>
-            <a:ext cx="1535059" cy="1635302"/>
+            <a:ext cx="2088165" cy="1635302"/>
           </a:xfrm>
           <a:prstGeom prst="downArrow">
             <a:avLst/>
@@ -3389,7 +3385,7 @@
             <a:pPr algn="ctr"/>
             <a:r>
               <a:rPr lang="en-SG" dirty="0"/>
-              <a:t>clear</a:t>
+              <a:t>clear calendar</a:t>
             </a:r>
             <a:endParaRPr lang="en-US" dirty="0"/>
           </a:p>
@@ -3450,12 +3446,8 @@
           <a:p>
             <a:pPr algn="ctr"/>
             <a:r>
-              <a:rPr lang="en-SG"/>
-              <a:t>State ab2 </a:t>
-            </a:r>
-            <a:r>
               <a:rPr lang="en-SG" dirty="0"/>
-              <a:t>deleted.</a:t>
+              <a:t>State s2 deleted</a:t>
             </a:r>
           </a:p>
         </p:txBody>
@@ -3655,7 +3647,7 @@
           <p:nvPr>
             <p:extLst>
               <p:ext uri="{D42A27DB-BD31-4B8C-83A1-F6EECF244321}">
-                <p14:modId xmlns:p14="http://schemas.microsoft.com/office/powerpoint/2010/main" val="1352982134"/>
+                <p14:modId xmlns:p14="http://schemas.microsoft.com/office/powerpoint/2010/main" val="3394693682"/>
               </p:ext>
             </p:extLst>
           </p:nvPr>
@@ -3685,358 +3677,19 @@
                     <a:bodyPr/>
                     <a:lstStyle/>
                     <a:p>
+                      <a:pPr algn="ctr"/>
                       <a:r>
                         <a:rPr lang="en-SG" u="sng" dirty="0"/>
-                        <a:t>ab0:</a:t>
+                        <a:t>s0:</a:t>
                       </a:r>
                       <a:r>
                         <a:rPr lang="en-SG" sz="1800" u="sng" dirty="0"/>
-                        <a:t>AddressBook</a:t>
+                        <a:t>Scheduler</a:t>
                       </a:r>
                       <a:endParaRPr lang="en-SG" u="sng" dirty="0"/>
                     </a:p>
                   </a:txBody>
-                  <a:tcPr/>
-                </a:tc>
-                <a:extLst>
-                  <a:ext uri="{0D108BD9-81ED-4DB2-BD59-A6C34878D82A}">
-                    <a16:rowId xmlns:a16="http://schemas.microsoft.com/office/drawing/2014/main" val="2194462629"/>
-                  </a:ext>
-                </a:extLst>
-              </a:tr>
-            </a:tbl>
-          </a:graphicData>
-        </a:graphic>
-      </p:graphicFrame>
-      <p:graphicFrame>
-        <p:nvGraphicFramePr>
-          <p:cNvPr id="29" name="Table 28">
-            <a:extLst>
-              <a:ext uri="{FF2B5EF4-FFF2-40B4-BE49-F238E27FC236}">
-                <a16:creationId xmlns:a16="http://schemas.microsoft.com/office/drawing/2014/main" id="{F545FAB8-F1CE-4886-9BDE-E772BCB0A9C4}"/>
-              </a:ext>
-            </a:extLst>
-          </p:cNvPr>
-          <p:cNvGraphicFramePr>
-            <a:graphicFrameLocks noGrp="1"/>
-          </p:cNvGraphicFramePr>
-          <p:nvPr>
-            <p:extLst>
-              <p:ext uri="{D42A27DB-BD31-4B8C-83A1-F6EECF244321}">
-                <p14:modId xmlns:p14="http://schemas.microsoft.com/office/powerpoint/2010/main" val="829193732"/>
-              </p:ext>
-            </p:extLst>
-          </p:nvPr>
-        </p:nvGraphicFramePr>
-        <p:xfrm>
-          <a:off x="2440458" y="1476102"/>
-          <a:ext cx="1825824" cy="417888"/>
-        </p:xfrm>
-        <a:graphic>
-          <a:graphicData uri="http://schemas.openxmlformats.org/drawingml/2006/table">
-            <a:tbl>
-              <a:tblPr>
-                <a:tableStyleId>{638B1855-1B75-4FBE-930C-398BA8C253C6}</a:tableStyleId>
-              </a:tblPr>
-              <a:tblGrid>
-                <a:gridCol w="1825824">
-                  <a:extLst>
-                    <a:ext uri="{9D8B030D-6E8A-4147-A177-3AD203B41FA5}">
-                      <a16:colId xmlns:a16="http://schemas.microsoft.com/office/drawing/2014/main" val="4240773277"/>
-                    </a:ext>
-                  </a:extLst>
-                </a:gridCol>
-              </a:tblGrid>
-              <a:tr h="417888">
-                <a:tc>
-                  <a:txBody>
-                    <a:bodyPr/>
-                    <a:lstStyle/>
-                    <a:p>
-                      <a:r>
-                        <a:rPr lang="en-SG" u="sng" dirty="0"/>
-                        <a:t>ab1:</a:t>
-                      </a:r>
-                      <a:r>
-                        <a:rPr lang="en-SG" sz="1800" u="sng" dirty="0"/>
-                        <a:t>AddressBook</a:t>
-                      </a:r>
-                      <a:endParaRPr lang="en-SG" u="sng" dirty="0"/>
-                    </a:p>
-                  </a:txBody>
-                  <a:tcPr/>
-                </a:tc>
-                <a:extLst>
-                  <a:ext uri="{0D108BD9-81ED-4DB2-BD59-A6C34878D82A}">
-                    <a16:rowId xmlns:a16="http://schemas.microsoft.com/office/drawing/2014/main" val="2194462629"/>
-                  </a:ext>
-                </a:extLst>
-              </a:tr>
-            </a:tbl>
-          </a:graphicData>
-        </a:graphic>
-      </p:graphicFrame>
-      <p:graphicFrame>
-        <p:nvGraphicFramePr>
-          <p:cNvPr id="30" name="Table 29">
-            <a:extLst>
-              <a:ext uri="{FF2B5EF4-FFF2-40B4-BE49-F238E27FC236}">
-                <a16:creationId xmlns:a16="http://schemas.microsoft.com/office/drawing/2014/main" id="{F545FAB8-F1CE-4886-9BDE-E772BCB0A9C4}"/>
-              </a:ext>
-            </a:extLst>
-          </p:cNvPr>
-          <p:cNvGraphicFramePr>
-            <a:graphicFrameLocks noGrp="1"/>
-          </p:cNvGraphicFramePr>
-          <p:nvPr>
-            <p:extLst>
-              <p:ext uri="{D42A27DB-BD31-4B8C-83A1-F6EECF244321}">
-                <p14:modId xmlns:p14="http://schemas.microsoft.com/office/powerpoint/2010/main" val="796708048"/>
-              </p:ext>
-            </p:extLst>
-          </p:nvPr>
-        </p:nvGraphicFramePr>
-        <p:xfrm>
-          <a:off x="4409785" y="1476102"/>
-          <a:ext cx="1825824" cy="417888"/>
-        </p:xfrm>
-        <a:graphic>
-          <a:graphicData uri="http://schemas.openxmlformats.org/drawingml/2006/table">
-            <a:tbl>
-              <a:tblPr>
-                <a:tableStyleId>{638B1855-1B75-4FBE-930C-398BA8C253C6}</a:tableStyleId>
-              </a:tblPr>
-              <a:tblGrid>
-                <a:gridCol w="1825824">
-                  <a:extLst>
-                    <a:ext uri="{9D8B030D-6E8A-4147-A177-3AD203B41FA5}">
-                      <a16:colId xmlns:a16="http://schemas.microsoft.com/office/drawing/2014/main" val="4240773277"/>
-                    </a:ext>
-                  </a:extLst>
-                </a:gridCol>
-              </a:tblGrid>
-              <a:tr h="417888">
-                <a:tc>
-                  <a:txBody>
-                    <a:bodyPr/>
-                    <a:lstStyle/>
-                    <a:p>
-                      <a:r>
-                        <a:rPr lang="en-SG" u="sng" dirty="0"/>
-                        <a:t>ab2:</a:t>
-                      </a:r>
-                      <a:r>
-                        <a:rPr lang="en-SG" sz="1800" u="sng" dirty="0"/>
-                        <a:t>AddressBook</a:t>
-                      </a:r>
-                      <a:endParaRPr lang="en-SG" u="sng" dirty="0"/>
-                    </a:p>
-                  </a:txBody>
-                  <a:tcPr/>
-                </a:tc>
-                <a:extLst>
-                  <a:ext uri="{0D108BD9-81ED-4DB2-BD59-A6C34878D82A}">
-                    <a16:rowId xmlns:a16="http://schemas.microsoft.com/office/drawing/2014/main" val="2194462629"/>
-                  </a:ext>
-                </a:extLst>
-              </a:tr>
-            </a:tbl>
-          </a:graphicData>
-        </a:graphic>
-      </p:graphicFrame>
-      <p:graphicFrame>
-        <p:nvGraphicFramePr>
-          <p:cNvPr id="31" name="Table 30">
-            <a:extLst>
-              <a:ext uri="{FF2B5EF4-FFF2-40B4-BE49-F238E27FC236}">
-                <a16:creationId xmlns:a16="http://schemas.microsoft.com/office/drawing/2014/main" id="{F545FAB8-F1CE-4886-9BDE-E772BCB0A9C4}"/>
-              </a:ext>
-            </a:extLst>
-          </p:cNvPr>
-          <p:cNvGraphicFramePr>
-            <a:graphicFrameLocks noGrp="1"/>
-          </p:cNvGraphicFramePr>
-          <p:nvPr>
-            <p:extLst>
-              <p:ext uri="{D42A27DB-BD31-4B8C-83A1-F6EECF244321}">
-                <p14:modId xmlns:p14="http://schemas.microsoft.com/office/powerpoint/2010/main" val="377617300"/>
-              </p:ext>
-            </p:extLst>
-          </p:nvPr>
-        </p:nvGraphicFramePr>
-        <p:xfrm>
-          <a:off x="473240" y="3919947"/>
-          <a:ext cx="1825824" cy="417888"/>
-        </p:xfrm>
-        <a:graphic>
-          <a:graphicData uri="http://schemas.openxmlformats.org/drawingml/2006/table">
-            <a:tbl>
-              <a:tblPr>
-                <a:tableStyleId>{638B1855-1B75-4FBE-930C-398BA8C253C6}</a:tableStyleId>
-              </a:tblPr>
-              <a:tblGrid>
-                <a:gridCol w="1825824">
-                  <a:extLst>
-                    <a:ext uri="{9D8B030D-6E8A-4147-A177-3AD203B41FA5}">
-                      <a16:colId xmlns:a16="http://schemas.microsoft.com/office/drawing/2014/main" val="4240773277"/>
-                    </a:ext>
-                  </a:extLst>
-                </a:gridCol>
-              </a:tblGrid>
-              <a:tr h="417888">
-                <a:tc>
-                  <a:txBody>
-                    <a:bodyPr/>
-                    <a:lstStyle/>
-                    <a:p>
-                      <a:r>
-                        <a:rPr lang="en-SG" u="sng" dirty="0"/>
-                        <a:t>ab0:</a:t>
-                      </a:r>
-                      <a:r>
-                        <a:rPr lang="en-SG" sz="1800" u="sng" dirty="0"/>
-                        <a:t>AddressBook</a:t>
-                      </a:r>
-                      <a:endParaRPr lang="en-SG" u="sng" dirty="0"/>
-                    </a:p>
-                  </a:txBody>
-                  <a:tcPr/>
-                </a:tc>
-                <a:extLst>
-                  <a:ext uri="{0D108BD9-81ED-4DB2-BD59-A6C34878D82A}">
-                    <a16:rowId xmlns:a16="http://schemas.microsoft.com/office/drawing/2014/main" val="2194462629"/>
-                  </a:ext>
-                </a:extLst>
-              </a:tr>
-            </a:tbl>
-          </a:graphicData>
-        </a:graphic>
-      </p:graphicFrame>
-      <p:graphicFrame>
-        <p:nvGraphicFramePr>
-          <p:cNvPr id="32" name="Table 31">
-            <a:extLst>
-              <a:ext uri="{FF2B5EF4-FFF2-40B4-BE49-F238E27FC236}">
-                <a16:creationId xmlns:a16="http://schemas.microsoft.com/office/drawing/2014/main" id="{F545FAB8-F1CE-4886-9BDE-E772BCB0A9C4}"/>
-              </a:ext>
-            </a:extLst>
-          </p:cNvPr>
-          <p:cNvGraphicFramePr>
-            <a:graphicFrameLocks noGrp="1"/>
-          </p:cNvGraphicFramePr>
-          <p:nvPr>
-            <p:extLst>
-              <p:ext uri="{D42A27DB-BD31-4B8C-83A1-F6EECF244321}">
-                <p14:modId xmlns:p14="http://schemas.microsoft.com/office/powerpoint/2010/main" val="4076322253"/>
-              </p:ext>
-            </p:extLst>
-          </p:nvPr>
-        </p:nvGraphicFramePr>
-        <p:xfrm>
-          <a:off x="2440458" y="3919947"/>
-          <a:ext cx="1825824" cy="417888"/>
-        </p:xfrm>
-        <a:graphic>
-          <a:graphicData uri="http://schemas.openxmlformats.org/drawingml/2006/table">
-            <a:tbl>
-              <a:tblPr>
-                <a:tableStyleId>{638B1855-1B75-4FBE-930C-398BA8C253C6}</a:tableStyleId>
-              </a:tblPr>
-              <a:tblGrid>
-                <a:gridCol w="1825824">
-                  <a:extLst>
-                    <a:ext uri="{9D8B030D-6E8A-4147-A177-3AD203B41FA5}">
-                      <a16:colId xmlns:a16="http://schemas.microsoft.com/office/drawing/2014/main" val="4240773277"/>
-                    </a:ext>
-                  </a:extLst>
-                </a:gridCol>
-              </a:tblGrid>
-              <a:tr h="417888">
-                <a:tc>
-                  <a:txBody>
-                    <a:bodyPr/>
-                    <a:lstStyle/>
-                    <a:p>
-                      <a:r>
-                        <a:rPr lang="en-SG" u="sng" dirty="0"/>
-                        <a:t>ab1:</a:t>
-                      </a:r>
-                      <a:r>
-                        <a:rPr lang="en-SG" sz="1800" u="sng" dirty="0"/>
-                        <a:t>AddressBook</a:t>
-                      </a:r>
-                      <a:endParaRPr lang="en-SG" u="sng" dirty="0"/>
-                    </a:p>
-                  </a:txBody>
-                  <a:tcPr/>
-                </a:tc>
-                <a:extLst>
-                  <a:ext uri="{0D108BD9-81ED-4DB2-BD59-A6C34878D82A}">
-                    <a16:rowId xmlns:a16="http://schemas.microsoft.com/office/drawing/2014/main" val="2194462629"/>
-                  </a:ext>
-                </a:extLst>
-              </a:tr>
-            </a:tbl>
-          </a:graphicData>
-        </a:graphic>
-      </p:graphicFrame>
-      <p:graphicFrame>
-        <p:nvGraphicFramePr>
-          <p:cNvPr id="33" name="Table 32">
-            <a:extLst>
-              <a:ext uri="{FF2B5EF4-FFF2-40B4-BE49-F238E27FC236}">
-                <a16:creationId xmlns:a16="http://schemas.microsoft.com/office/drawing/2014/main" id="{F545FAB8-F1CE-4886-9BDE-E772BCB0A9C4}"/>
-              </a:ext>
-            </a:extLst>
-          </p:cNvPr>
-          <p:cNvGraphicFramePr>
-            <a:graphicFrameLocks noGrp="1"/>
-          </p:cNvGraphicFramePr>
-          <p:nvPr>
-            <p:extLst>
-              <p:ext uri="{D42A27DB-BD31-4B8C-83A1-F6EECF244321}">
-                <p14:modId xmlns:p14="http://schemas.microsoft.com/office/powerpoint/2010/main" val="53411958"/>
-              </p:ext>
-            </p:extLst>
-          </p:nvPr>
-        </p:nvGraphicFramePr>
-        <p:xfrm>
-          <a:off x="4409785" y="3919947"/>
-          <a:ext cx="1825824" cy="417888"/>
-        </p:xfrm>
-        <a:graphic>
-          <a:graphicData uri="http://schemas.openxmlformats.org/drawingml/2006/table">
-            <a:tbl>
-              <a:tblPr>
-                <a:tableStyleId>{638B1855-1B75-4FBE-930C-398BA8C253C6}</a:tableStyleId>
-              </a:tblPr>
-              <a:tblGrid>
-                <a:gridCol w="1825824">
-                  <a:extLst>
-                    <a:ext uri="{9D8B030D-6E8A-4147-A177-3AD203B41FA5}">
-                      <a16:colId xmlns:a16="http://schemas.microsoft.com/office/drawing/2014/main" val="4240773277"/>
-                    </a:ext>
-                  </a:extLst>
-                </a:gridCol>
-              </a:tblGrid>
-              <a:tr h="417888">
-                <a:tc>
-                  <a:txBody>
-                    <a:bodyPr/>
-                    <a:lstStyle/>
-                    <a:p>
-                      <a:r>
-                        <a:rPr lang="en-SG" u="sng" dirty="0"/>
-                        <a:t>ab3:</a:t>
-                      </a:r>
-                      <a:r>
-                        <a:rPr lang="en-SG" sz="1800" u="sng" dirty="0"/>
-                        <a:t>AddressBook</a:t>
-                      </a:r>
-                      <a:endParaRPr lang="en-SG" u="sng" dirty="0"/>
-                    </a:p>
-                  </a:txBody>
-                  <a:tcPr/>
+                  <a:tcPr anchor="ctr"/>
                 </a:tc>
                 <a:extLst>
                   <a:ext uri="{0D108BD9-81ED-4DB2-BD59-A6C34878D82A}">
@@ -4136,6 +3789,351 @@
           </a:fontRef>
         </p:style>
       </p:cxnSp>
+      <p:graphicFrame>
+        <p:nvGraphicFramePr>
+          <p:cNvPr id="20" name="Table 19">
+            <a:extLst>
+              <a:ext uri="{FF2B5EF4-FFF2-40B4-BE49-F238E27FC236}">
+                <a16:creationId xmlns:a16="http://schemas.microsoft.com/office/drawing/2014/main" id="{E6A82EAA-32E2-43AF-A44C-AFF748DB1B16}"/>
+              </a:ext>
+            </a:extLst>
+          </p:cNvPr>
+          <p:cNvGraphicFramePr>
+            <a:graphicFrameLocks noGrp="1"/>
+          </p:cNvGraphicFramePr>
+          <p:nvPr>
+            <p:extLst>
+              <p:ext uri="{D42A27DB-BD31-4B8C-83A1-F6EECF244321}">
+                <p14:modId xmlns:p14="http://schemas.microsoft.com/office/powerpoint/2010/main" val="2732724261"/>
+              </p:ext>
+            </p:extLst>
+          </p:nvPr>
+        </p:nvGraphicFramePr>
+        <p:xfrm>
+          <a:off x="473240" y="3926589"/>
+          <a:ext cx="1825824" cy="417888"/>
+        </p:xfrm>
+        <a:graphic>
+          <a:graphicData uri="http://schemas.openxmlformats.org/drawingml/2006/table">
+            <a:tbl>
+              <a:tblPr>
+                <a:tableStyleId>{638B1855-1B75-4FBE-930C-398BA8C253C6}</a:tableStyleId>
+              </a:tblPr>
+              <a:tblGrid>
+                <a:gridCol w="1825824">
+                  <a:extLst>
+                    <a:ext uri="{9D8B030D-6E8A-4147-A177-3AD203B41FA5}">
+                      <a16:colId xmlns:a16="http://schemas.microsoft.com/office/drawing/2014/main" val="4240773277"/>
+                    </a:ext>
+                  </a:extLst>
+                </a:gridCol>
+              </a:tblGrid>
+              <a:tr h="417888">
+                <a:tc>
+                  <a:txBody>
+                    <a:bodyPr/>
+                    <a:lstStyle/>
+                    <a:p>
+                      <a:pPr algn="ctr"/>
+                      <a:r>
+                        <a:rPr lang="en-SG" u="sng" dirty="0"/>
+                        <a:t>s0:</a:t>
+                      </a:r>
+                      <a:r>
+                        <a:rPr lang="en-SG" sz="1800" u="sng" dirty="0"/>
+                        <a:t>Scheduler</a:t>
+                      </a:r>
+                      <a:endParaRPr lang="en-SG" u="sng" dirty="0"/>
+                    </a:p>
+                  </a:txBody>
+                  <a:tcPr anchor="ctr"/>
+                </a:tc>
+                <a:extLst>
+                  <a:ext uri="{0D108BD9-81ED-4DB2-BD59-A6C34878D82A}">
+                    <a16:rowId xmlns:a16="http://schemas.microsoft.com/office/drawing/2014/main" val="2194462629"/>
+                  </a:ext>
+                </a:extLst>
+              </a:tr>
+            </a:tbl>
+          </a:graphicData>
+        </a:graphic>
+      </p:graphicFrame>
+      <p:graphicFrame>
+        <p:nvGraphicFramePr>
+          <p:cNvPr id="23" name="Table 22">
+            <a:extLst>
+              <a:ext uri="{FF2B5EF4-FFF2-40B4-BE49-F238E27FC236}">
+                <a16:creationId xmlns:a16="http://schemas.microsoft.com/office/drawing/2014/main" id="{911C531A-4E3D-4C89-9996-36098628E64C}"/>
+              </a:ext>
+            </a:extLst>
+          </p:cNvPr>
+          <p:cNvGraphicFramePr>
+            <a:graphicFrameLocks noGrp="1"/>
+          </p:cNvGraphicFramePr>
+          <p:nvPr>
+            <p:extLst>
+              <p:ext uri="{D42A27DB-BD31-4B8C-83A1-F6EECF244321}">
+                <p14:modId xmlns:p14="http://schemas.microsoft.com/office/powerpoint/2010/main" val="770447271"/>
+              </p:ext>
+            </p:extLst>
+          </p:nvPr>
+        </p:nvGraphicFramePr>
+        <p:xfrm>
+          <a:off x="2425906" y="1476102"/>
+          <a:ext cx="1825824" cy="417888"/>
+        </p:xfrm>
+        <a:graphic>
+          <a:graphicData uri="http://schemas.openxmlformats.org/drawingml/2006/table">
+            <a:tbl>
+              <a:tblPr>
+                <a:tableStyleId>{638B1855-1B75-4FBE-930C-398BA8C253C6}</a:tableStyleId>
+              </a:tblPr>
+              <a:tblGrid>
+                <a:gridCol w="1825824">
+                  <a:extLst>
+                    <a:ext uri="{9D8B030D-6E8A-4147-A177-3AD203B41FA5}">
+                      <a16:colId xmlns:a16="http://schemas.microsoft.com/office/drawing/2014/main" val="4240773277"/>
+                    </a:ext>
+                  </a:extLst>
+                </a:gridCol>
+              </a:tblGrid>
+              <a:tr h="417888">
+                <a:tc>
+                  <a:txBody>
+                    <a:bodyPr/>
+                    <a:lstStyle/>
+                    <a:p>
+                      <a:pPr algn="ctr"/>
+                      <a:r>
+                        <a:rPr lang="en-SG" u="sng" dirty="0"/>
+                        <a:t>s1:</a:t>
+                      </a:r>
+                      <a:r>
+                        <a:rPr lang="en-SG" sz="1800" u="sng" dirty="0"/>
+                        <a:t>Scheduler</a:t>
+                      </a:r>
+                      <a:endParaRPr lang="en-SG" u="sng" dirty="0"/>
+                    </a:p>
+                  </a:txBody>
+                  <a:tcPr anchor="ctr"/>
+                </a:tc>
+                <a:extLst>
+                  <a:ext uri="{0D108BD9-81ED-4DB2-BD59-A6C34878D82A}">
+                    <a16:rowId xmlns:a16="http://schemas.microsoft.com/office/drawing/2014/main" val="2194462629"/>
+                  </a:ext>
+                </a:extLst>
+              </a:tr>
+            </a:tbl>
+          </a:graphicData>
+        </a:graphic>
+      </p:graphicFrame>
+      <p:graphicFrame>
+        <p:nvGraphicFramePr>
+          <p:cNvPr id="24" name="Table 23">
+            <a:extLst>
+              <a:ext uri="{FF2B5EF4-FFF2-40B4-BE49-F238E27FC236}">
+                <a16:creationId xmlns:a16="http://schemas.microsoft.com/office/drawing/2014/main" id="{728D0978-D98E-4F08-84A7-A9ACA02CFB3A}"/>
+              </a:ext>
+            </a:extLst>
+          </p:cNvPr>
+          <p:cNvGraphicFramePr>
+            <a:graphicFrameLocks noGrp="1"/>
+          </p:cNvGraphicFramePr>
+          <p:nvPr>
+            <p:extLst>
+              <p:ext uri="{D42A27DB-BD31-4B8C-83A1-F6EECF244321}">
+                <p14:modId xmlns:p14="http://schemas.microsoft.com/office/powerpoint/2010/main" val="1053427373"/>
+              </p:ext>
+            </p:extLst>
+          </p:nvPr>
+        </p:nvGraphicFramePr>
+        <p:xfrm>
+          <a:off x="4351737" y="1470588"/>
+          <a:ext cx="1825824" cy="417888"/>
+        </p:xfrm>
+        <a:graphic>
+          <a:graphicData uri="http://schemas.openxmlformats.org/drawingml/2006/table">
+            <a:tbl>
+              <a:tblPr>
+                <a:tableStyleId>{638B1855-1B75-4FBE-930C-398BA8C253C6}</a:tableStyleId>
+              </a:tblPr>
+              <a:tblGrid>
+                <a:gridCol w="1825824">
+                  <a:extLst>
+                    <a:ext uri="{9D8B030D-6E8A-4147-A177-3AD203B41FA5}">
+                      <a16:colId xmlns:a16="http://schemas.microsoft.com/office/drawing/2014/main" val="4240773277"/>
+                    </a:ext>
+                  </a:extLst>
+                </a:gridCol>
+              </a:tblGrid>
+              <a:tr h="417888">
+                <a:tc>
+                  <a:txBody>
+                    <a:bodyPr/>
+                    <a:lstStyle/>
+                    <a:p>
+                      <a:pPr algn="ctr"/>
+                      <a:r>
+                        <a:rPr lang="en-SG" u="sng" dirty="0"/>
+                        <a:t>s2:</a:t>
+                      </a:r>
+                      <a:r>
+                        <a:rPr lang="en-SG" sz="1800" u="sng" dirty="0"/>
+                        <a:t>Scheduler</a:t>
+                      </a:r>
+                      <a:endParaRPr lang="en-SG" u="sng" dirty="0"/>
+                    </a:p>
+                  </a:txBody>
+                  <a:tcPr anchor="ctr"/>
+                </a:tc>
+                <a:extLst>
+                  <a:ext uri="{0D108BD9-81ED-4DB2-BD59-A6C34878D82A}">
+                    <a16:rowId xmlns:a16="http://schemas.microsoft.com/office/drawing/2014/main" val="2194462629"/>
+                  </a:ext>
+                </a:extLst>
+              </a:tr>
+            </a:tbl>
+          </a:graphicData>
+        </a:graphic>
+      </p:graphicFrame>
+      <p:graphicFrame>
+        <p:nvGraphicFramePr>
+          <p:cNvPr id="26" name="Table 25">
+            <a:extLst>
+              <a:ext uri="{FF2B5EF4-FFF2-40B4-BE49-F238E27FC236}">
+                <a16:creationId xmlns:a16="http://schemas.microsoft.com/office/drawing/2014/main" id="{8EF524B0-798D-4FB2-A744-B48EF12445A9}"/>
+              </a:ext>
+            </a:extLst>
+          </p:cNvPr>
+          <p:cNvGraphicFramePr>
+            <a:graphicFrameLocks noGrp="1"/>
+          </p:cNvGraphicFramePr>
+          <p:nvPr>
+            <p:extLst>
+              <p:ext uri="{D42A27DB-BD31-4B8C-83A1-F6EECF244321}">
+                <p14:modId xmlns:p14="http://schemas.microsoft.com/office/powerpoint/2010/main" val="4239249065"/>
+              </p:ext>
+            </p:extLst>
+          </p:nvPr>
+        </p:nvGraphicFramePr>
+        <p:xfrm>
+          <a:off x="2425906" y="3926589"/>
+          <a:ext cx="1825824" cy="417888"/>
+        </p:xfrm>
+        <a:graphic>
+          <a:graphicData uri="http://schemas.openxmlformats.org/drawingml/2006/table">
+            <a:tbl>
+              <a:tblPr>
+                <a:tableStyleId>{638B1855-1B75-4FBE-930C-398BA8C253C6}</a:tableStyleId>
+              </a:tblPr>
+              <a:tblGrid>
+                <a:gridCol w="1825824">
+                  <a:extLst>
+                    <a:ext uri="{9D8B030D-6E8A-4147-A177-3AD203B41FA5}">
+                      <a16:colId xmlns:a16="http://schemas.microsoft.com/office/drawing/2014/main" val="4240773277"/>
+                    </a:ext>
+                  </a:extLst>
+                </a:gridCol>
+              </a:tblGrid>
+              <a:tr h="417888">
+                <a:tc>
+                  <a:txBody>
+                    <a:bodyPr/>
+                    <a:lstStyle/>
+                    <a:p>
+                      <a:pPr algn="ctr"/>
+                      <a:r>
+                        <a:rPr lang="en-SG" u="sng" dirty="0"/>
+                        <a:t>s1:</a:t>
+                      </a:r>
+                      <a:r>
+                        <a:rPr lang="en-SG" sz="1800" u="sng" dirty="0"/>
+                        <a:t>Scheduler</a:t>
+                      </a:r>
+                      <a:endParaRPr lang="en-SG" u="sng" dirty="0"/>
+                    </a:p>
+                  </a:txBody>
+                  <a:tcPr anchor="ctr"/>
+                </a:tc>
+                <a:extLst>
+                  <a:ext uri="{0D108BD9-81ED-4DB2-BD59-A6C34878D82A}">
+                    <a16:rowId xmlns:a16="http://schemas.microsoft.com/office/drawing/2014/main" val="2194462629"/>
+                  </a:ext>
+                </a:extLst>
+              </a:tr>
+            </a:tbl>
+          </a:graphicData>
+        </a:graphic>
+      </p:graphicFrame>
+      <p:graphicFrame>
+        <p:nvGraphicFramePr>
+          <p:cNvPr id="27" name="Table 26">
+            <a:extLst>
+              <a:ext uri="{FF2B5EF4-FFF2-40B4-BE49-F238E27FC236}">
+                <a16:creationId xmlns:a16="http://schemas.microsoft.com/office/drawing/2014/main" id="{93BC6C29-4B54-44D7-9B87-BD0E138B25E3}"/>
+              </a:ext>
+            </a:extLst>
+          </p:cNvPr>
+          <p:cNvGraphicFramePr>
+            <a:graphicFrameLocks noGrp="1"/>
+          </p:cNvGraphicFramePr>
+          <p:nvPr>
+            <p:extLst>
+              <p:ext uri="{D42A27DB-BD31-4B8C-83A1-F6EECF244321}">
+                <p14:modId xmlns:p14="http://schemas.microsoft.com/office/powerpoint/2010/main" val="3753092108"/>
+              </p:ext>
+            </p:extLst>
+          </p:nvPr>
+        </p:nvGraphicFramePr>
+        <p:xfrm>
+          <a:off x="4378572" y="3926589"/>
+          <a:ext cx="1825824" cy="417888"/>
+        </p:xfrm>
+        <a:graphic>
+          <a:graphicData uri="http://schemas.openxmlformats.org/drawingml/2006/table">
+            <a:tbl>
+              <a:tblPr>
+                <a:tableStyleId>{638B1855-1B75-4FBE-930C-398BA8C253C6}</a:tableStyleId>
+              </a:tblPr>
+              <a:tblGrid>
+                <a:gridCol w="1825824">
+                  <a:extLst>
+                    <a:ext uri="{9D8B030D-6E8A-4147-A177-3AD203B41FA5}">
+                      <a16:colId xmlns:a16="http://schemas.microsoft.com/office/drawing/2014/main" val="4240773277"/>
+                    </a:ext>
+                  </a:extLst>
+                </a:gridCol>
+              </a:tblGrid>
+              <a:tr h="417888">
+                <a:tc>
+                  <a:txBody>
+                    <a:bodyPr/>
+                    <a:lstStyle/>
+                    <a:p>
+                      <a:pPr algn="ctr"/>
+                      <a:r>
+                        <a:rPr lang="en-SG" u="sng" dirty="0"/>
+                        <a:t>s2:</a:t>
+                      </a:r>
+                      <a:r>
+                        <a:rPr lang="en-SG" sz="1800" u="sng" dirty="0"/>
+                        <a:t>Scheduler</a:t>
+                      </a:r>
+                      <a:endParaRPr lang="en-SG" u="sng" dirty="0"/>
+                    </a:p>
+                  </a:txBody>
+                  <a:tcPr anchor="ctr"/>
+                </a:tc>
+                <a:extLst>
+                  <a:ext uri="{0D108BD9-81ED-4DB2-BD59-A6C34878D82A}">
+                    <a16:rowId xmlns:a16="http://schemas.microsoft.com/office/drawing/2014/main" val="2194462629"/>
+                  </a:ext>
+                </a:extLst>
+              </a:tr>
+            </a:tbl>
+          </a:graphicData>
+        </a:graphic>
+      </p:graphicFrame>
     </p:spTree>
     <p:extLst>
       <p:ext uri="{BB962C8B-B14F-4D97-AF65-F5344CB8AC3E}">

--- a/docs/diagrams/UndoRedoNewCommand4StateListDiagram.pptx
+++ b/docs/diagrams/UndoRedoNewCommand4StateListDiagram.pptx
@@ -112,10 +112,6 @@
 </p:presentation>
 </file>
 
-<file path=ppt/revisionInfo.xml><?xml version="1.0" encoding="utf-8"?>
-<p1510:revInfo xmlns:a="http://schemas.openxmlformats.org/drawingml/2006/main" xmlns:r="http://schemas.openxmlformats.org/officeDocument/2006/relationships" xmlns:p1510="http://schemas.microsoft.com/office/powerpoint/2015/10/main"/>
-</file>
-
 <file path=ppt/slideLayouts/slideLayout1.xml><?xml version="1.0" encoding="utf-8"?>
 <p:sldLayout xmlns:a="http://schemas.openxmlformats.org/drawingml/2006/main" xmlns:r="http://schemas.openxmlformats.org/officeDocument/2006/relationships" xmlns:p="http://schemas.openxmlformats.org/presentationml/2006/main" type="title" preserve="1">
   <p:cSld name="Title Slide">
@@ -265,7 +261,7 @@
           <a:p>
             <a:fld id="{03EC4E3E-8101-482F-A883-8B55DAFF7C07}" type="datetimeFigureOut">
               <a:rPr lang="en-SG" smtClean="0"/>
-              <a:t>6/7/2018</a:t>
+              <a:t>11/11/2018</a:t>
             </a:fld>
             <a:endParaRPr lang="en-SG"/>
           </a:p>
@@ -465,7 +461,7 @@
           <a:p>
             <a:fld id="{03EC4E3E-8101-482F-A883-8B55DAFF7C07}" type="datetimeFigureOut">
               <a:rPr lang="en-SG" smtClean="0"/>
-              <a:t>6/7/2018</a:t>
+              <a:t>11/11/2018</a:t>
             </a:fld>
             <a:endParaRPr lang="en-SG"/>
           </a:p>
@@ -675,7 +671,7 @@
           <a:p>
             <a:fld id="{03EC4E3E-8101-482F-A883-8B55DAFF7C07}" type="datetimeFigureOut">
               <a:rPr lang="en-SG" smtClean="0"/>
-              <a:t>6/7/2018</a:t>
+              <a:t>11/11/2018</a:t>
             </a:fld>
             <a:endParaRPr lang="en-SG"/>
           </a:p>
@@ -875,7 +871,7 @@
           <a:p>
             <a:fld id="{03EC4E3E-8101-482F-A883-8B55DAFF7C07}" type="datetimeFigureOut">
               <a:rPr lang="en-SG" smtClean="0"/>
-              <a:t>6/7/2018</a:t>
+              <a:t>11/11/2018</a:t>
             </a:fld>
             <a:endParaRPr lang="en-SG"/>
           </a:p>
@@ -1151,7 +1147,7 @@
           <a:p>
             <a:fld id="{03EC4E3E-8101-482F-A883-8B55DAFF7C07}" type="datetimeFigureOut">
               <a:rPr lang="en-SG" smtClean="0"/>
-              <a:t>6/7/2018</a:t>
+              <a:t>11/11/2018</a:t>
             </a:fld>
             <a:endParaRPr lang="en-SG"/>
           </a:p>
@@ -1419,7 +1415,7 @@
           <a:p>
             <a:fld id="{03EC4E3E-8101-482F-A883-8B55DAFF7C07}" type="datetimeFigureOut">
               <a:rPr lang="en-SG" smtClean="0"/>
-              <a:t>6/7/2018</a:t>
+              <a:t>11/11/2018</a:t>
             </a:fld>
             <a:endParaRPr lang="en-SG"/>
           </a:p>
@@ -1834,7 +1830,7 @@
           <a:p>
             <a:fld id="{03EC4E3E-8101-482F-A883-8B55DAFF7C07}" type="datetimeFigureOut">
               <a:rPr lang="en-SG" smtClean="0"/>
-              <a:t>6/7/2018</a:t>
+              <a:t>11/11/2018</a:t>
             </a:fld>
             <a:endParaRPr lang="en-SG"/>
           </a:p>
@@ -1976,7 +1972,7 @@
           <a:p>
             <a:fld id="{03EC4E3E-8101-482F-A883-8B55DAFF7C07}" type="datetimeFigureOut">
               <a:rPr lang="en-SG" smtClean="0"/>
-              <a:t>6/7/2018</a:t>
+              <a:t>11/11/2018</a:t>
             </a:fld>
             <a:endParaRPr lang="en-SG"/>
           </a:p>
@@ -2089,7 +2085,7 @@
           <a:p>
             <a:fld id="{03EC4E3E-8101-482F-A883-8B55DAFF7C07}" type="datetimeFigureOut">
               <a:rPr lang="en-SG" smtClean="0"/>
-              <a:t>6/7/2018</a:t>
+              <a:t>11/11/2018</a:t>
             </a:fld>
             <a:endParaRPr lang="en-SG"/>
           </a:p>
@@ -2402,7 +2398,7 @@
           <a:p>
             <a:fld id="{03EC4E3E-8101-482F-A883-8B55DAFF7C07}" type="datetimeFigureOut">
               <a:rPr lang="en-SG" smtClean="0"/>
-              <a:t>6/7/2018</a:t>
+              <a:t>11/11/2018</a:t>
             </a:fld>
             <a:endParaRPr lang="en-SG"/>
           </a:p>
@@ -2691,7 +2687,7 @@
           <a:p>
             <a:fld id="{03EC4E3E-8101-482F-A883-8B55DAFF7C07}" type="datetimeFigureOut">
               <a:rPr lang="en-SG" smtClean="0"/>
-              <a:t>6/7/2018</a:t>
+              <a:t>11/11/2018</a:t>
             </a:fld>
             <a:endParaRPr lang="en-SG"/>
           </a:p>
@@ -2934,7 +2930,7 @@
           <a:p>
             <a:fld id="{03EC4E3E-8101-482F-A883-8B55DAFF7C07}" type="datetimeFigureOut">
               <a:rPr lang="en-SG" smtClean="0"/>
-              <a:t>6/7/2018</a:t>
+              <a:t>11/11/2018</a:t>
             </a:fld>
             <a:endParaRPr lang="en-SG"/>
           </a:p>
@@ -3450,12 +3446,8 @@
           <a:p>
             <a:pPr algn="ctr"/>
             <a:r>
-              <a:rPr lang="en-SG"/>
-              <a:t>State ab2 </a:t>
-            </a:r>
-            <a:r>
               <a:rPr lang="en-SG" dirty="0"/>
-              <a:t>deleted.</a:t>
+              <a:t>State et2 deleted.</a:t>
             </a:r>
           </a:p>
         </p:txBody>
@@ -3640,414 +3632,6 @@
           </a:p>
         </p:txBody>
       </p:sp>
-      <p:graphicFrame>
-        <p:nvGraphicFramePr>
-          <p:cNvPr id="16" name="Table 15">
-            <a:extLst>
-              <a:ext uri="{FF2B5EF4-FFF2-40B4-BE49-F238E27FC236}">
-                <a16:creationId xmlns:a16="http://schemas.microsoft.com/office/drawing/2014/main" id="{F545FAB8-F1CE-4886-9BDE-E772BCB0A9C4}"/>
-              </a:ext>
-            </a:extLst>
-          </p:cNvPr>
-          <p:cNvGraphicFramePr>
-            <a:graphicFrameLocks noGrp="1"/>
-          </p:cNvGraphicFramePr>
-          <p:nvPr>
-            <p:extLst>
-              <p:ext uri="{D42A27DB-BD31-4B8C-83A1-F6EECF244321}">
-                <p14:modId xmlns:p14="http://schemas.microsoft.com/office/powerpoint/2010/main" val="1352982134"/>
-              </p:ext>
-            </p:extLst>
-          </p:nvPr>
-        </p:nvGraphicFramePr>
-        <p:xfrm>
-          <a:off x="473240" y="1476102"/>
-          <a:ext cx="1825824" cy="417888"/>
-        </p:xfrm>
-        <a:graphic>
-          <a:graphicData uri="http://schemas.openxmlformats.org/drawingml/2006/table">
-            <a:tbl>
-              <a:tblPr>
-                <a:tableStyleId>{638B1855-1B75-4FBE-930C-398BA8C253C6}</a:tableStyleId>
-              </a:tblPr>
-              <a:tblGrid>
-                <a:gridCol w="1825824">
-                  <a:extLst>
-                    <a:ext uri="{9D8B030D-6E8A-4147-A177-3AD203B41FA5}">
-                      <a16:colId xmlns:a16="http://schemas.microsoft.com/office/drawing/2014/main" val="4240773277"/>
-                    </a:ext>
-                  </a:extLst>
-                </a:gridCol>
-              </a:tblGrid>
-              <a:tr h="417888">
-                <a:tc>
-                  <a:txBody>
-                    <a:bodyPr/>
-                    <a:lstStyle/>
-                    <a:p>
-                      <a:r>
-                        <a:rPr lang="en-SG" u="sng" dirty="0"/>
-                        <a:t>ab0:</a:t>
-                      </a:r>
-                      <a:r>
-                        <a:rPr lang="en-SG" sz="1800" u="sng" dirty="0"/>
-                        <a:t>AddressBook</a:t>
-                      </a:r>
-                      <a:endParaRPr lang="en-SG" u="sng" dirty="0"/>
-                    </a:p>
-                  </a:txBody>
-                  <a:tcPr/>
-                </a:tc>
-                <a:extLst>
-                  <a:ext uri="{0D108BD9-81ED-4DB2-BD59-A6C34878D82A}">
-                    <a16:rowId xmlns:a16="http://schemas.microsoft.com/office/drawing/2014/main" val="2194462629"/>
-                  </a:ext>
-                </a:extLst>
-              </a:tr>
-            </a:tbl>
-          </a:graphicData>
-        </a:graphic>
-      </p:graphicFrame>
-      <p:graphicFrame>
-        <p:nvGraphicFramePr>
-          <p:cNvPr id="29" name="Table 28">
-            <a:extLst>
-              <a:ext uri="{FF2B5EF4-FFF2-40B4-BE49-F238E27FC236}">
-                <a16:creationId xmlns:a16="http://schemas.microsoft.com/office/drawing/2014/main" id="{F545FAB8-F1CE-4886-9BDE-E772BCB0A9C4}"/>
-              </a:ext>
-            </a:extLst>
-          </p:cNvPr>
-          <p:cNvGraphicFramePr>
-            <a:graphicFrameLocks noGrp="1"/>
-          </p:cNvGraphicFramePr>
-          <p:nvPr>
-            <p:extLst>
-              <p:ext uri="{D42A27DB-BD31-4B8C-83A1-F6EECF244321}">
-                <p14:modId xmlns:p14="http://schemas.microsoft.com/office/powerpoint/2010/main" val="829193732"/>
-              </p:ext>
-            </p:extLst>
-          </p:nvPr>
-        </p:nvGraphicFramePr>
-        <p:xfrm>
-          <a:off x="2440458" y="1476102"/>
-          <a:ext cx="1825824" cy="417888"/>
-        </p:xfrm>
-        <a:graphic>
-          <a:graphicData uri="http://schemas.openxmlformats.org/drawingml/2006/table">
-            <a:tbl>
-              <a:tblPr>
-                <a:tableStyleId>{638B1855-1B75-4FBE-930C-398BA8C253C6}</a:tableStyleId>
-              </a:tblPr>
-              <a:tblGrid>
-                <a:gridCol w="1825824">
-                  <a:extLst>
-                    <a:ext uri="{9D8B030D-6E8A-4147-A177-3AD203B41FA5}">
-                      <a16:colId xmlns:a16="http://schemas.microsoft.com/office/drawing/2014/main" val="4240773277"/>
-                    </a:ext>
-                  </a:extLst>
-                </a:gridCol>
-              </a:tblGrid>
-              <a:tr h="417888">
-                <a:tc>
-                  <a:txBody>
-                    <a:bodyPr/>
-                    <a:lstStyle/>
-                    <a:p>
-                      <a:r>
-                        <a:rPr lang="en-SG" u="sng" dirty="0"/>
-                        <a:t>ab1:</a:t>
-                      </a:r>
-                      <a:r>
-                        <a:rPr lang="en-SG" sz="1800" u="sng" dirty="0"/>
-                        <a:t>AddressBook</a:t>
-                      </a:r>
-                      <a:endParaRPr lang="en-SG" u="sng" dirty="0"/>
-                    </a:p>
-                  </a:txBody>
-                  <a:tcPr/>
-                </a:tc>
-                <a:extLst>
-                  <a:ext uri="{0D108BD9-81ED-4DB2-BD59-A6C34878D82A}">
-                    <a16:rowId xmlns:a16="http://schemas.microsoft.com/office/drawing/2014/main" val="2194462629"/>
-                  </a:ext>
-                </a:extLst>
-              </a:tr>
-            </a:tbl>
-          </a:graphicData>
-        </a:graphic>
-      </p:graphicFrame>
-      <p:graphicFrame>
-        <p:nvGraphicFramePr>
-          <p:cNvPr id="30" name="Table 29">
-            <a:extLst>
-              <a:ext uri="{FF2B5EF4-FFF2-40B4-BE49-F238E27FC236}">
-                <a16:creationId xmlns:a16="http://schemas.microsoft.com/office/drawing/2014/main" id="{F545FAB8-F1CE-4886-9BDE-E772BCB0A9C4}"/>
-              </a:ext>
-            </a:extLst>
-          </p:cNvPr>
-          <p:cNvGraphicFramePr>
-            <a:graphicFrameLocks noGrp="1"/>
-          </p:cNvGraphicFramePr>
-          <p:nvPr>
-            <p:extLst>
-              <p:ext uri="{D42A27DB-BD31-4B8C-83A1-F6EECF244321}">
-                <p14:modId xmlns:p14="http://schemas.microsoft.com/office/powerpoint/2010/main" val="796708048"/>
-              </p:ext>
-            </p:extLst>
-          </p:nvPr>
-        </p:nvGraphicFramePr>
-        <p:xfrm>
-          <a:off x="4409785" y="1476102"/>
-          <a:ext cx="1825824" cy="417888"/>
-        </p:xfrm>
-        <a:graphic>
-          <a:graphicData uri="http://schemas.openxmlformats.org/drawingml/2006/table">
-            <a:tbl>
-              <a:tblPr>
-                <a:tableStyleId>{638B1855-1B75-4FBE-930C-398BA8C253C6}</a:tableStyleId>
-              </a:tblPr>
-              <a:tblGrid>
-                <a:gridCol w="1825824">
-                  <a:extLst>
-                    <a:ext uri="{9D8B030D-6E8A-4147-A177-3AD203B41FA5}">
-                      <a16:colId xmlns:a16="http://schemas.microsoft.com/office/drawing/2014/main" val="4240773277"/>
-                    </a:ext>
-                  </a:extLst>
-                </a:gridCol>
-              </a:tblGrid>
-              <a:tr h="417888">
-                <a:tc>
-                  <a:txBody>
-                    <a:bodyPr/>
-                    <a:lstStyle/>
-                    <a:p>
-                      <a:r>
-                        <a:rPr lang="en-SG" u="sng" dirty="0"/>
-                        <a:t>ab2:</a:t>
-                      </a:r>
-                      <a:r>
-                        <a:rPr lang="en-SG" sz="1800" u="sng" dirty="0"/>
-                        <a:t>AddressBook</a:t>
-                      </a:r>
-                      <a:endParaRPr lang="en-SG" u="sng" dirty="0"/>
-                    </a:p>
-                  </a:txBody>
-                  <a:tcPr/>
-                </a:tc>
-                <a:extLst>
-                  <a:ext uri="{0D108BD9-81ED-4DB2-BD59-A6C34878D82A}">
-                    <a16:rowId xmlns:a16="http://schemas.microsoft.com/office/drawing/2014/main" val="2194462629"/>
-                  </a:ext>
-                </a:extLst>
-              </a:tr>
-            </a:tbl>
-          </a:graphicData>
-        </a:graphic>
-      </p:graphicFrame>
-      <p:graphicFrame>
-        <p:nvGraphicFramePr>
-          <p:cNvPr id="31" name="Table 30">
-            <a:extLst>
-              <a:ext uri="{FF2B5EF4-FFF2-40B4-BE49-F238E27FC236}">
-                <a16:creationId xmlns:a16="http://schemas.microsoft.com/office/drawing/2014/main" id="{F545FAB8-F1CE-4886-9BDE-E772BCB0A9C4}"/>
-              </a:ext>
-            </a:extLst>
-          </p:cNvPr>
-          <p:cNvGraphicFramePr>
-            <a:graphicFrameLocks noGrp="1"/>
-          </p:cNvGraphicFramePr>
-          <p:nvPr>
-            <p:extLst>
-              <p:ext uri="{D42A27DB-BD31-4B8C-83A1-F6EECF244321}">
-                <p14:modId xmlns:p14="http://schemas.microsoft.com/office/powerpoint/2010/main" val="377617300"/>
-              </p:ext>
-            </p:extLst>
-          </p:nvPr>
-        </p:nvGraphicFramePr>
-        <p:xfrm>
-          <a:off x="473240" y="3919947"/>
-          <a:ext cx="1825824" cy="417888"/>
-        </p:xfrm>
-        <a:graphic>
-          <a:graphicData uri="http://schemas.openxmlformats.org/drawingml/2006/table">
-            <a:tbl>
-              <a:tblPr>
-                <a:tableStyleId>{638B1855-1B75-4FBE-930C-398BA8C253C6}</a:tableStyleId>
-              </a:tblPr>
-              <a:tblGrid>
-                <a:gridCol w="1825824">
-                  <a:extLst>
-                    <a:ext uri="{9D8B030D-6E8A-4147-A177-3AD203B41FA5}">
-                      <a16:colId xmlns:a16="http://schemas.microsoft.com/office/drawing/2014/main" val="4240773277"/>
-                    </a:ext>
-                  </a:extLst>
-                </a:gridCol>
-              </a:tblGrid>
-              <a:tr h="417888">
-                <a:tc>
-                  <a:txBody>
-                    <a:bodyPr/>
-                    <a:lstStyle/>
-                    <a:p>
-                      <a:r>
-                        <a:rPr lang="en-SG" u="sng" dirty="0"/>
-                        <a:t>ab0:</a:t>
-                      </a:r>
-                      <a:r>
-                        <a:rPr lang="en-SG" sz="1800" u="sng" dirty="0"/>
-                        <a:t>AddressBook</a:t>
-                      </a:r>
-                      <a:endParaRPr lang="en-SG" u="sng" dirty="0"/>
-                    </a:p>
-                  </a:txBody>
-                  <a:tcPr/>
-                </a:tc>
-                <a:extLst>
-                  <a:ext uri="{0D108BD9-81ED-4DB2-BD59-A6C34878D82A}">
-                    <a16:rowId xmlns:a16="http://schemas.microsoft.com/office/drawing/2014/main" val="2194462629"/>
-                  </a:ext>
-                </a:extLst>
-              </a:tr>
-            </a:tbl>
-          </a:graphicData>
-        </a:graphic>
-      </p:graphicFrame>
-      <p:graphicFrame>
-        <p:nvGraphicFramePr>
-          <p:cNvPr id="32" name="Table 31">
-            <a:extLst>
-              <a:ext uri="{FF2B5EF4-FFF2-40B4-BE49-F238E27FC236}">
-                <a16:creationId xmlns:a16="http://schemas.microsoft.com/office/drawing/2014/main" id="{F545FAB8-F1CE-4886-9BDE-E772BCB0A9C4}"/>
-              </a:ext>
-            </a:extLst>
-          </p:cNvPr>
-          <p:cNvGraphicFramePr>
-            <a:graphicFrameLocks noGrp="1"/>
-          </p:cNvGraphicFramePr>
-          <p:nvPr>
-            <p:extLst>
-              <p:ext uri="{D42A27DB-BD31-4B8C-83A1-F6EECF244321}">
-                <p14:modId xmlns:p14="http://schemas.microsoft.com/office/powerpoint/2010/main" val="4076322253"/>
-              </p:ext>
-            </p:extLst>
-          </p:nvPr>
-        </p:nvGraphicFramePr>
-        <p:xfrm>
-          <a:off x="2440458" y="3919947"/>
-          <a:ext cx="1825824" cy="417888"/>
-        </p:xfrm>
-        <a:graphic>
-          <a:graphicData uri="http://schemas.openxmlformats.org/drawingml/2006/table">
-            <a:tbl>
-              <a:tblPr>
-                <a:tableStyleId>{638B1855-1B75-4FBE-930C-398BA8C253C6}</a:tableStyleId>
-              </a:tblPr>
-              <a:tblGrid>
-                <a:gridCol w="1825824">
-                  <a:extLst>
-                    <a:ext uri="{9D8B030D-6E8A-4147-A177-3AD203B41FA5}">
-                      <a16:colId xmlns:a16="http://schemas.microsoft.com/office/drawing/2014/main" val="4240773277"/>
-                    </a:ext>
-                  </a:extLst>
-                </a:gridCol>
-              </a:tblGrid>
-              <a:tr h="417888">
-                <a:tc>
-                  <a:txBody>
-                    <a:bodyPr/>
-                    <a:lstStyle/>
-                    <a:p>
-                      <a:r>
-                        <a:rPr lang="en-SG" u="sng" dirty="0"/>
-                        <a:t>ab1:</a:t>
-                      </a:r>
-                      <a:r>
-                        <a:rPr lang="en-SG" sz="1800" u="sng" dirty="0"/>
-                        <a:t>AddressBook</a:t>
-                      </a:r>
-                      <a:endParaRPr lang="en-SG" u="sng" dirty="0"/>
-                    </a:p>
-                  </a:txBody>
-                  <a:tcPr/>
-                </a:tc>
-                <a:extLst>
-                  <a:ext uri="{0D108BD9-81ED-4DB2-BD59-A6C34878D82A}">
-                    <a16:rowId xmlns:a16="http://schemas.microsoft.com/office/drawing/2014/main" val="2194462629"/>
-                  </a:ext>
-                </a:extLst>
-              </a:tr>
-            </a:tbl>
-          </a:graphicData>
-        </a:graphic>
-      </p:graphicFrame>
-      <p:graphicFrame>
-        <p:nvGraphicFramePr>
-          <p:cNvPr id="33" name="Table 32">
-            <a:extLst>
-              <a:ext uri="{FF2B5EF4-FFF2-40B4-BE49-F238E27FC236}">
-                <a16:creationId xmlns:a16="http://schemas.microsoft.com/office/drawing/2014/main" id="{F545FAB8-F1CE-4886-9BDE-E772BCB0A9C4}"/>
-              </a:ext>
-            </a:extLst>
-          </p:cNvPr>
-          <p:cNvGraphicFramePr>
-            <a:graphicFrameLocks noGrp="1"/>
-          </p:cNvGraphicFramePr>
-          <p:nvPr>
-            <p:extLst>
-              <p:ext uri="{D42A27DB-BD31-4B8C-83A1-F6EECF244321}">
-                <p14:modId xmlns:p14="http://schemas.microsoft.com/office/powerpoint/2010/main" val="53411958"/>
-              </p:ext>
-            </p:extLst>
-          </p:nvPr>
-        </p:nvGraphicFramePr>
-        <p:xfrm>
-          <a:off x="4409785" y="3919947"/>
-          <a:ext cx="1825824" cy="417888"/>
-        </p:xfrm>
-        <a:graphic>
-          <a:graphicData uri="http://schemas.openxmlformats.org/drawingml/2006/table">
-            <a:tbl>
-              <a:tblPr>
-                <a:tableStyleId>{638B1855-1B75-4FBE-930C-398BA8C253C6}</a:tableStyleId>
-              </a:tblPr>
-              <a:tblGrid>
-                <a:gridCol w="1825824">
-                  <a:extLst>
-                    <a:ext uri="{9D8B030D-6E8A-4147-A177-3AD203B41FA5}">
-                      <a16:colId xmlns:a16="http://schemas.microsoft.com/office/drawing/2014/main" val="4240773277"/>
-                    </a:ext>
-                  </a:extLst>
-                </a:gridCol>
-              </a:tblGrid>
-              <a:tr h="417888">
-                <a:tc>
-                  <a:txBody>
-                    <a:bodyPr/>
-                    <a:lstStyle/>
-                    <a:p>
-                      <a:r>
-                        <a:rPr lang="en-SG" u="sng" dirty="0"/>
-                        <a:t>ab3:</a:t>
-                      </a:r>
-                      <a:r>
-                        <a:rPr lang="en-SG" sz="1800" u="sng" dirty="0"/>
-                        <a:t>AddressBook</a:t>
-                      </a:r>
-                      <a:endParaRPr lang="en-SG" u="sng" dirty="0"/>
-                    </a:p>
-                  </a:txBody>
-                  <a:tcPr/>
-                </a:tc>
-                <a:extLst>
-                  <a:ext uri="{0D108BD9-81ED-4DB2-BD59-A6C34878D82A}">
-                    <a16:rowId xmlns:a16="http://schemas.microsoft.com/office/drawing/2014/main" val="2194462629"/>
-                  </a:ext>
-                </a:extLst>
-              </a:tr>
-            </a:tbl>
-          </a:graphicData>
-        </a:graphic>
-      </p:graphicFrame>
       <p:cxnSp>
         <p:nvCxnSpPr>
           <p:cNvPr id="18" name="Straight Arrow Connector 17">
@@ -4136,6 +3720,414 @@
           </a:fontRef>
         </p:style>
       </p:cxnSp>
+      <p:graphicFrame>
+        <p:nvGraphicFramePr>
+          <p:cNvPr id="20" name="Table 19">
+            <a:extLst>
+              <a:ext uri="{FF2B5EF4-FFF2-40B4-BE49-F238E27FC236}">
+                <a16:creationId xmlns:a16="http://schemas.microsoft.com/office/drawing/2014/main" id="{3FFC7FB5-7009-46A1-B70C-DC22A476C29A}"/>
+              </a:ext>
+            </a:extLst>
+          </p:cNvPr>
+          <p:cNvGraphicFramePr>
+            <a:graphicFrameLocks noGrp="1"/>
+          </p:cNvGraphicFramePr>
+          <p:nvPr>
+            <p:extLst>
+              <p:ext uri="{D42A27DB-BD31-4B8C-83A1-F6EECF244321}">
+                <p14:modId xmlns:p14="http://schemas.microsoft.com/office/powerpoint/2010/main" val="442724044"/>
+              </p:ext>
+            </p:extLst>
+          </p:nvPr>
+        </p:nvGraphicFramePr>
+        <p:xfrm>
+          <a:off x="489808" y="3917812"/>
+          <a:ext cx="2071178" cy="410363"/>
+        </p:xfrm>
+        <a:graphic>
+          <a:graphicData uri="http://schemas.openxmlformats.org/drawingml/2006/table">
+            <a:tbl>
+              <a:tblPr>
+                <a:tableStyleId>{638B1855-1B75-4FBE-930C-398BA8C253C6}</a:tableStyleId>
+              </a:tblPr>
+              <a:tblGrid>
+                <a:gridCol w="2071178">
+                  <a:extLst>
+                    <a:ext uri="{9D8B030D-6E8A-4147-A177-3AD203B41FA5}">
+                      <a16:colId xmlns:a16="http://schemas.microsoft.com/office/drawing/2014/main" val="4240773277"/>
+                    </a:ext>
+                  </a:extLst>
+                </a:gridCol>
+              </a:tblGrid>
+              <a:tr h="410363">
+                <a:tc>
+                  <a:txBody>
+                    <a:bodyPr/>
+                    <a:lstStyle/>
+                    <a:p>
+                      <a:r>
+                        <a:rPr lang="en-SG" u="sng" dirty="0"/>
+                        <a:t>et0:</a:t>
+                      </a:r>
+                      <a:r>
+                        <a:rPr lang="en-SG" sz="1800" u="sng" dirty="0"/>
+                        <a:t>ExpenseTracker</a:t>
+                      </a:r>
+                      <a:endParaRPr lang="en-SG" sz="1600" u="sng" dirty="0"/>
+                    </a:p>
+                  </a:txBody>
+                  <a:tcPr/>
+                </a:tc>
+                <a:extLst>
+                  <a:ext uri="{0D108BD9-81ED-4DB2-BD59-A6C34878D82A}">
+                    <a16:rowId xmlns:a16="http://schemas.microsoft.com/office/drawing/2014/main" val="2194462629"/>
+                  </a:ext>
+                </a:extLst>
+              </a:tr>
+            </a:tbl>
+          </a:graphicData>
+        </a:graphic>
+      </p:graphicFrame>
+      <p:graphicFrame>
+        <p:nvGraphicFramePr>
+          <p:cNvPr id="23" name="Table 22">
+            <a:extLst>
+              <a:ext uri="{FF2B5EF4-FFF2-40B4-BE49-F238E27FC236}">
+                <a16:creationId xmlns:a16="http://schemas.microsoft.com/office/drawing/2014/main" id="{444713E4-2ACC-4753-A3CC-9FFEE83BF962}"/>
+              </a:ext>
+            </a:extLst>
+          </p:cNvPr>
+          <p:cNvGraphicFramePr>
+            <a:graphicFrameLocks noGrp="1"/>
+          </p:cNvGraphicFramePr>
+          <p:nvPr>
+            <p:extLst>
+              <p:ext uri="{D42A27DB-BD31-4B8C-83A1-F6EECF244321}">
+                <p14:modId xmlns:p14="http://schemas.microsoft.com/office/powerpoint/2010/main" val="3498144301"/>
+              </p:ext>
+            </p:extLst>
+          </p:nvPr>
+        </p:nvGraphicFramePr>
+        <p:xfrm>
+          <a:off x="2689666" y="3921127"/>
+          <a:ext cx="2071178" cy="410363"/>
+        </p:xfrm>
+        <a:graphic>
+          <a:graphicData uri="http://schemas.openxmlformats.org/drawingml/2006/table">
+            <a:tbl>
+              <a:tblPr>
+                <a:tableStyleId>{638B1855-1B75-4FBE-930C-398BA8C253C6}</a:tableStyleId>
+              </a:tblPr>
+              <a:tblGrid>
+                <a:gridCol w="2071178">
+                  <a:extLst>
+                    <a:ext uri="{9D8B030D-6E8A-4147-A177-3AD203B41FA5}">
+                      <a16:colId xmlns:a16="http://schemas.microsoft.com/office/drawing/2014/main" val="4240773277"/>
+                    </a:ext>
+                  </a:extLst>
+                </a:gridCol>
+              </a:tblGrid>
+              <a:tr h="410363">
+                <a:tc>
+                  <a:txBody>
+                    <a:bodyPr/>
+                    <a:lstStyle/>
+                    <a:p>
+                      <a:r>
+                        <a:rPr lang="en-SG" u="sng" dirty="0"/>
+                        <a:t>et1:</a:t>
+                      </a:r>
+                      <a:r>
+                        <a:rPr lang="en-SG" sz="1800" u="sng" dirty="0"/>
+                        <a:t>ExpenseTracker</a:t>
+                      </a:r>
+                      <a:endParaRPr lang="en-SG" sz="1600" u="sng" dirty="0"/>
+                    </a:p>
+                  </a:txBody>
+                  <a:tcPr/>
+                </a:tc>
+                <a:extLst>
+                  <a:ext uri="{0D108BD9-81ED-4DB2-BD59-A6C34878D82A}">
+                    <a16:rowId xmlns:a16="http://schemas.microsoft.com/office/drawing/2014/main" val="2194462629"/>
+                  </a:ext>
+                </a:extLst>
+              </a:tr>
+            </a:tbl>
+          </a:graphicData>
+        </a:graphic>
+      </p:graphicFrame>
+      <p:graphicFrame>
+        <p:nvGraphicFramePr>
+          <p:cNvPr id="24" name="Table 23">
+            <a:extLst>
+              <a:ext uri="{FF2B5EF4-FFF2-40B4-BE49-F238E27FC236}">
+                <a16:creationId xmlns:a16="http://schemas.microsoft.com/office/drawing/2014/main" id="{4A157C82-17B5-40B9-94FE-9AEE63B8E21E}"/>
+              </a:ext>
+            </a:extLst>
+          </p:cNvPr>
+          <p:cNvGraphicFramePr>
+            <a:graphicFrameLocks noGrp="1"/>
+          </p:cNvGraphicFramePr>
+          <p:nvPr>
+            <p:extLst>
+              <p:ext uri="{D42A27DB-BD31-4B8C-83A1-F6EECF244321}">
+                <p14:modId xmlns:p14="http://schemas.microsoft.com/office/powerpoint/2010/main" val="3668434288"/>
+              </p:ext>
+            </p:extLst>
+          </p:nvPr>
+        </p:nvGraphicFramePr>
+        <p:xfrm>
+          <a:off x="4909407" y="3924442"/>
+          <a:ext cx="2071178" cy="410363"/>
+        </p:xfrm>
+        <a:graphic>
+          <a:graphicData uri="http://schemas.openxmlformats.org/drawingml/2006/table">
+            <a:tbl>
+              <a:tblPr>
+                <a:tableStyleId>{638B1855-1B75-4FBE-930C-398BA8C253C6}</a:tableStyleId>
+              </a:tblPr>
+              <a:tblGrid>
+                <a:gridCol w="2071178">
+                  <a:extLst>
+                    <a:ext uri="{9D8B030D-6E8A-4147-A177-3AD203B41FA5}">
+                      <a16:colId xmlns:a16="http://schemas.microsoft.com/office/drawing/2014/main" val="4240773277"/>
+                    </a:ext>
+                  </a:extLst>
+                </a:gridCol>
+              </a:tblGrid>
+              <a:tr h="410363">
+                <a:tc>
+                  <a:txBody>
+                    <a:bodyPr/>
+                    <a:lstStyle/>
+                    <a:p>
+                      <a:r>
+                        <a:rPr lang="en-SG" u="sng" dirty="0"/>
+                        <a:t>et3:</a:t>
+                      </a:r>
+                      <a:r>
+                        <a:rPr lang="en-SG" sz="1800" u="sng" dirty="0"/>
+                        <a:t>ExpenseTracker</a:t>
+                      </a:r>
+                      <a:endParaRPr lang="en-SG" sz="1600" u="sng" dirty="0"/>
+                    </a:p>
+                  </a:txBody>
+                  <a:tcPr/>
+                </a:tc>
+                <a:extLst>
+                  <a:ext uri="{0D108BD9-81ED-4DB2-BD59-A6C34878D82A}">
+                    <a16:rowId xmlns:a16="http://schemas.microsoft.com/office/drawing/2014/main" val="2194462629"/>
+                  </a:ext>
+                </a:extLst>
+              </a:tr>
+            </a:tbl>
+          </a:graphicData>
+        </a:graphic>
+      </p:graphicFrame>
+      <p:graphicFrame>
+        <p:nvGraphicFramePr>
+          <p:cNvPr id="26" name="Table 25">
+            <a:extLst>
+              <a:ext uri="{FF2B5EF4-FFF2-40B4-BE49-F238E27FC236}">
+                <a16:creationId xmlns:a16="http://schemas.microsoft.com/office/drawing/2014/main" id="{69B4E01B-1579-4211-9566-661761FE008E}"/>
+              </a:ext>
+            </a:extLst>
+          </p:cNvPr>
+          <p:cNvGraphicFramePr>
+            <a:graphicFrameLocks noGrp="1"/>
+          </p:cNvGraphicFramePr>
+          <p:nvPr>
+            <p:extLst>
+              <p:ext uri="{D42A27DB-BD31-4B8C-83A1-F6EECF244321}">
+                <p14:modId xmlns:p14="http://schemas.microsoft.com/office/powerpoint/2010/main" val="1748525625"/>
+              </p:ext>
+            </p:extLst>
+          </p:nvPr>
+        </p:nvGraphicFramePr>
+        <p:xfrm>
+          <a:off x="463306" y="1486041"/>
+          <a:ext cx="2071178" cy="410363"/>
+        </p:xfrm>
+        <a:graphic>
+          <a:graphicData uri="http://schemas.openxmlformats.org/drawingml/2006/table">
+            <a:tbl>
+              <a:tblPr>
+                <a:tableStyleId>{638B1855-1B75-4FBE-930C-398BA8C253C6}</a:tableStyleId>
+              </a:tblPr>
+              <a:tblGrid>
+                <a:gridCol w="2071178">
+                  <a:extLst>
+                    <a:ext uri="{9D8B030D-6E8A-4147-A177-3AD203B41FA5}">
+                      <a16:colId xmlns:a16="http://schemas.microsoft.com/office/drawing/2014/main" val="4240773277"/>
+                    </a:ext>
+                  </a:extLst>
+                </a:gridCol>
+              </a:tblGrid>
+              <a:tr h="410363">
+                <a:tc>
+                  <a:txBody>
+                    <a:bodyPr/>
+                    <a:lstStyle/>
+                    <a:p>
+                      <a:r>
+                        <a:rPr lang="en-SG" u="sng" dirty="0"/>
+                        <a:t>et0:</a:t>
+                      </a:r>
+                      <a:r>
+                        <a:rPr lang="en-SG" sz="1800" u="sng" dirty="0"/>
+                        <a:t>ExpenseTracker</a:t>
+                      </a:r>
+                      <a:endParaRPr lang="en-SG" sz="1600" u="sng" dirty="0"/>
+                    </a:p>
+                  </a:txBody>
+                  <a:tcPr/>
+                </a:tc>
+                <a:extLst>
+                  <a:ext uri="{0D108BD9-81ED-4DB2-BD59-A6C34878D82A}">
+                    <a16:rowId xmlns:a16="http://schemas.microsoft.com/office/drawing/2014/main" val="2194462629"/>
+                  </a:ext>
+                </a:extLst>
+              </a:tr>
+            </a:tbl>
+          </a:graphicData>
+        </a:graphic>
+      </p:graphicFrame>
+      <p:graphicFrame>
+        <p:nvGraphicFramePr>
+          <p:cNvPr id="27" name="Table 26">
+            <a:extLst>
+              <a:ext uri="{FF2B5EF4-FFF2-40B4-BE49-F238E27FC236}">
+                <a16:creationId xmlns:a16="http://schemas.microsoft.com/office/drawing/2014/main" id="{00CA15B8-B401-445A-9567-93AA596EA5C4}"/>
+              </a:ext>
+            </a:extLst>
+          </p:cNvPr>
+          <p:cNvGraphicFramePr>
+            <a:graphicFrameLocks noGrp="1"/>
+          </p:cNvGraphicFramePr>
+          <p:nvPr>
+            <p:extLst>
+              <p:ext uri="{D42A27DB-BD31-4B8C-83A1-F6EECF244321}">
+                <p14:modId xmlns:p14="http://schemas.microsoft.com/office/powerpoint/2010/main" val="3329786484"/>
+              </p:ext>
+            </p:extLst>
+          </p:nvPr>
+        </p:nvGraphicFramePr>
+        <p:xfrm>
+          <a:off x="2663164" y="1489356"/>
+          <a:ext cx="2071178" cy="410363"/>
+        </p:xfrm>
+        <a:graphic>
+          <a:graphicData uri="http://schemas.openxmlformats.org/drawingml/2006/table">
+            <a:tbl>
+              <a:tblPr>
+                <a:tableStyleId>{638B1855-1B75-4FBE-930C-398BA8C253C6}</a:tableStyleId>
+              </a:tblPr>
+              <a:tblGrid>
+                <a:gridCol w="2071178">
+                  <a:extLst>
+                    <a:ext uri="{9D8B030D-6E8A-4147-A177-3AD203B41FA5}">
+                      <a16:colId xmlns:a16="http://schemas.microsoft.com/office/drawing/2014/main" val="4240773277"/>
+                    </a:ext>
+                  </a:extLst>
+                </a:gridCol>
+              </a:tblGrid>
+              <a:tr h="410363">
+                <a:tc>
+                  <a:txBody>
+                    <a:bodyPr/>
+                    <a:lstStyle/>
+                    <a:p>
+                      <a:r>
+                        <a:rPr lang="en-SG" u="sng" dirty="0"/>
+                        <a:t>et1:</a:t>
+                      </a:r>
+                      <a:r>
+                        <a:rPr lang="en-SG" sz="1800" u="sng" dirty="0"/>
+                        <a:t>ExpenseTracker</a:t>
+                      </a:r>
+                      <a:endParaRPr lang="en-SG" sz="1600" u="sng" dirty="0"/>
+                    </a:p>
+                  </a:txBody>
+                  <a:tcPr/>
+                </a:tc>
+                <a:extLst>
+                  <a:ext uri="{0D108BD9-81ED-4DB2-BD59-A6C34878D82A}">
+                    <a16:rowId xmlns:a16="http://schemas.microsoft.com/office/drawing/2014/main" val="2194462629"/>
+                  </a:ext>
+                </a:extLst>
+              </a:tr>
+            </a:tbl>
+          </a:graphicData>
+        </a:graphic>
+      </p:graphicFrame>
+      <p:graphicFrame>
+        <p:nvGraphicFramePr>
+          <p:cNvPr id="28" name="Table 27">
+            <a:extLst>
+              <a:ext uri="{FF2B5EF4-FFF2-40B4-BE49-F238E27FC236}">
+                <a16:creationId xmlns:a16="http://schemas.microsoft.com/office/drawing/2014/main" id="{355594CB-3E0F-4E91-A731-170E03875457}"/>
+              </a:ext>
+            </a:extLst>
+          </p:cNvPr>
+          <p:cNvGraphicFramePr>
+            <a:graphicFrameLocks noGrp="1"/>
+          </p:cNvGraphicFramePr>
+          <p:nvPr>
+            <p:extLst>
+              <p:ext uri="{D42A27DB-BD31-4B8C-83A1-F6EECF244321}">
+                <p14:modId xmlns:p14="http://schemas.microsoft.com/office/powerpoint/2010/main" val="1984263527"/>
+              </p:ext>
+            </p:extLst>
+          </p:nvPr>
+        </p:nvGraphicFramePr>
+        <p:xfrm>
+          <a:off x="4882905" y="1492671"/>
+          <a:ext cx="2071178" cy="410363"/>
+        </p:xfrm>
+        <a:graphic>
+          <a:graphicData uri="http://schemas.openxmlformats.org/drawingml/2006/table">
+            <a:tbl>
+              <a:tblPr>
+                <a:tableStyleId>{638B1855-1B75-4FBE-930C-398BA8C253C6}</a:tableStyleId>
+              </a:tblPr>
+              <a:tblGrid>
+                <a:gridCol w="2071178">
+                  <a:extLst>
+                    <a:ext uri="{9D8B030D-6E8A-4147-A177-3AD203B41FA5}">
+                      <a16:colId xmlns:a16="http://schemas.microsoft.com/office/drawing/2014/main" val="4240773277"/>
+                    </a:ext>
+                  </a:extLst>
+                </a:gridCol>
+              </a:tblGrid>
+              <a:tr h="410363">
+                <a:tc>
+                  <a:txBody>
+                    <a:bodyPr/>
+                    <a:lstStyle/>
+                    <a:p>
+                      <a:r>
+                        <a:rPr lang="en-SG" u="sng" dirty="0"/>
+                        <a:t>et2:</a:t>
+                      </a:r>
+                      <a:r>
+                        <a:rPr lang="en-SG" sz="1800" u="sng" dirty="0"/>
+                        <a:t>ExpenseTracker</a:t>
+                      </a:r>
+                      <a:endParaRPr lang="en-SG" sz="1600" u="sng" dirty="0"/>
+                    </a:p>
+                  </a:txBody>
+                  <a:tcPr/>
+                </a:tc>
+                <a:extLst>
+                  <a:ext uri="{0D108BD9-81ED-4DB2-BD59-A6C34878D82A}">
+                    <a16:rowId xmlns:a16="http://schemas.microsoft.com/office/drawing/2014/main" val="2194462629"/>
+                  </a:ext>
+                </a:extLst>
+              </a:tr>
+            </a:tbl>
+          </a:graphicData>
+        </a:graphic>
+      </p:graphicFrame>
     </p:spTree>
     <p:extLst>
       <p:ext uri="{BB962C8B-B14F-4D97-AF65-F5344CB8AC3E}">

--- a/docs/diagrams/UndoRedoNewCommand4StateListDiagram.pptx
+++ b/docs/diagrams/UndoRedoNewCommand4StateListDiagram.pptx
@@ -112,10 +112,6 @@
 </p:presentation>
 </file>
 
-<file path=ppt/revisionInfo.xml><?xml version="1.0" encoding="utf-8"?>
-<p1510:revInfo xmlns:a="http://schemas.openxmlformats.org/drawingml/2006/main" xmlns:r="http://schemas.openxmlformats.org/officeDocument/2006/relationships" xmlns:p1510="http://schemas.microsoft.com/office/powerpoint/2015/10/main"/>
-</file>
-
 <file path=ppt/slideLayouts/slideLayout1.xml><?xml version="1.0" encoding="utf-8"?>
 <p:sldLayout xmlns:a="http://schemas.openxmlformats.org/drawingml/2006/main" xmlns:r="http://schemas.openxmlformats.org/officeDocument/2006/relationships" xmlns:p="http://schemas.openxmlformats.org/presentationml/2006/main" type="title" preserve="1">
   <p:cSld name="Title Slide">
@@ -265,7 +261,7 @@
           <a:p>
             <a:fld id="{03EC4E3E-8101-482F-A883-8B55DAFF7C07}" type="datetimeFigureOut">
               <a:rPr lang="en-SG" smtClean="0"/>
-              <a:t>6/7/2018</a:t>
+              <a:t>12/11/2018</a:t>
             </a:fld>
             <a:endParaRPr lang="en-SG"/>
           </a:p>
@@ -465,7 +461,7 @@
           <a:p>
             <a:fld id="{03EC4E3E-8101-482F-A883-8B55DAFF7C07}" type="datetimeFigureOut">
               <a:rPr lang="en-SG" smtClean="0"/>
-              <a:t>6/7/2018</a:t>
+              <a:t>12/11/2018</a:t>
             </a:fld>
             <a:endParaRPr lang="en-SG"/>
           </a:p>
@@ -675,7 +671,7 @@
           <a:p>
             <a:fld id="{03EC4E3E-8101-482F-A883-8B55DAFF7C07}" type="datetimeFigureOut">
               <a:rPr lang="en-SG" smtClean="0"/>
-              <a:t>6/7/2018</a:t>
+              <a:t>12/11/2018</a:t>
             </a:fld>
             <a:endParaRPr lang="en-SG"/>
           </a:p>
@@ -875,7 +871,7 @@
           <a:p>
             <a:fld id="{03EC4E3E-8101-482F-A883-8B55DAFF7C07}" type="datetimeFigureOut">
               <a:rPr lang="en-SG" smtClean="0"/>
-              <a:t>6/7/2018</a:t>
+              <a:t>12/11/2018</a:t>
             </a:fld>
             <a:endParaRPr lang="en-SG"/>
           </a:p>
@@ -1151,7 +1147,7 @@
           <a:p>
             <a:fld id="{03EC4E3E-8101-482F-A883-8B55DAFF7C07}" type="datetimeFigureOut">
               <a:rPr lang="en-SG" smtClean="0"/>
-              <a:t>6/7/2018</a:t>
+              <a:t>12/11/2018</a:t>
             </a:fld>
             <a:endParaRPr lang="en-SG"/>
           </a:p>
@@ -1419,7 +1415,7 @@
           <a:p>
             <a:fld id="{03EC4E3E-8101-482F-A883-8B55DAFF7C07}" type="datetimeFigureOut">
               <a:rPr lang="en-SG" smtClean="0"/>
-              <a:t>6/7/2018</a:t>
+              <a:t>12/11/2018</a:t>
             </a:fld>
             <a:endParaRPr lang="en-SG"/>
           </a:p>
@@ -1834,7 +1830,7 @@
           <a:p>
             <a:fld id="{03EC4E3E-8101-482F-A883-8B55DAFF7C07}" type="datetimeFigureOut">
               <a:rPr lang="en-SG" smtClean="0"/>
-              <a:t>6/7/2018</a:t>
+              <a:t>12/11/2018</a:t>
             </a:fld>
             <a:endParaRPr lang="en-SG"/>
           </a:p>
@@ -1976,7 +1972,7 @@
           <a:p>
             <a:fld id="{03EC4E3E-8101-482F-A883-8B55DAFF7C07}" type="datetimeFigureOut">
               <a:rPr lang="en-SG" smtClean="0"/>
-              <a:t>6/7/2018</a:t>
+              <a:t>12/11/2018</a:t>
             </a:fld>
             <a:endParaRPr lang="en-SG"/>
           </a:p>
@@ -2089,7 +2085,7 @@
           <a:p>
             <a:fld id="{03EC4E3E-8101-482F-A883-8B55DAFF7C07}" type="datetimeFigureOut">
               <a:rPr lang="en-SG" smtClean="0"/>
-              <a:t>6/7/2018</a:t>
+              <a:t>12/11/2018</a:t>
             </a:fld>
             <a:endParaRPr lang="en-SG"/>
           </a:p>
@@ -2402,7 +2398,7 @@
           <a:p>
             <a:fld id="{03EC4E3E-8101-482F-A883-8B55DAFF7C07}" type="datetimeFigureOut">
               <a:rPr lang="en-SG" smtClean="0"/>
-              <a:t>6/7/2018</a:t>
+              <a:t>12/11/2018</a:t>
             </a:fld>
             <a:endParaRPr lang="en-SG"/>
           </a:p>
@@ -2691,7 +2687,7 @@
           <a:p>
             <a:fld id="{03EC4E3E-8101-482F-A883-8B55DAFF7C07}" type="datetimeFigureOut">
               <a:rPr lang="en-SG" smtClean="0"/>
-              <a:t>6/7/2018</a:t>
+              <a:t>12/11/2018</a:t>
             </a:fld>
             <a:endParaRPr lang="en-SG"/>
           </a:p>
@@ -2934,7 +2930,7 @@
           <a:p>
             <a:fld id="{03EC4E3E-8101-482F-A883-8B55DAFF7C07}" type="datetimeFigureOut">
               <a:rPr lang="en-SG" smtClean="0"/>
-              <a:t>6/7/2018</a:t>
+              <a:t>12/11/2018</a:t>
             </a:fld>
             <a:endParaRPr lang="en-SG"/>
           </a:p>
@@ -3450,12 +3446,8 @@
           <a:p>
             <a:pPr algn="ctr"/>
             <a:r>
-              <a:rPr lang="en-SG"/>
-              <a:t>State ab2 </a:t>
-            </a:r>
-            <a:r>
               <a:rPr lang="en-SG" dirty="0"/>
-              <a:t>deleted.</a:t>
+              <a:t>State tp2 deleted.</a:t>
             </a:r>
           </a:p>
         </p:txBody>
@@ -3655,7 +3647,7 @@
           <p:nvPr>
             <p:extLst>
               <p:ext uri="{D42A27DB-BD31-4B8C-83A1-F6EECF244321}">
-                <p14:modId xmlns:p14="http://schemas.microsoft.com/office/powerpoint/2010/main" val="1352982134"/>
+                <p14:modId xmlns:p14="http://schemas.microsoft.com/office/powerpoint/2010/main" val="2690544111"/>
               </p:ext>
             </p:extLst>
           </p:nvPr>
@@ -3687,11 +3679,11 @@
                     <a:p>
                       <a:r>
                         <a:rPr lang="en-SG" u="sng" dirty="0"/>
-                        <a:t>ab0:</a:t>
+                        <a:t>tp0:</a:t>
                       </a:r>
                       <a:r>
                         <a:rPr lang="en-SG" sz="1800" u="sng" dirty="0"/>
-                        <a:t>AddressBook</a:t>
+                        <a:t>ThanePark</a:t>
                       </a:r>
                       <a:endParaRPr lang="en-SG" u="sng" dirty="0"/>
                     </a:p>
@@ -3723,7 +3715,7 @@
           <p:nvPr>
             <p:extLst>
               <p:ext uri="{D42A27DB-BD31-4B8C-83A1-F6EECF244321}">
-                <p14:modId xmlns:p14="http://schemas.microsoft.com/office/powerpoint/2010/main" val="829193732"/>
+                <p14:modId xmlns:p14="http://schemas.microsoft.com/office/powerpoint/2010/main" val="3794912016"/>
               </p:ext>
             </p:extLst>
           </p:nvPr>
@@ -3755,11 +3747,11 @@
                     <a:p>
                       <a:r>
                         <a:rPr lang="en-SG" u="sng" dirty="0"/>
-                        <a:t>ab1:</a:t>
+                        <a:t>tp1:</a:t>
                       </a:r>
                       <a:r>
                         <a:rPr lang="en-SG" sz="1800" u="sng" dirty="0"/>
-                        <a:t>AddressBook</a:t>
+                        <a:t>ThanePark</a:t>
                       </a:r>
                       <a:endParaRPr lang="en-SG" u="sng" dirty="0"/>
                     </a:p>
@@ -3791,7 +3783,7 @@
           <p:nvPr>
             <p:extLst>
               <p:ext uri="{D42A27DB-BD31-4B8C-83A1-F6EECF244321}">
-                <p14:modId xmlns:p14="http://schemas.microsoft.com/office/powerpoint/2010/main" val="796708048"/>
+                <p14:modId xmlns:p14="http://schemas.microsoft.com/office/powerpoint/2010/main" val="1659410851"/>
               </p:ext>
             </p:extLst>
           </p:nvPr>
@@ -3823,11 +3815,11 @@
                     <a:p>
                       <a:r>
                         <a:rPr lang="en-SG" u="sng" dirty="0"/>
-                        <a:t>ab2:</a:t>
+                        <a:t>tp2:</a:t>
                       </a:r>
                       <a:r>
                         <a:rPr lang="en-SG" sz="1800" u="sng" dirty="0"/>
-                        <a:t>AddressBook</a:t>
+                        <a:t>ThanePark</a:t>
                       </a:r>
                       <a:endParaRPr lang="en-SG" u="sng" dirty="0"/>
                     </a:p>
@@ -3859,7 +3851,7 @@
           <p:nvPr>
             <p:extLst>
               <p:ext uri="{D42A27DB-BD31-4B8C-83A1-F6EECF244321}">
-                <p14:modId xmlns:p14="http://schemas.microsoft.com/office/powerpoint/2010/main" val="377617300"/>
+                <p14:modId xmlns:p14="http://schemas.microsoft.com/office/powerpoint/2010/main" val="730482055"/>
               </p:ext>
             </p:extLst>
           </p:nvPr>
@@ -3891,11 +3883,11 @@
                     <a:p>
                       <a:r>
                         <a:rPr lang="en-SG" u="sng" dirty="0"/>
-                        <a:t>ab0:</a:t>
+                        <a:t>tp0:</a:t>
                       </a:r>
                       <a:r>
                         <a:rPr lang="en-SG" sz="1800" u="sng" dirty="0"/>
-                        <a:t>AddressBook</a:t>
+                        <a:t>ThanePark</a:t>
                       </a:r>
                       <a:endParaRPr lang="en-SG" u="sng" dirty="0"/>
                     </a:p>
@@ -3927,7 +3919,7 @@
           <p:nvPr>
             <p:extLst>
               <p:ext uri="{D42A27DB-BD31-4B8C-83A1-F6EECF244321}">
-                <p14:modId xmlns:p14="http://schemas.microsoft.com/office/powerpoint/2010/main" val="4076322253"/>
+                <p14:modId xmlns:p14="http://schemas.microsoft.com/office/powerpoint/2010/main" val="19075739"/>
               </p:ext>
             </p:extLst>
           </p:nvPr>
@@ -3959,11 +3951,11 @@
                     <a:p>
                       <a:r>
                         <a:rPr lang="en-SG" u="sng" dirty="0"/>
-                        <a:t>ab1:</a:t>
+                        <a:t>tp1:</a:t>
                       </a:r>
                       <a:r>
                         <a:rPr lang="en-SG" sz="1800" u="sng" dirty="0"/>
-                        <a:t>AddressBook</a:t>
+                        <a:t>ThanePark</a:t>
                       </a:r>
                       <a:endParaRPr lang="en-SG" u="sng" dirty="0"/>
                     </a:p>
@@ -3995,7 +3987,7 @@
           <p:nvPr>
             <p:extLst>
               <p:ext uri="{D42A27DB-BD31-4B8C-83A1-F6EECF244321}">
-                <p14:modId xmlns:p14="http://schemas.microsoft.com/office/powerpoint/2010/main" val="53411958"/>
+                <p14:modId xmlns:p14="http://schemas.microsoft.com/office/powerpoint/2010/main" val="3968001867"/>
               </p:ext>
             </p:extLst>
           </p:nvPr>
@@ -4027,11 +4019,11 @@
                     <a:p>
                       <a:r>
                         <a:rPr lang="en-SG" u="sng" dirty="0"/>
-                        <a:t>ab3:</a:t>
+                        <a:t>tp3:</a:t>
                       </a:r>
                       <a:r>
                         <a:rPr lang="en-SG" sz="1800" u="sng" dirty="0"/>
-                        <a:t>AddressBook</a:t>
+                        <a:t>ThanePark</a:t>
                       </a:r>
                       <a:endParaRPr lang="en-SG" u="sng" dirty="0"/>
                     </a:p>
